--- a/ServerLecture/PT/2강 소켓 프로그래밍.pptx
+++ b/ServerLecture/PT/2강 소켓 프로그래밍.pptx
@@ -5,11 +5,23 @@
     <p:sldMasterId id="2147483648" r:id="rId1"/>
   </p:sldMasterIdLst>
   <p:notesMasterIdLst>
-    <p:notesMasterId r:id="rId4"/>
+    <p:notesMasterId r:id="rId16"/>
   </p:notesMasterIdLst>
   <p:sldIdLst>
     <p:sldId id="256" r:id="rId2"/>
     <p:sldId id="257" r:id="rId3"/>
+    <p:sldId id="258" r:id="rId4"/>
+    <p:sldId id="259" r:id="rId5"/>
+    <p:sldId id="260" r:id="rId6"/>
+    <p:sldId id="261" r:id="rId7"/>
+    <p:sldId id="262" r:id="rId8"/>
+    <p:sldId id="263" r:id="rId9"/>
+    <p:sldId id="264" r:id="rId10"/>
+    <p:sldId id="266" r:id="rId11"/>
+    <p:sldId id="265" r:id="rId12"/>
+    <p:sldId id="268" r:id="rId13"/>
+    <p:sldId id="267" r:id="rId14"/>
+    <p:sldId id="269" r:id="rId15"/>
   </p:sldIdLst>
   <p:sldSz cx="12192000" cy="6858000"/>
   <p:notesSz cx="6858000" cy="9144000"/>
@@ -540,6 +552,1014 @@
     <p:extLst>
       <p:ext uri="{BB962C8B-B14F-4D97-AF65-F5344CB8AC3E}">
         <p14:creationId xmlns:p14="http://schemas.microsoft.com/office/powerpoint/2010/main" val="4162664262"/>
+      </p:ext>
+    </p:extLst>
+  </p:cSld>
+  <p:clrMapOvr>
+    <a:masterClrMapping/>
+  </p:clrMapOvr>
+</p:notes>
+</file>
+
+<file path=ppt/notesSlides/notesSlide10.xml><?xml version="1.0" encoding="utf-8"?>
+<p:notes xmlns:a="http://schemas.openxmlformats.org/drawingml/2006/main" xmlns:r="http://schemas.openxmlformats.org/officeDocument/2006/relationships" xmlns:p="http://schemas.openxmlformats.org/presentationml/2006/main">
+  <p:cSld>
+    <p:spTree>
+      <p:nvGrpSpPr>
+        <p:cNvPr id="1" name=""/>
+        <p:cNvGrpSpPr/>
+        <p:nvPr/>
+      </p:nvGrpSpPr>
+      <p:grpSpPr>
+        <a:xfrm>
+          <a:off x="0" y="0"/>
+          <a:ext cx="0" cy="0"/>
+          <a:chOff x="0" y="0"/>
+          <a:chExt cx="0" cy="0"/>
+        </a:xfrm>
+      </p:grpSpPr>
+      <p:sp>
+        <p:nvSpPr>
+          <p:cNvPr id="2" name="슬라이드 이미지 개체 틀 1"/>
+          <p:cNvSpPr>
+            <a:spLocks noGrp="1" noRot="1" noChangeAspect="1"/>
+          </p:cNvSpPr>
+          <p:nvPr>
+            <p:ph type="sldImg"/>
+          </p:nvPr>
+        </p:nvSpPr>
+        <p:spPr/>
+      </p:sp>
+      <p:sp>
+        <p:nvSpPr>
+          <p:cNvPr id="3" name="슬라이드 노트 개체 틀 2"/>
+          <p:cNvSpPr>
+            <a:spLocks noGrp="1"/>
+          </p:cNvSpPr>
+          <p:nvPr>
+            <p:ph type="body" idx="1"/>
+          </p:nvPr>
+        </p:nvSpPr>
+        <p:spPr/>
+        <p:txBody>
+          <a:bodyPr/>
+          <a:lstStyle/>
+          <a:p>
+            <a:endParaRPr lang="ko-KR" altLang="en-US" dirty="0"/>
+          </a:p>
+        </p:txBody>
+      </p:sp>
+      <p:sp>
+        <p:nvSpPr>
+          <p:cNvPr id="4" name="슬라이드 번호 개체 틀 3"/>
+          <p:cNvSpPr>
+            <a:spLocks noGrp="1"/>
+          </p:cNvSpPr>
+          <p:nvPr>
+            <p:ph type="sldNum" sz="quarter" idx="5"/>
+          </p:nvPr>
+        </p:nvSpPr>
+        <p:spPr/>
+        <p:txBody>
+          <a:bodyPr/>
+          <a:lstStyle/>
+          <a:p>
+            <a:fld id="{D8DCC404-E41A-4BC0-921C-BBFB3AB1AB4E}" type="slidenum">
+              <a:rPr lang="ko-KR" altLang="en-US" smtClean="0"/>
+              <a:t>11</a:t>
+            </a:fld>
+            <a:endParaRPr lang="ko-KR" altLang="en-US"/>
+          </a:p>
+        </p:txBody>
+      </p:sp>
+    </p:spTree>
+    <p:extLst>
+      <p:ext uri="{BB962C8B-B14F-4D97-AF65-F5344CB8AC3E}">
+        <p14:creationId xmlns:p14="http://schemas.microsoft.com/office/powerpoint/2010/main" val="1888856875"/>
+      </p:ext>
+    </p:extLst>
+  </p:cSld>
+  <p:clrMapOvr>
+    <a:masterClrMapping/>
+  </p:clrMapOvr>
+</p:notes>
+</file>
+
+<file path=ppt/notesSlides/notesSlide11.xml><?xml version="1.0" encoding="utf-8"?>
+<p:notes xmlns:a="http://schemas.openxmlformats.org/drawingml/2006/main" xmlns:r="http://schemas.openxmlformats.org/officeDocument/2006/relationships" xmlns:p="http://schemas.openxmlformats.org/presentationml/2006/main">
+  <p:cSld>
+    <p:spTree>
+      <p:nvGrpSpPr>
+        <p:cNvPr id="1" name=""/>
+        <p:cNvGrpSpPr/>
+        <p:nvPr/>
+      </p:nvGrpSpPr>
+      <p:grpSpPr>
+        <a:xfrm>
+          <a:off x="0" y="0"/>
+          <a:ext cx="0" cy="0"/>
+          <a:chOff x="0" y="0"/>
+          <a:chExt cx="0" cy="0"/>
+        </a:xfrm>
+      </p:grpSpPr>
+      <p:sp>
+        <p:nvSpPr>
+          <p:cNvPr id="2" name="슬라이드 이미지 개체 틀 1"/>
+          <p:cNvSpPr>
+            <a:spLocks noGrp="1" noRot="1" noChangeAspect="1"/>
+          </p:cNvSpPr>
+          <p:nvPr>
+            <p:ph type="sldImg"/>
+          </p:nvPr>
+        </p:nvSpPr>
+        <p:spPr/>
+      </p:sp>
+      <p:sp>
+        <p:nvSpPr>
+          <p:cNvPr id="3" name="슬라이드 노트 개체 틀 2"/>
+          <p:cNvSpPr>
+            <a:spLocks noGrp="1"/>
+          </p:cNvSpPr>
+          <p:nvPr>
+            <p:ph type="body" idx="1"/>
+          </p:nvPr>
+        </p:nvSpPr>
+        <p:spPr/>
+        <p:txBody>
+          <a:bodyPr/>
+          <a:lstStyle/>
+          <a:p>
+            <a:endParaRPr lang="ko-KR" altLang="en-US" dirty="0"/>
+          </a:p>
+        </p:txBody>
+      </p:sp>
+      <p:sp>
+        <p:nvSpPr>
+          <p:cNvPr id="4" name="슬라이드 번호 개체 틀 3"/>
+          <p:cNvSpPr>
+            <a:spLocks noGrp="1"/>
+          </p:cNvSpPr>
+          <p:nvPr>
+            <p:ph type="sldNum" sz="quarter" idx="5"/>
+          </p:nvPr>
+        </p:nvSpPr>
+        <p:spPr/>
+        <p:txBody>
+          <a:bodyPr/>
+          <a:lstStyle/>
+          <a:p>
+            <a:fld id="{D8DCC404-E41A-4BC0-921C-BBFB3AB1AB4E}" type="slidenum">
+              <a:rPr lang="ko-KR" altLang="en-US" smtClean="0"/>
+              <a:t>12</a:t>
+            </a:fld>
+            <a:endParaRPr lang="ko-KR" altLang="en-US"/>
+          </a:p>
+        </p:txBody>
+      </p:sp>
+    </p:spTree>
+    <p:extLst>
+      <p:ext uri="{BB962C8B-B14F-4D97-AF65-F5344CB8AC3E}">
+        <p14:creationId xmlns:p14="http://schemas.microsoft.com/office/powerpoint/2010/main" val="165366988"/>
+      </p:ext>
+    </p:extLst>
+  </p:cSld>
+  <p:clrMapOvr>
+    <a:masterClrMapping/>
+  </p:clrMapOvr>
+</p:notes>
+</file>
+
+<file path=ppt/notesSlides/notesSlide12.xml><?xml version="1.0" encoding="utf-8"?>
+<p:notes xmlns:a="http://schemas.openxmlformats.org/drawingml/2006/main" xmlns:r="http://schemas.openxmlformats.org/officeDocument/2006/relationships" xmlns:p="http://schemas.openxmlformats.org/presentationml/2006/main">
+  <p:cSld>
+    <p:spTree>
+      <p:nvGrpSpPr>
+        <p:cNvPr id="1" name=""/>
+        <p:cNvGrpSpPr/>
+        <p:nvPr/>
+      </p:nvGrpSpPr>
+      <p:grpSpPr>
+        <a:xfrm>
+          <a:off x="0" y="0"/>
+          <a:ext cx="0" cy="0"/>
+          <a:chOff x="0" y="0"/>
+          <a:chExt cx="0" cy="0"/>
+        </a:xfrm>
+      </p:grpSpPr>
+      <p:sp>
+        <p:nvSpPr>
+          <p:cNvPr id="2" name="슬라이드 이미지 개체 틀 1"/>
+          <p:cNvSpPr>
+            <a:spLocks noGrp="1" noRot="1" noChangeAspect="1"/>
+          </p:cNvSpPr>
+          <p:nvPr>
+            <p:ph type="sldImg"/>
+          </p:nvPr>
+        </p:nvSpPr>
+        <p:spPr/>
+      </p:sp>
+      <p:sp>
+        <p:nvSpPr>
+          <p:cNvPr id="3" name="슬라이드 노트 개체 틀 2"/>
+          <p:cNvSpPr>
+            <a:spLocks noGrp="1"/>
+          </p:cNvSpPr>
+          <p:nvPr>
+            <p:ph type="body" idx="1"/>
+          </p:nvPr>
+        </p:nvSpPr>
+        <p:spPr/>
+        <p:txBody>
+          <a:bodyPr/>
+          <a:lstStyle/>
+          <a:p>
+            <a:endParaRPr lang="ko-KR" altLang="en-US" dirty="0"/>
+          </a:p>
+        </p:txBody>
+      </p:sp>
+      <p:sp>
+        <p:nvSpPr>
+          <p:cNvPr id="4" name="슬라이드 번호 개체 틀 3"/>
+          <p:cNvSpPr>
+            <a:spLocks noGrp="1"/>
+          </p:cNvSpPr>
+          <p:nvPr>
+            <p:ph type="sldNum" sz="quarter" idx="5"/>
+          </p:nvPr>
+        </p:nvSpPr>
+        <p:spPr/>
+        <p:txBody>
+          <a:bodyPr/>
+          <a:lstStyle/>
+          <a:p>
+            <a:fld id="{D8DCC404-E41A-4BC0-921C-BBFB3AB1AB4E}" type="slidenum">
+              <a:rPr lang="ko-KR" altLang="en-US" smtClean="0"/>
+              <a:t>13</a:t>
+            </a:fld>
+            <a:endParaRPr lang="ko-KR" altLang="en-US"/>
+          </a:p>
+        </p:txBody>
+      </p:sp>
+    </p:spTree>
+    <p:extLst>
+      <p:ext uri="{BB962C8B-B14F-4D97-AF65-F5344CB8AC3E}">
+        <p14:creationId xmlns:p14="http://schemas.microsoft.com/office/powerpoint/2010/main" val="2902696584"/>
+      </p:ext>
+    </p:extLst>
+  </p:cSld>
+  <p:clrMapOvr>
+    <a:masterClrMapping/>
+  </p:clrMapOvr>
+</p:notes>
+</file>
+
+<file path=ppt/notesSlides/notesSlide13.xml><?xml version="1.0" encoding="utf-8"?>
+<p:notes xmlns:a="http://schemas.openxmlformats.org/drawingml/2006/main" xmlns:r="http://schemas.openxmlformats.org/officeDocument/2006/relationships" xmlns:p="http://schemas.openxmlformats.org/presentationml/2006/main">
+  <p:cSld>
+    <p:spTree>
+      <p:nvGrpSpPr>
+        <p:cNvPr id="1" name=""/>
+        <p:cNvGrpSpPr/>
+        <p:nvPr/>
+      </p:nvGrpSpPr>
+      <p:grpSpPr>
+        <a:xfrm>
+          <a:off x="0" y="0"/>
+          <a:ext cx="0" cy="0"/>
+          <a:chOff x="0" y="0"/>
+          <a:chExt cx="0" cy="0"/>
+        </a:xfrm>
+      </p:grpSpPr>
+      <p:sp>
+        <p:nvSpPr>
+          <p:cNvPr id="2" name="슬라이드 이미지 개체 틀 1"/>
+          <p:cNvSpPr>
+            <a:spLocks noGrp="1" noRot="1" noChangeAspect="1"/>
+          </p:cNvSpPr>
+          <p:nvPr>
+            <p:ph type="sldImg"/>
+          </p:nvPr>
+        </p:nvSpPr>
+        <p:spPr/>
+      </p:sp>
+      <p:sp>
+        <p:nvSpPr>
+          <p:cNvPr id="3" name="슬라이드 노트 개체 틀 2"/>
+          <p:cNvSpPr>
+            <a:spLocks noGrp="1"/>
+          </p:cNvSpPr>
+          <p:nvPr>
+            <p:ph type="body" idx="1"/>
+          </p:nvPr>
+        </p:nvSpPr>
+        <p:spPr/>
+        <p:txBody>
+          <a:bodyPr/>
+          <a:lstStyle/>
+          <a:p>
+            <a:endParaRPr lang="ko-KR" altLang="en-US" dirty="0"/>
+          </a:p>
+        </p:txBody>
+      </p:sp>
+      <p:sp>
+        <p:nvSpPr>
+          <p:cNvPr id="4" name="슬라이드 번호 개체 틀 3"/>
+          <p:cNvSpPr>
+            <a:spLocks noGrp="1"/>
+          </p:cNvSpPr>
+          <p:nvPr>
+            <p:ph type="sldNum" sz="quarter" idx="5"/>
+          </p:nvPr>
+        </p:nvSpPr>
+        <p:spPr/>
+        <p:txBody>
+          <a:bodyPr/>
+          <a:lstStyle/>
+          <a:p>
+            <a:fld id="{D8DCC404-E41A-4BC0-921C-BBFB3AB1AB4E}" type="slidenum">
+              <a:rPr lang="ko-KR" altLang="en-US" smtClean="0"/>
+              <a:t>14</a:t>
+            </a:fld>
+            <a:endParaRPr lang="ko-KR" altLang="en-US"/>
+          </a:p>
+        </p:txBody>
+      </p:sp>
+    </p:spTree>
+    <p:extLst>
+      <p:ext uri="{BB962C8B-B14F-4D97-AF65-F5344CB8AC3E}">
+        <p14:creationId xmlns:p14="http://schemas.microsoft.com/office/powerpoint/2010/main" val="46172523"/>
+      </p:ext>
+    </p:extLst>
+  </p:cSld>
+  <p:clrMapOvr>
+    <a:masterClrMapping/>
+  </p:clrMapOvr>
+</p:notes>
+</file>
+
+<file path=ppt/notesSlides/notesSlide2.xml><?xml version="1.0" encoding="utf-8"?>
+<p:notes xmlns:a="http://schemas.openxmlformats.org/drawingml/2006/main" xmlns:r="http://schemas.openxmlformats.org/officeDocument/2006/relationships" xmlns:p="http://schemas.openxmlformats.org/presentationml/2006/main">
+  <p:cSld>
+    <p:spTree>
+      <p:nvGrpSpPr>
+        <p:cNvPr id="1" name=""/>
+        <p:cNvGrpSpPr/>
+        <p:nvPr/>
+      </p:nvGrpSpPr>
+      <p:grpSpPr>
+        <a:xfrm>
+          <a:off x="0" y="0"/>
+          <a:ext cx="0" cy="0"/>
+          <a:chOff x="0" y="0"/>
+          <a:chExt cx="0" cy="0"/>
+        </a:xfrm>
+      </p:grpSpPr>
+      <p:sp>
+        <p:nvSpPr>
+          <p:cNvPr id="2" name="슬라이드 이미지 개체 틀 1"/>
+          <p:cNvSpPr>
+            <a:spLocks noGrp="1" noRot="1" noChangeAspect="1"/>
+          </p:cNvSpPr>
+          <p:nvPr>
+            <p:ph type="sldImg"/>
+          </p:nvPr>
+        </p:nvSpPr>
+        <p:spPr/>
+      </p:sp>
+      <p:sp>
+        <p:nvSpPr>
+          <p:cNvPr id="3" name="슬라이드 노트 개체 틀 2"/>
+          <p:cNvSpPr>
+            <a:spLocks noGrp="1"/>
+          </p:cNvSpPr>
+          <p:nvPr>
+            <p:ph type="body" idx="1"/>
+          </p:nvPr>
+        </p:nvSpPr>
+        <p:spPr/>
+        <p:txBody>
+          <a:bodyPr/>
+          <a:lstStyle/>
+          <a:p>
+            <a:endParaRPr lang="ko-KR" altLang="en-US" dirty="0"/>
+          </a:p>
+        </p:txBody>
+      </p:sp>
+      <p:sp>
+        <p:nvSpPr>
+          <p:cNvPr id="4" name="슬라이드 번호 개체 틀 3"/>
+          <p:cNvSpPr>
+            <a:spLocks noGrp="1"/>
+          </p:cNvSpPr>
+          <p:nvPr>
+            <p:ph type="sldNum" sz="quarter" idx="5"/>
+          </p:nvPr>
+        </p:nvSpPr>
+        <p:spPr/>
+        <p:txBody>
+          <a:bodyPr/>
+          <a:lstStyle/>
+          <a:p>
+            <a:fld id="{D8DCC404-E41A-4BC0-921C-BBFB3AB1AB4E}" type="slidenum">
+              <a:rPr lang="ko-KR" altLang="en-US" smtClean="0"/>
+              <a:t>3</a:t>
+            </a:fld>
+            <a:endParaRPr lang="ko-KR" altLang="en-US"/>
+          </a:p>
+        </p:txBody>
+      </p:sp>
+    </p:spTree>
+    <p:extLst>
+      <p:ext uri="{BB962C8B-B14F-4D97-AF65-F5344CB8AC3E}">
+        <p14:creationId xmlns:p14="http://schemas.microsoft.com/office/powerpoint/2010/main" val="2075532560"/>
+      </p:ext>
+    </p:extLst>
+  </p:cSld>
+  <p:clrMapOvr>
+    <a:masterClrMapping/>
+  </p:clrMapOvr>
+</p:notes>
+</file>
+
+<file path=ppt/notesSlides/notesSlide3.xml><?xml version="1.0" encoding="utf-8"?>
+<p:notes xmlns:a="http://schemas.openxmlformats.org/drawingml/2006/main" xmlns:r="http://schemas.openxmlformats.org/officeDocument/2006/relationships" xmlns:p="http://schemas.openxmlformats.org/presentationml/2006/main">
+  <p:cSld>
+    <p:spTree>
+      <p:nvGrpSpPr>
+        <p:cNvPr id="1" name=""/>
+        <p:cNvGrpSpPr/>
+        <p:nvPr/>
+      </p:nvGrpSpPr>
+      <p:grpSpPr>
+        <a:xfrm>
+          <a:off x="0" y="0"/>
+          <a:ext cx="0" cy="0"/>
+          <a:chOff x="0" y="0"/>
+          <a:chExt cx="0" cy="0"/>
+        </a:xfrm>
+      </p:grpSpPr>
+      <p:sp>
+        <p:nvSpPr>
+          <p:cNvPr id="2" name="슬라이드 이미지 개체 틀 1"/>
+          <p:cNvSpPr>
+            <a:spLocks noGrp="1" noRot="1" noChangeAspect="1"/>
+          </p:cNvSpPr>
+          <p:nvPr>
+            <p:ph type="sldImg"/>
+          </p:nvPr>
+        </p:nvSpPr>
+        <p:spPr/>
+      </p:sp>
+      <p:sp>
+        <p:nvSpPr>
+          <p:cNvPr id="3" name="슬라이드 노트 개체 틀 2"/>
+          <p:cNvSpPr>
+            <a:spLocks noGrp="1"/>
+          </p:cNvSpPr>
+          <p:nvPr>
+            <p:ph type="body" idx="1"/>
+          </p:nvPr>
+        </p:nvSpPr>
+        <p:spPr/>
+        <p:txBody>
+          <a:bodyPr/>
+          <a:lstStyle/>
+          <a:p>
+            <a:endParaRPr lang="ko-KR" altLang="en-US" dirty="0"/>
+          </a:p>
+        </p:txBody>
+      </p:sp>
+      <p:sp>
+        <p:nvSpPr>
+          <p:cNvPr id="4" name="슬라이드 번호 개체 틀 3"/>
+          <p:cNvSpPr>
+            <a:spLocks noGrp="1"/>
+          </p:cNvSpPr>
+          <p:nvPr>
+            <p:ph type="sldNum" sz="quarter" idx="5"/>
+          </p:nvPr>
+        </p:nvSpPr>
+        <p:spPr/>
+        <p:txBody>
+          <a:bodyPr/>
+          <a:lstStyle/>
+          <a:p>
+            <a:fld id="{D8DCC404-E41A-4BC0-921C-BBFB3AB1AB4E}" type="slidenum">
+              <a:rPr lang="ko-KR" altLang="en-US" smtClean="0"/>
+              <a:t>4</a:t>
+            </a:fld>
+            <a:endParaRPr lang="ko-KR" altLang="en-US"/>
+          </a:p>
+        </p:txBody>
+      </p:sp>
+    </p:spTree>
+    <p:extLst>
+      <p:ext uri="{BB962C8B-B14F-4D97-AF65-F5344CB8AC3E}">
+        <p14:creationId xmlns:p14="http://schemas.microsoft.com/office/powerpoint/2010/main" val="574692744"/>
+      </p:ext>
+    </p:extLst>
+  </p:cSld>
+  <p:clrMapOvr>
+    <a:masterClrMapping/>
+  </p:clrMapOvr>
+</p:notes>
+</file>
+
+<file path=ppt/notesSlides/notesSlide4.xml><?xml version="1.0" encoding="utf-8"?>
+<p:notes xmlns:a="http://schemas.openxmlformats.org/drawingml/2006/main" xmlns:r="http://schemas.openxmlformats.org/officeDocument/2006/relationships" xmlns:p="http://schemas.openxmlformats.org/presentationml/2006/main">
+  <p:cSld>
+    <p:spTree>
+      <p:nvGrpSpPr>
+        <p:cNvPr id="1" name=""/>
+        <p:cNvGrpSpPr/>
+        <p:nvPr/>
+      </p:nvGrpSpPr>
+      <p:grpSpPr>
+        <a:xfrm>
+          <a:off x="0" y="0"/>
+          <a:ext cx="0" cy="0"/>
+          <a:chOff x="0" y="0"/>
+          <a:chExt cx="0" cy="0"/>
+        </a:xfrm>
+      </p:grpSpPr>
+      <p:sp>
+        <p:nvSpPr>
+          <p:cNvPr id="2" name="슬라이드 이미지 개체 틀 1"/>
+          <p:cNvSpPr>
+            <a:spLocks noGrp="1" noRot="1" noChangeAspect="1"/>
+          </p:cNvSpPr>
+          <p:nvPr>
+            <p:ph type="sldImg"/>
+          </p:nvPr>
+        </p:nvSpPr>
+        <p:spPr/>
+      </p:sp>
+      <p:sp>
+        <p:nvSpPr>
+          <p:cNvPr id="3" name="슬라이드 노트 개체 틀 2"/>
+          <p:cNvSpPr>
+            <a:spLocks noGrp="1"/>
+          </p:cNvSpPr>
+          <p:nvPr>
+            <p:ph type="body" idx="1"/>
+          </p:nvPr>
+        </p:nvSpPr>
+        <p:spPr/>
+        <p:txBody>
+          <a:bodyPr/>
+          <a:lstStyle/>
+          <a:p>
+            <a:endParaRPr lang="ko-KR" altLang="en-US" dirty="0"/>
+          </a:p>
+        </p:txBody>
+      </p:sp>
+      <p:sp>
+        <p:nvSpPr>
+          <p:cNvPr id="4" name="슬라이드 번호 개체 틀 3"/>
+          <p:cNvSpPr>
+            <a:spLocks noGrp="1"/>
+          </p:cNvSpPr>
+          <p:nvPr>
+            <p:ph type="sldNum" sz="quarter" idx="5"/>
+          </p:nvPr>
+        </p:nvSpPr>
+        <p:spPr/>
+        <p:txBody>
+          <a:bodyPr/>
+          <a:lstStyle/>
+          <a:p>
+            <a:fld id="{D8DCC404-E41A-4BC0-921C-BBFB3AB1AB4E}" type="slidenum">
+              <a:rPr lang="ko-KR" altLang="en-US" smtClean="0"/>
+              <a:t>5</a:t>
+            </a:fld>
+            <a:endParaRPr lang="ko-KR" altLang="en-US"/>
+          </a:p>
+        </p:txBody>
+      </p:sp>
+    </p:spTree>
+    <p:extLst>
+      <p:ext uri="{BB962C8B-B14F-4D97-AF65-F5344CB8AC3E}">
+        <p14:creationId xmlns:p14="http://schemas.microsoft.com/office/powerpoint/2010/main" val="2279307968"/>
+      </p:ext>
+    </p:extLst>
+  </p:cSld>
+  <p:clrMapOvr>
+    <a:masterClrMapping/>
+  </p:clrMapOvr>
+</p:notes>
+</file>
+
+<file path=ppt/notesSlides/notesSlide5.xml><?xml version="1.0" encoding="utf-8"?>
+<p:notes xmlns:a="http://schemas.openxmlformats.org/drawingml/2006/main" xmlns:r="http://schemas.openxmlformats.org/officeDocument/2006/relationships" xmlns:p="http://schemas.openxmlformats.org/presentationml/2006/main">
+  <p:cSld>
+    <p:spTree>
+      <p:nvGrpSpPr>
+        <p:cNvPr id="1" name=""/>
+        <p:cNvGrpSpPr/>
+        <p:nvPr/>
+      </p:nvGrpSpPr>
+      <p:grpSpPr>
+        <a:xfrm>
+          <a:off x="0" y="0"/>
+          <a:ext cx="0" cy="0"/>
+          <a:chOff x="0" y="0"/>
+          <a:chExt cx="0" cy="0"/>
+        </a:xfrm>
+      </p:grpSpPr>
+      <p:sp>
+        <p:nvSpPr>
+          <p:cNvPr id="2" name="슬라이드 이미지 개체 틀 1"/>
+          <p:cNvSpPr>
+            <a:spLocks noGrp="1" noRot="1" noChangeAspect="1"/>
+          </p:cNvSpPr>
+          <p:nvPr>
+            <p:ph type="sldImg"/>
+          </p:nvPr>
+        </p:nvSpPr>
+        <p:spPr/>
+      </p:sp>
+      <p:sp>
+        <p:nvSpPr>
+          <p:cNvPr id="3" name="슬라이드 노트 개체 틀 2"/>
+          <p:cNvSpPr>
+            <a:spLocks noGrp="1"/>
+          </p:cNvSpPr>
+          <p:nvPr>
+            <p:ph type="body" idx="1"/>
+          </p:nvPr>
+        </p:nvSpPr>
+        <p:spPr/>
+        <p:txBody>
+          <a:bodyPr/>
+          <a:lstStyle/>
+          <a:p>
+            <a:endParaRPr lang="ko-KR" altLang="en-US" dirty="0"/>
+          </a:p>
+        </p:txBody>
+      </p:sp>
+      <p:sp>
+        <p:nvSpPr>
+          <p:cNvPr id="4" name="슬라이드 번호 개체 틀 3"/>
+          <p:cNvSpPr>
+            <a:spLocks noGrp="1"/>
+          </p:cNvSpPr>
+          <p:nvPr>
+            <p:ph type="sldNum" sz="quarter" idx="5"/>
+          </p:nvPr>
+        </p:nvSpPr>
+        <p:spPr/>
+        <p:txBody>
+          <a:bodyPr/>
+          <a:lstStyle/>
+          <a:p>
+            <a:fld id="{D8DCC404-E41A-4BC0-921C-BBFB3AB1AB4E}" type="slidenum">
+              <a:rPr lang="ko-KR" altLang="en-US" smtClean="0"/>
+              <a:t>6</a:t>
+            </a:fld>
+            <a:endParaRPr lang="ko-KR" altLang="en-US"/>
+          </a:p>
+        </p:txBody>
+      </p:sp>
+    </p:spTree>
+    <p:extLst>
+      <p:ext uri="{BB962C8B-B14F-4D97-AF65-F5344CB8AC3E}">
+        <p14:creationId xmlns:p14="http://schemas.microsoft.com/office/powerpoint/2010/main" val="2832978615"/>
+      </p:ext>
+    </p:extLst>
+  </p:cSld>
+  <p:clrMapOvr>
+    <a:masterClrMapping/>
+  </p:clrMapOvr>
+</p:notes>
+</file>
+
+<file path=ppt/notesSlides/notesSlide6.xml><?xml version="1.0" encoding="utf-8"?>
+<p:notes xmlns:a="http://schemas.openxmlformats.org/drawingml/2006/main" xmlns:r="http://schemas.openxmlformats.org/officeDocument/2006/relationships" xmlns:p="http://schemas.openxmlformats.org/presentationml/2006/main">
+  <p:cSld>
+    <p:spTree>
+      <p:nvGrpSpPr>
+        <p:cNvPr id="1" name=""/>
+        <p:cNvGrpSpPr/>
+        <p:nvPr/>
+      </p:nvGrpSpPr>
+      <p:grpSpPr>
+        <a:xfrm>
+          <a:off x="0" y="0"/>
+          <a:ext cx="0" cy="0"/>
+          <a:chOff x="0" y="0"/>
+          <a:chExt cx="0" cy="0"/>
+        </a:xfrm>
+      </p:grpSpPr>
+      <p:sp>
+        <p:nvSpPr>
+          <p:cNvPr id="2" name="슬라이드 이미지 개체 틀 1"/>
+          <p:cNvSpPr>
+            <a:spLocks noGrp="1" noRot="1" noChangeAspect="1"/>
+          </p:cNvSpPr>
+          <p:nvPr>
+            <p:ph type="sldImg"/>
+          </p:nvPr>
+        </p:nvSpPr>
+        <p:spPr/>
+      </p:sp>
+      <p:sp>
+        <p:nvSpPr>
+          <p:cNvPr id="3" name="슬라이드 노트 개체 틀 2"/>
+          <p:cNvSpPr>
+            <a:spLocks noGrp="1"/>
+          </p:cNvSpPr>
+          <p:nvPr>
+            <p:ph type="body" idx="1"/>
+          </p:nvPr>
+        </p:nvSpPr>
+        <p:spPr/>
+        <p:txBody>
+          <a:bodyPr/>
+          <a:lstStyle/>
+          <a:p>
+            <a:endParaRPr lang="ko-KR" altLang="en-US" dirty="0"/>
+          </a:p>
+        </p:txBody>
+      </p:sp>
+      <p:sp>
+        <p:nvSpPr>
+          <p:cNvPr id="4" name="슬라이드 번호 개체 틀 3"/>
+          <p:cNvSpPr>
+            <a:spLocks noGrp="1"/>
+          </p:cNvSpPr>
+          <p:nvPr>
+            <p:ph type="sldNum" sz="quarter" idx="5"/>
+          </p:nvPr>
+        </p:nvSpPr>
+        <p:spPr/>
+        <p:txBody>
+          <a:bodyPr/>
+          <a:lstStyle/>
+          <a:p>
+            <a:fld id="{D8DCC404-E41A-4BC0-921C-BBFB3AB1AB4E}" type="slidenum">
+              <a:rPr lang="ko-KR" altLang="en-US" smtClean="0"/>
+              <a:t>7</a:t>
+            </a:fld>
+            <a:endParaRPr lang="ko-KR" altLang="en-US"/>
+          </a:p>
+        </p:txBody>
+      </p:sp>
+    </p:spTree>
+    <p:extLst>
+      <p:ext uri="{BB962C8B-B14F-4D97-AF65-F5344CB8AC3E}">
+        <p14:creationId xmlns:p14="http://schemas.microsoft.com/office/powerpoint/2010/main" val="359821345"/>
+      </p:ext>
+    </p:extLst>
+  </p:cSld>
+  <p:clrMapOvr>
+    <a:masterClrMapping/>
+  </p:clrMapOvr>
+</p:notes>
+</file>
+
+<file path=ppt/notesSlides/notesSlide7.xml><?xml version="1.0" encoding="utf-8"?>
+<p:notes xmlns:a="http://schemas.openxmlformats.org/drawingml/2006/main" xmlns:r="http://schemas.openxmlformats.org/officeDocument/2006/relationships" xmlns:p="http://schemas.openxmlformats.org/presentationml/2006/main">
+  <p:cSld>
+    <p:spTree>
+      <p:nvGrpSpPr>
+        <p:cNvPr id="1" name=""/>
+        <p:cNvGrpSpPr/>
+        <p:nvPr/>
+      </p:nvGrpSpPr>
+      <p:grpSpPr>
+        <a:xfrm>
+          <a:off x="0" y="0"/>
+          <a:ext cx="0" cy="0"/>
+          <a:chOff x="0" y="0"/>
+          <a:chExt cx="0" cy="0"/>
+        </a:xfrm>
+      </p:grpSpPr>
+      <p:sp>
+        <p:nvSpPr>
+          <p:cNvPr id="2" name="슬라이드 이미지 개체 틀 1"/>
+          <p:cNvSpPr>
+            <a:spLocks noGrp="1" noRot="1" noChangeAspect="1"/>
+          </p:cNvSpPr>
+          <p:nvPr>
+            <p:ph type="sldImg"/>
+          </p:nvPr>
+        </p:nvSpPr>
+        <p:spPr/>
+      </p:sp>
+      <p:sp>
+        <p:nvSpPr>
+          <p:cNvPr id="3" name="슬라이드 노트 개체 틀 2"/>
+          <p:cNvSpPr>
+            <a:spLocks noGrp="1"/>
+          </p:cNvSpPr>
+          <p:nvPr>
+            <p:ph type="body" idx="1"/>
+          </p:nvPr>
+        </p:nvSpPr>
+        <p:spPr/>
+        <p:txBody>
+          <a:bodyPr/>
+          <a:lstStyle/>
+          <a:p>
+            <a:endParaRPr lang="ko-KR" altLang="en-US" dirty="0"/>
+          </a:p>
+        </p:txBody>
+      </p:sp>
+      <p:sp>
+        <p:nvSpPr>
+          <p:cNvPr id="4" name="슬라이드 번호 개체 틀 3"/>
+          <p:cNvSpPr>
+            <a:spLocks noGrp="1"/>
+          </p:cNvSpPr>
+          <p:nvPr>
+            <p:ph type="sldNum" sz="quarter" idx="5"/>
+          </p:nvPr>
+        </p:nvSpPr>
+        <p:spPr/>
+        <p:txBody>
+          <a:bodyPr/>
+          <a:lstStyle/>
+          <a:p>
+            <a:fld id="{D8DCC404-E41A-4BC0-921C-BBFB3AB1AB4E}" type="slidenum">
+              <a:rPr lang="ko-KR" altLang="en-US" smtClean="0"/>
+              <a:t>8</a:t>
+            </a:fld>
+            <a:endParaRPr lang="ko-KR" altLang="en-US"/>
+          </a:p>
+        </p:txBody>
+      </p:sp>
+    </p:spTree>
+    <p:extLst>
+      <p:ext uri="{BB962C8B-B14F-4D97-AF65-F5344CB8AC3E}">
+        <p14:creationId xmlns:p14="http://schemas.microsoft.com/office/powerpoint/2010/main" val="3741924699"/>
+      </p:ext>
+    </p:extLst>
+  </p:cSld>
+  <p:clrMapOvr>
+    <a:masterClrMapping/>
+  </p:clrMapOvr>
+</p:notes>
+</file>
+
+<file path=ppt/notesSlides/notesSlide8.xml><?xml version="1.0" encoding="utf-8"?>
+<p:notes xmlns:a="http://schemas.openxmlformats.org/drawingml/2006/main" xmlns:r="http://schemas.openxmlformats.org/officeDocument/2006/relationships" xmlns:p="http://schemas.openxmlformats.org/presentationml/2006/main">
+  <p:cSld>
+    <p:spTree>
+      <p:nvGrpSpPr>
+        <p:cNvPr id="1" name=""/>
+        <p:cNvGrpSpPr/>
+        <p:nvPr/>
+      </p:nvGrpSpPr>
+      <p:grpSpPr>
+        <a:xfrm>
+          <a:off x="0" y="0"/>
+          <a:ext cx="0" cy="0"/>
+          <a:chOff x="0" y="0"/>
+          <a:chExt cx="0" cy="0"/>
+        </a:xfrm>
+      </p:grpSpPr>
+      <p:sp>
+        <p:nvSpPr>
+          <p:cNvPr id="2" name="슬라이드 이미지 개체 틀 1"/>
+          <p:cNvSpPr>
+            <a:spLocks noGrp="1" noRot="1" noChangeAspect="1"/>
+          </p:cNvSpPr>
+          <p:nvPr>
+            <p:ph type="sldImg"/>
+          </p:nvPr>
+        </p:nvSpPr>
+        <p:spPr/>
+      </p:sp>
+      <p:sp>
+        <p:nvSpPr>
+          <p:cNvPr id="3" name="슬라이드 노트 개체 틀 2"/>
+          <p:cNvSpPr>
+            <a:spLocks noGrp="1"/>
+          </p:cNvSpPr>
+          <p:nvPr>
+            <p:ph type="body" idx="1"/>
+          </p:nvPr>
+        </p:nvSpPr>
+        <p:spPr/>
+        <p:txBody>
+          <a:bodyPr/>
+          <a:lstStyle/>
+          <a:p>
+            <a:endParaRPr lang="ko-KR" altLang="en-US" dirty="0"/>
+          </a:p>
+        </p:txBody>
+      </p:sp>
+      <p:sp>
+        <p:nvSpPr>
+          <p:cNvPr id="4" name="슬라이드 번호 개체 틀 3"/>
+          <p:cNvSpPr>
+            <a:spLocks noGrp="1"/>
+          </p:cNvSpPr>
+          <p:nvPr>
+            <p:ph type="sldNum" sz="quarter" idx="5"/>
+          </p:nvPr>
+        </p:nvSpPr>
+        <p:spPr/>
+        <p:txBody>
+          <a:bodyPr/>
+          <a:lstStyle/>
+          <a:p>
+            <a:fld id="{D8DCC404-E41A-4BC0-921C-BBFB3AB1AB4E}" type="slidenum">
+              <a:rPr lang="ko-KR" altLang="en-US" smtClean="0"/>
+              <a:t>9</a:t>
+            </a:fld>
+            <a:endParaRPr lang="ko-KR" altLang="en-US"/>
+          </a:p>
+        </p:txBody>
+      </p:sp>
+    </p:spTree>
+    <p:extLst>
+      <p:ext uri="{BB962C8B-B14F-4D97-AF65-F5344CB8AC3E}">
+        <p14:creationId xmlns:p14="http://schemas.microsoft.com/office/powerpoint/2010/main" val="3851308548"/>
+      </p:ext>
+    </p:extLst>
+  </p:cSld>
+  <p:clrMapOvr>
+    <a:masterClrMapping/>
+  </p:clrMapOvr>
+</p:notes>
+</file>
+
+<file path=ppt/notesSlides/notesSlide9.xml><?xml version="1.0" encoding="utf-8"?>
+<p:notes xmlns:a="http://schemas.openxmlformats.org/drawingml/2006/main" xmlns:r="http://schemas.openxmlformats.org/officeDocument/2006/relationships" xmlns:p="http://schemas.openxmlformats.org/presentationml/2006/main">
+  <p:cSld>
+    <p:spTree>
+      <p:nvGrpSpPr>
+        <p:cNvPr id="1" name=""/>
+        <p:cNvGrpSpPr/>
+        <p:nvPr/>
+      </p:nvGrpSpPr>
+      <p:grpSpPr>
+        <a:xfrm>
+          <a:off x="0" y="0"/>
+          <a:ext cx="0" cy="0"/>
+          <a:chOff x="0" y="0"/>
+          <a:chExt cx="0" cy="0"/>
+        </a:xfrm>
+      </p:grpSpPr>
+      <p:sp>
+        <p:nvSpPr>
+          <p:cNvPr id="2" name="슬라이드 이미지 개체 틀 1"/>
+          <p:cNvSpPr>
+            <a:spLocks noGrp="1" noRot="1" noChangeAspect="1"/>
+          </p:cNvSpPr>
+          <p:nvPr>
+            <p:ph type="sldImg"/>
+          </p:nvPr>
+        </p:nvSpPr>
+        <p:spPr/>
+      </p:sp>
+      <p:sp>
+        <p:nvSpPr>
+          <p:cNvPr id="3" name="슬라이드 노트 개체 틀 2"/>
+          <p:cNvSpPr>
+            <a:spLocks noGrp="1"/>
+          </p:cNvSpPr>
+          <p:nvPr>
+            <p:ph type="body" idx="1"/>
+          </p:nvPr>
+        </p:nvSpPr>
+        <p:spPr/>
+        <p:txBody>
+          <a:bodyPr/>
+          <a:lstStyle/>
+          <a:p>
+            <a:endParaRPr lang="ko-KR" altLang="en-US" dirty="0"/>
+          </a:p>
+        </p:txBody>
+      </p:sp>
+      <p:sp>
+        <p:nvSpPr>
+          <p:cNvPr id="4" name="슬라이드 번호 개체 틀 3"/>
+          <p:cNvSpPr>
+            <a:spLocks noGrp="1"/>
+          </p:cNvSpPr>
+          <p:nvPr>
+            <p:ph type="sldNum" sz="quarter" idx="5"/>
+          </p:nvPr>
+        </p:nvSpPr>
+        <p:spPr/>
+        <p:txBody>
+          <a:bodyPr/>
+          <a:lstStyle/>
+          <a:p>
+            <a:fld id="{D8DCC404-E41A-4BC0-921C-BBFB3AB1AB4E}" type="slidenum">
+              <a:rPr lang="ko-KR" altLang="en-US" smtClean="0"/>
+              <a:t>10</a:t>
+            </a:fld>
+            <a:endParaRPr lang="ko-KR" altLang="en-US"/>
+          </a:p>
+        </p:txBody>
+      </p:sp>
+    </p:spTree>
+    <p:extLst>
+      <p:ext uri="{BB962C8B-B14F-4D97-AF65-F5344CB8AC3E}">
+        <p14:creationId xmlns:p14="http://schemas.microsoft.com/office/powerpoint/2010/main" val="2108562596"/>
       </p:ext>
     </p:extLst>
   </p:cSld>
@@ -3878,6 +4898,683 @@
 </p:sld>
 </file>
 
+<file path=ppt/slides/slide10.xml><?xml version="1.0" encoding="utf-8"?>
+<p:sld xmlns:a="http://schemas.openxmlformats.org/drawingml/2006/main" xmlns:r="http://schemas.openxmlformats.org/officeDocument/2006/relationships" xmlns:p="http://schemas.openxmlformats.org/presentationml/2006/main">
+  <p:cSld>
+    <p:spTree>
+      <p:nvGrpSpPr>
+        <p:cNvPr id="1" name=""/>
+        <p:cNvGrpSpPr/>
+        <p:nvPr/>
+      </p:nvGrpSpPr>
+      <p:grpSpPr>
+        <a:xfrm>
+          <a:off x="0" y="0"/>
+          <a:ext cx="0" cy="0"/>
+          <a:chOff x="0" y="0"/>
+          <a:chExt cx="0" cy="0"/>
+        </a:xfrm>
+      </p:grpSpPr>
+      <p:sp>
+        <p:nvSpPr>
+          <p:cNvPr id="5" name="직사각형 4">
+            <a:extLst>
+              <a:ext uri="{FF2B5EF4-FFF2-40B4-BE49-F238E27FC236}">
+                <a16:creationId xmlns:a16="http://schemas.microsoft.com/office/drawing/2014/main" id="{54E2CD7B-74A6-44AA-A46D-C26DA263A8E7}"/>
+              </a:ext>
+            </a:extLst>
+          </p:cNvPr>
+          <p:cNvSpPr/>
+          <p:nvPr/>
+        </p:nvSpPr>
+        <p:spPr>
+          <a:xfrm>
+            <a:off x="0" y="2582771"/>
+            <a:ext cx="12192000" cy="1692458"/>
+          </a:xfrm>
+          <a:prstGeom prst="rect">
+            <a:avLst/>
+          </a:prstGeom>
+          <a:solidFill>
+            <a:schemeClr val="tx1"/>
+          </a:solidFill>
+          <a:ln>
+            <a:solidFill>
+              <a:schemeClr val="tx1"/>
+            </a:solidFill>
+          </a:ln>
+        </p:spPr>
+        <p:style>
+          <a:lnRef idx="2">
+            <a:schemeClr val="accent1">
+              <a:shade val="50000"/>
+            </a:schemeClr>
+          </a:lnRef>
+          <a:fillRef idx="1">
+            <a:schemeClr val="accent1"/>
+          </a:fillRef>
+          <a:effectRef idx="0">
+            <a:schemeClr val="accent1"/>
+          </a:effectRef>
+          <a:fontRef idx="minor">
+            <a:schemeClr val="lt1"/>
+          </a:fontRef>
+        </p:style>
+        <p:txBody>
+          <a:bodyPr rtlCol="0" anchor="ctr"/>
+          <a:lstStyle>
+            <a:defPPr>
+              <a:defRPr lang="ko-KR"/>
+            </a:defPPr>
+            <a:lvl1pPr marL="0" algn="l" defTabSz="914400" rtl="0" eaLnBrk="1" latinLnBrk="1" hangingPunct="1">
+              <a:defRPr sz="1800" kern="1200">
+                <a:solidFill>
+                  <a:schemeClr val="lt1"/>
+                </a:solidFill>
+                <a:latin typeface="+mn-lt"/>
+                <a:ea typeface="+mn-ea"/>
+                <a:cs typeface="+mn-cs"/>
+              </a:defRPr>
+            </a:lvl1pPr>
+            <a:lvl2pPr marL="457200" algn="l" defTabSz="914400" rtl="0" eaLnBrk="1" latinLnBrk="1" hangingPunct="1">
+              <a:defRPr sz="1800" kern="1200">
+                <a:solidFill>
+                  <a:schemeClr val="lt1"/>
+                </a:solidFill>
+                <a:latin typeface="+mn-lt"/>
+                <a:ea typeface="+mn-ea"/>
+                <a:cs typeface="+mn-cs"/>
+              </a:defRPr>
+            </a:lvl2pPr>
+            <a:lvl3pPr marL="914400" algn="l" defTabSz="914400" rtl="0" eaLnBrk="1" latinLnBrk="1" hangingPunct="1">
+              <a:defRPr sz="1800" kern="1200">
+                <a:solidFill>
+                  <a:schemeClr val="lt1"/>
+                </a:solidFill>
+                <a:latin typeface="+mn-lt"/>
+                <a:ea typeface="+mn-ea"/>
+                <a:cs typeface="+mn-cs"/>
+              </a:defRPr>
+            </a:lvl3pPr>
+            <a:lvl4pPr marL="1371600" algn="l" defTabSz="914400" rtl="0" eaLnBrk="1" latinLnBrk="1" hangingPunct="1">
+              <a:defRPr sz="1800" kern="1200">
+                <a:solidFill>
+                  <a:schemeClr val="lt1"/>
+                </a:solidFill>
+                <a:latin typeface="+mn-lt"/>
+                <a:ea typeface="+mn-ea"/>
+                <a:cs typeface="+mn-cs"/>
+              </a:defRPr>
+            </a:lvl4pPr>
+            <a:lvl5pPr marL="1828800" algn="l" defTabSz="914400" rtl="0" eaLnBrk="1" latinLnBrk="1" hangingPunct="1">
+              <a:defRPr sz="1800" kern="1200">
+                <a:solidFill>
+                  <a:schemeClr val="lt1"/>
+                </a:solidFill>
+                <a:latin typeface="+mn-lt"/>
+                <a:ea typeface="+mn-ea"/>
+                <a:cs typeface="+mn-cs"/>
+              </a:defRPr>
+            </a:lvl5pPr>
+            <a:lvl6pPr marL="2286000" algn="l" defTabSz="914400" rtl="0" eaLnBrk="1" latinLnBrk="1" hangingPunct="1">
+              <a:defRPr sz="1800" kern="1200">
+                <a:solidFill>
+                  <a:schemeClr val="lt1"/>
+                </a:solidFill>
+                <a:latin typeface="+mn-lt"/>
+                <a:ea typeface="+mn-ea"/>
+                <a:cs typeface="+mn-cs"/>
+              </a:defRPr>
+            </a:lvl6pPr>
+            <a:lvl7pPr marL="2743200" algn="l" defTabSz="914400" rtl="0" eaLnBrk="1" latinLnBrk="1" hangingPunct="1">
+              <a:defRPr sz="1800" kern="1200">
+                <a:solidFill>
+                  <a:schemeClr val="lt1"/>
+                </a:solidFill>
+                <a:latin typeface="+mn-lt"/>
+                <a:ea typeface="+mn-ea"/>
+                <a:cs typeface="+mn-cs"/>
+              </a:defRPr>
+            </a:lvl7pPr>
+            <a:lvl8pPr marL="3200400" algn="l" defTabSz="914400" rtl="0" eaLnBrk="1" latinLnBrk="1" hangingPunct="1">
+              <a:defRPr sz="1800" kern="1200">
+                <a:solidFill>
+                  <a:schemeClr val="lt1"/>
+                </a:solidFill>
+                <a:latin typeface="+mn-lt"/>
+                <a:ea typeface="+mn-ea"/>
+                <a:cs typeface="+mn-cs"/>
+              </a:defRPr>
+            </a:lvl8pPr>
+            <a:lvl9pPr marL="3657600" algn="l" defTabSz="914400" rtl="0" eaLnBrk="1" latinLnBrk="1" hangingPunct="1">
+              <a:defRPr sz="1800" kern="1200">
+                <a:solidFill>
+                  <a:schemeClr val="lt1"/>
+                </a:solidFill>
+                <a:latin typeface="+mn-lt"/>
+                <a:ea typeface="+mn-ea"/>
+                <a:cs typeface="+mn-cs"/>
+              </a:defRPr>
+            </a:lvl9pPr>
+          </a:lstStyle>
+          <a:p>
+            <a:pPr algn="ctr"/>
+            <a:r>
+              <a:rPr lang="ko-KR" altLang="en-US" sz="4800" dirty="0">
+                <a:solidFill>
+                  <a:schemeClr val="bg1"/>
+                </a:solidFill>
+                <a:latin typeface="태나다체 " panose="02000000000000000000" pitchFamily="2" charset="-127"/>
+                <a:ea typeface="태나다체 " panose="02000000000000000000" pitchFamily="2" charset="-127"/>
+              </a:rPr>
+              <a:t>소켓을 어떻게 써요</a:t>
+            </a:r>
+            <a:r>
+              <a:rPr lang="en-US" altLang="ko-KR" sz="4800" dirty="0">
+                <a:solidFill>
+                  <a:schemeClr val="bg1"/>
+                </a:solidFill>
+                <a:latin typeface="태나다체 " panose="02000000000000000000" pitchFamily="2" charset="-127"/>
+                <a:ea typeface="태나다체 " panose="02000000000000000000" pitchFamily="2" charset="-127"/>
+              </a:rPr>
+              <a:t>?</a:t>
+            </a:r>
+            <a:endParaRPr lang="ko-KR" altLang="en-US" sz="4800" dirty="0">
+              <a:solidFill>
+                <a:schemeClr val="bg1"/>
+              </a:solidFill>
+              <a:latin typeface="태나다체 " panose="02000000000000000000" pitchFamily="2" charset="-127"/>
+              <a:ea typeface="태나다체 " panose="02000000000000000000" pitchFamily="2" charset="-127"/>
+            </a:endParaRPr>
+          </a:p>
+        </p:txBody>
+      </p:sp>
+    </p:spTree>
+    <p:extLst>
+      <p:ext uri="{BB962C8B-B14F-4D97-AF65-F5344CB8AC3E}">
+        <p14:creationId xmlns:p14="http://schemas.microsoft.com/office/powerpoint/2010/main" val="2531291678"/>
+      </p:ext>
+    </p:extLst>
+  </p:cSld>
+  <p:clrMapOvr>
+    <a:masterClrMapping/>
+  </p:clrMapOvr>
+</p:sld>
+</file>
+
+<file path=ppt/slides/slide11.xml><?xml version="1.0" encoding="utf-8"?>
+<p:sld xmlns:a="http://schemas.openxmlformats.org/drawingml/2006/main" xmlns:r="http://schemas.openxmlformats.org/officeDocument/2006/relationships" xmlns:p="http://schemas.openxmlformats.org/presentationml/2006/main">
+  <p:cSld>
+    <p:spTree>
+      <p:nvGrpSpPr>
+        <p:cNvPr id="1" name=""/>
+        <p:cNvGrpSpPr/>
+        <p:nvPr/>
+      </p:nvGrpSpPr>
+      <p:grpSpPr>
+        <a:xfrm>
+          <a:off x="0" y="0"/>
+          <a:ext cx="0" cy="0"/>
+          <a:chOff x="0" y="0"/>
+          <a:chExt cx="0" cy="0"/>
+        </a:xfrm>
+      </p:grpSpPr>
+      <p:sp>
+        <p:nvSpPr>
+          <p:cNvPr id="2" name="직사각형 1">
+            <a:extLst>
+              <a:ext uri="{FF2B5EF4-FFF2-40B4-BE49-F238E27FC236}">
+                <a16:creationId xmlns:a16="http://schemas.microsoft.com/office/drawing/2014/main" id="{54E2CD7B-74A6-44AA-A46D-C26DA263A8E7}"/>
+              </a:ext>
+            </a:extLst>
+          </p:cNvPr>
+          <p:cNvSpPr/>
+          <p:nvPr/>
+        </p:nvSpPr>
+        <p:spPr>
+          <a:xfrm>
+            <a:off x="0" y="339365"/>
+            <a:ext cx="3619893" cy="1221117"/>
+          </a:xfrm>
+          <a:prstGeom prst="rect">
+            <a:avLst/>
+          </a:prstGeom>
+          <a:solidFill>
+            <a:schemeClr val="tx1"/>
+          </a:solidFill>
+          <a:ln>
+            <a:solidFill>
+              <a:schemeClr val="tx1"/>
+            </a:solidFill>
+          </a:ln>
+        </p:spPr>
+        <p:style>
+          <a:lnRef idx="2">
+            <a:schemeClr val="accent1">
+              <a:shade val="50000"/>
+            </a:schemeClr>
+          </a:lnRef>
+          <a:fillRef idx="1">
+            <a:schemeClr val="accent1"/>
+          </a:fillRef>
+          <a:effectRef idx="0">
+            <a:schemeClr val="accent1"/>
+          </a:effectRef>
+          <a:fontRef idx="minor">
+            <a:schemeClr val="lt1"/>
+          </a:fontRef>
+        </p:style>
+        <p:txBody>
+          <a:bodyPr rtlCol="0" anchor="ctr"/>
+          <a:lstStyle/>
+          <a:p>
+            <a:pPr algn="ctr"/>
+            <a:r>
+              <a:rPr lang="ko-KR" altLang="en-US" sz="4800" dirty="0">
+                <a:solidFill>
+                  <a:schemeClr val="bg1"/>
+                </a:solidFill>
+                <a:latin typeface="태나다체 " panose="02000000000000000000" pitchFamily="2" charset="-127"/>
+                <a:ea typeface="태나다체 " panose="02000000000000000000" pitchFamily="2" charset="-127"/>
+              </a:rPr>
+              <a:t>소켓</a:t>
+            </a:r>
+          </a:p>
+        </p:txBody>
+      </p:sp>
+      <p:pic>
+        <p:nvPicPr>
+          <p:cNvPr id="6" name="그림 5">
+            <a:extLst>
+              <a:ext uri="{FF2B5EF4-FFF2-40B4-BE49-F238E27FC236}">
+                <a16:creationId xmlns:a16="http://schemas.microsoft.com/office/drawing/2014/main" id="{ED121252-4410-4BE9-A22A-E8C5523EF34D}"/>
+              </a:ext>
+            </a:extLst>
+          </p:cNvPr>
+          <p:cNvPicPr>
+            <a:picLocks noChangeAspect="1"/>
+          </p:cNvPicPr>
+          <p:nvPr/>
+        </p:nvPicPr>
+        <p:blipFill rotWithShape="1">
+          <a:blip r:embed="rId3">
+            <a:extLst>
+              <a:ext uri="{28A0092B-C50C-407E-A947-70E740481C1C}">
+                <a14:useLocalDpi xmlns:a14="http://schemas.microsoft.com/office/drawing/2010/main" val="0"/>
+              </a:ext>
+            </a:extLst>
+          </a:blip>
+          <a:srcRect b="54105"/>
+          <a:stretch/>
+        </p:blipFill>
+        <p:spPr>
+          <a:xfrm>
+            <a:off x="168020" y="2550160"/>
+            <a:ext cx="11855960" cy="2937219"/>
+          </a:xfrm>
+          <a:prstGeom prst="rect">
+            <a:avLst/>
+          </a:prstGeom>
+        </p:spPr>
+      </p:pic>
+    </p:spTree>
+    <p:extLst>
+      <p:ext uri="{BB962C8B-B14F-4D97-AF65-F5344CB8AC3E}">
+        <p14:creationId xmlns:p14="http://schemas.microsoft.com/office/powerpoint/2010/main" val="4134430421"/>
+      </p:ext>
+    </p:extLst>
+  </p:cSld>
+  <p:clrMapOvr>
+    <a:masterClrMapping/>
+  </p:clrMapOvr>
+</p:sld>
+</file>
+
+<file path=ppt/slides/slide12.xml><?xml version="1.0" encoding="utf-8"?>
+<p:sld xmlns:a="http://schemas.openxmlformats.org/drawingml/2006/main" xmlns:r="http://schemas.openxmlformats.org/officeDocument/2006/relationships" xmlns:p="http://schemas.openxmlformats.org/presentationml/2006/main">
+  <p:cSld>
+    <p:spTree>
+      <p:nvGrpSpPr>
+        <p:cNvPr id="1" name=""/>
+        <p:cNvGrpSpPr/>
+        <p:nvPr/>
+      </p:nvGrpSpPr>
+      <p:grpSpPr>
+        <a:xfrm>
+          <a:off x="0" y="0"/>
+          <a:ext cx="0" cy="0"/>
+          <a:chOff x="0" y="0"/>
+          <a:chExt cx="0" cy="0"/>
+        </a:xfrm>
+      </p:grpSpPr>
+      <p:sp>
+        <p:nvSpPr>
+          <p:cNvPr id="2" name="직사각형 1">
+            <a:extLst>
+              <a:ext uri="{FF2B5EF4-FFF2-40B4-BE49-F238E27FC236}">
+                <a16:creationId xmlns:a16="http://schemas.microsoft.com/office/drawing/2014/main" id="{54E2CD7B-74A6-44AA-A46D-C26DA263A8E7}"/>
+              </a:ext>
+            </a:extLst>
+          </p:cNvPr>
+          <p:cNvSpPr/>
+          <p:nvPr/>
+        </p:nvSpPr>
+        <p:spPr>
+          <a:xfrm>
+            <a:off x="0" y="339365"/>
+            <a:ext cx="3619893" cy="1221117"/>
+          </a:xfrm>
+          <a:prstGeom prst="rect">
+            <a:avLst/>
+          </a:prstGeom>
+          <a:solidFill>
+            <a:schemeClr val="tx1"/>
+          </a:solidFill>
+          <a:ln>
+            <a:solidFill>
+              <a:schemeClr val="tx1"/>
+            </a:solidFill>
+          </a:ln>
+        </p:spPr>
+        <p:style>
+          <a:lnRef idx="2">
+            <a:schemeClr val="accent1">
+              <a:shade val="50000"/>
+            </a:schemeClr>
+          </a:lnRef>
+          <a:fillRef idx="1">
+            <a:schemeClr val="accent1"/>
+          </a:fillRef>
+          <a:effectRef idx="0">
+            <a:schemeClr val="accent1"/>
+          </a:effectRef>
+          <a:fontRef idx="minor">
+            <a:schemeClr val="lt1"/>
+          </a:fontRef>
+        </p:style>
+        <p:txBody>
+          <a:bodyPr rtlCol="0" anchor="ctr"/>
+          <a:lstStyle/>
+          <a:p>
+            <a:pPr algn="ctr"/>
+            <a:r>
+              <a:rPr lang="ko-KR" altLang="en-US" sz="4800" dirty="0">
+                <a:solidFill>
+                  <a:schemeClr val="bg1"/>
+                </a:solidFill>
+                <a:latin typeface="태나다체 " panose="02000000000000000000" pitchFamily="2" charset="-127"/>
+                <a:ea typeface="태나다체 " panose="02000000000000000000" pitchFamily="2" charset="-127"/>
+              </a:rPr>
+              <a:t>소켓</a:t>
+            </a:r>
+          </a:p>
+        </p:txBody>
+      </p:sp>
+      <p:pic>
+        <p:nvPicPr>
+          <p:cNvPr id="6" name="그림 5">
+            <a:extLst>
+              <a:ext uri="{FF2B5EF4-FFF2-40B4-BE49-F238E27FC236}">
+                <a16:creationId xmlns:a16="http://schemas.microsoft.com/office/drawing/2014/main" id="{ED121252-4410-4BE9-A22A-E8C5523EF34D}"/>
+              </a:ext>
+            </a:extLst>
+          </p:cNvPr>
+          <p:cNvPicPr>
+            <a:picLocks noChangeAspect="1"/>
+          </p:cNvPicPr>
+          <p:nvPr/>
+        </p:nvPicPr>
+        <p:blipFill rotWithShape="1">
+          <a:blip r:embed="rId3">
+            <a:extLst>
+              <a:ext uri="{28A0092B-C50C-407E-A947-70E740481C1C}">
+                <a14:useLocalDpi xmlns:a14="http://schemas.microsoft.com/office/drawing/2010/main" val="0"/>
+              </a:ext>
+            </a:extLst>
+          </a:blip>
+          <a:srcRect t="46197" b="1414"/>
+          <a:stretch/>
+        </p:blipFill>
+        <p:spPr>
+          <a:xfrm>
+            <a:off x="168020" y="2468880"/>
+            <a:ext cx="11855960" cy="3352800"/>
+          </a:xfrm>
+          <a:prstGeom prst="rect">
+            <a:avLst/>
+          </a:prstGeom>
+        </p:spPr>
+      </p:pic>
+    </p:spTree>
+    <p:extLst>
+      <p:ext uri="{BB962C8B-B14F-4D97-AF65-F5344CB8AC3E}">
+        <p14:creationId xmlns:p14="http://schemas.microsoft.com/office/powerpoint/2010/main" val="3056738202"/>
+      </p:ext>
+    </p:extLst>
+  </p:cSld>
+  <p:clrMapOvr>
+    <a:masterClrMapping/>
+  </p:clrMapOvr>
+</p:sld>
+</file>
+
+<file path=ppt/slides/slide13.xml><?xml version="1.0" encoding="utf-8"?>
+<p:sld xmlns:a="http://schemas.openxmlformats.org/drawingml/2006/main" xmlns:r="http://schemas.openxmlformats.org/officeDocument/2006/relationships" xmlns:p="http://schemas.openxmlformats.org/presentationml/2006/main">
+  <p:cSld>
+    <p:spTree>
+      <p:nvGrpSpPr>
+        <p:cNvPr id="1" name=""/>
+        <p:cNvGrpSpPr/>
+        <p:nvPr/>
+      </p:nvGrpSpPr>
+      <p:grpSpPr>
+        <a:xfrm>
+          <a:off x="0" y="0"/>
+          <a:ext cx="0" cy="0"/>
+          <a:chOff x="0" y="0"/>
+          <a:chExt cx="0" cy="0"/>
+        </a:xfrm>
+      </p:grpSpPr>
+      <p:sp>
+        <p:nvSpPr>
+          <p:cNvPr id="5" name="직사각형 4">
+            <a:extLst>
+              <a:ext uri="{FF2B5EF4-FFF2-40B4-BE49-F238E27FC236}">
+                <a16:creationId xmlns:a16="http://schemas.microsoft.com/office/drawing/2014/main" id="{54E2CD7B-74A6-44AA-A46D-C26DA263A8E7}"/>
+              </a:ext>
+            </a:extLst>
+          </p:cNvPr>
+          <p:cNvSpPr/>
+          <p:nvPr/>
+        </p:nvSpPr>
+        <p:spPr>
+          <a:xfrm>
+            <a:off x="0" y="2582771"/>
+            <a:ext cx="12192000" cy="1692458"/>
+          </a:xfrm>
+          <a:prstGeom prst="rect">
+            <a:avLst/>
+          </a:prstGeom>
+          <a:solidFill>
+            <a:schemeClr val="tx1"/>
+          </a:solidFill>
+          <a:ln>
+            <a:solidFill>
+              <a:schemeClr val="tx1"/>
+            </a:solidFill>
+          </a:ln>
+        </p:spPr>
+        <p:style>
+          <a:lnRef idx="2">
+            <a:schemeClr val="accent1">
+              <a:shade val="50000"/>
+            </a:schemeClr>
+          </a:lnRef>
+          <a:fillRef idx="1">
+            <a:schemeClr val="accent1"/>
+          </a:fillRef>
+          <a:effectRef idx="0">
+            <a:schemeClr val="accent1"/>
+          </a:effectRef>
+          <a:fontRef idx="minor">
+            <a:schemeClr val="lt1"/>
+          </a:fontRef>
+        </p:style>
+        <p:txBody>
+          <a:bodyPr rtlCol="0" anchor="ctr"/>
+          <a:lstStyle>
+            <a:defPPr>
+              <a:defRPr lang="ko-KR"/>
+            </a:defPPr>
+            <a:lvl1pPr marL="0" algn="l" defTabSz="914400" rtl="0" eaLnBrk="1" latinLnBrk="1" hangingPunct="1">
+              <a:defRPr sz="1800" kern="1200">
+                <a:solidFill>
+                  <a:schemeClr val="lt1"/>
+                </a:solidFill>
+                <a:latin typeface="+mn-lt"/>
+                <a:ea typeface="+mn-ea"/>
+                <a:cs typeface="+mn-cs"/>
+              </a:defRPr>
+            </a:lvl1pPr>
+            <a:lvl2pPr marL="457200" algn="l" defTabSz="914400" rtl="0" eaLnBrk="1" latinLnBrk="1" hangingPunct="1">
+              <a:defRPr sz="1800" kern="1200">
+                <a:solidFill>
+                  <a:schemeClr val="lt1"/>
+                </a:solidFill>
+                <a:latin typeface="+mn-lt"/>
+                <a:ea typeface="+mn-ea"/>
+                <a:cs typeface="+mn-cs"/>
+              </a:defRPr>
+            </a:lvl2pPr>
+            <a:lvl3pPr marL="914400" algn="l" defTabSz="914400" rtl="0" eaLnBrk="1" latinLnBrk="1" hangingPunct="1">
+              <a:defRPr sz="1800" kern="1200">
+                <a:solidFill>
+                  <a:schemeClr val="lt1"/>
+                </a:solidFill>
+                <a:latin typeface="+mn-lt"/>
+                <a:ea typeface="+mn-ea"/>
+                <a:cs typeface="+mn-cs"/>
+              </a:defRPr>
+            </a:lvl3pPr>
+            <a:lvl4pPr marL="1371600" algn="l" defTabSz="914400" rtl="0" eaLnBrk="1" latinLnBrk="1" hangingPunct="1">
+              <a:defRPr sz="1800" kern="1200">
+                <a:solidFill>
+                  <a:schemeClr val="lt1"/>
+                </a:solidFill>
+                <a:latin typeface="+mn-lt"/>
+                <a:ea typeface="+mn-ea"/>
+                <a:cs typeface="+mn-cs"/>
+              </a:defRPr>
+            </a:lvl4pPr>
+            <a:lvl5pPr marL="1828800" algn="l" defTabSz="914400" rtl="0" eaLnBrk="1" latinLnBrk="1" hangingPunct="1">
+              <a:defRPr sz="1800" kern="1200">
+                <a:solidFill>
+                  <a:schemeClr val="lt1"/>
+                </a:solidFill>
+                <a:latin typeface="+mn-lt"/>
+                <a:ea typeface="+mn-ea"/>
+                <a:cs typeface="+mn-cs"/>
+              </a:defRPr>
+            </a:lvl5pPr>
+            <a:lvl6pPr marL="2286000" algn="l" defTabSz="914400" rtl="0" eaLnBrk="1" latinLnBrk="1" hangingPunct="1">
+              <a:defRPr sz="1800" kern="1200">
+                <a:solidFill>
+                  <a:schemeClr val="lt1"/>
+                </a:solidFill>
+                <a:latin typeface="+mn-lt"/>
+                <a:ea typeface="+mn-ea"/>
+                <a:cs typeface="+mn-cs"/>
+              </a:defRPr>
+            </a:lvl6pPr>
+            <a:lvl7pPr marL="2743200" algn="l" defTabSz="914400" rtl="0" eaLnBrk="1" latinLnBrk="1" hangingPunct="1">
+              <a:defRPr sz="1800" kern="1200">
+                <a:solidFill>
+                  <a:schemeClr val="lt1"/>
+                </a:solidFill>
+                <a:latin typeface="+mn-lt"/>
+                <a:ea typeface="+mn-ea"/>
+                <a:cs typeface="+mn-cs"/>
+              </a:defRPr>
+            </a:lvl7pPr>
+            <a:lvl8pPr marL="3200400" algn="l" defTabSz="914400" rtl="0" eaLnBrk="1" latinLnBrk="1" hangingPunct="1">
+              <a:defRPr sz="1800" kern="1200">
+                <a:solidFill>
+                  <a:schemeClr val="lt1"/>
+                </a:solidFill>
+                <a:latin typeface="+mn-lt"/>
+                <a:ea typeface="+mn-ea"/>
+                <a:cs typeface="+mn-cs"/>
+              </a:defRPr>
+            </a:lvl8pPr>
+            <a:lvl9pPr marL="3657600" algn="l" defTabSz="914400" rtl="0" eaLnBrk="1" latinLnBrk="1" hangingPunct="1">
+              <a:defRPr sz="1800" kern="1200">
+                <a:solidFill>
+                  <a:schemeClr val="lt1"/>
+                </a:solidFill>
+                <a:latin typeface="+mn-lt"/>
+                <a:ea typeface="+mn-ea"/>
+                <a:cs typeface="+mn-cs"/>
+              </a:defRPr>
+            </a:lvl9pPr>
+          </a:lstStyle>
+          <a:p>
+            <a:pPr algn="ctr"/>
+            <a:r>
+              <a:rPr lang="ko-KR" altLang="en-US" sz="4800" dirty="0">
+                <a:solidFill>
+                  <a:schemeClr val="bg1"/>
+                </a:solidFill>
+                <a:latin typeface="태나다체 " panose="02000000000000000000" pitchFamily="2" charset="-127"/>
+                <a:ea typeface="태나다체 " panose="02000000000000000000" pitchFamily="2" charset="-127"/>
+              </a:rPr>
+              <a:t>소켓 실습</a:t>
+            </a:r>
+          </a:p>
+        </p:txBody>
+      </p:sp>
+    </p:spTree>
+    <p:extLst>
+      <p:ext uri="{BB962C8B-B14F-4D97-AF65-F5344CB8AC3E}">
+        <p14:creationId xmlns:p14="http://schemas.microsoft.com/office/powerpoint/2010/main" val="167146294"/>
+      </p:ext>
+    </p:extLst>
+  </p:cSld>
+  <p:clrMapOvr>
+    <a:masterClrMapping/>
+  </p:clrMapOvr>
+</p:sld>
+</file>
+
+<file path=ppt/slides/slide14.xml><?xml version="1.0" encoding="utf-8"?>
+<p:sld xmlns:a="http://schemas.openxmlformats.org/drawingml/2006/main" xmlns:r="http://schemas.openxmlformats.org/officeDocument/2006/relationships" xmlns:p="http://schemas.openxmlformats.org/presentationml/2006/main">
+  <p:cSld>
+    <p:spTree>
+      <p:nvGrpSpPr>
+        <p:cNvPr id="1" name=""/>
+        <p:cNvGrpSpPr/>
+        <p:nvPr/>
+      </p:nvGrpSpPr>
+      <p:grpSpPr>
+        <a:xfrm>
+          <a:off x="0" y="0"/>
+          <a:ext cx="0" cy="0"/>
+          <a:chOff x="0" y="0"/>
+          <a:chExt cx="0" cy="0"/>
+        </a:xfrm>
+      </p:grpSpPr>
+    </p:spTree>
+    <p:extLst>
+      <p:ext uri="{BB962C8B-B14F-4D97-AF65-F5344CB8AC3E}">
+        <p14:creationId xmlns:p14="http://schemas.microsoft.com/office/powerpoint/2010/main" val="2364739027"/>
+      </p:ext>
+    </p:extLst>
+  </p:cSld>
+  <p:clrMapOvr>
+    <a:masterClrMapping/>
+  </p:clrMapOvr>
+</p:sld>
+</file>
+
 <file path=ppt/slides/slide2.xml><?xml version="1.0" encoding="utf-8"?>
 <p:sld xmlns:a="http://schemas.openxmlformats.org/drawingml/2006/main" xmlns:r="http://schemas.openxmlformats.org/officeDocument/2006/relationships" xmlns:p="http://schemas.openxmlformats.org/presentationml/2006/main">
   <p:cSld>
@@ -3897,6 +5594,220 @@
       </p:grpSpPr>
       <p:sp>
         <p:nvSpPr>
+          <p:cNvPr id="5" name="직사각형 4">
+            <a:extLst>
+              <a:ext uri="{FF2B5EF4-FFF2-40B4-BE49-F238E27FC236}">
+                <a16:creationId xmlns:a16="http://schemas.microsoft.com/office/drawing/2014/main" id="{54E2CD7B-74A6-44AA-A46D-C26DA263A8E7}"/>
+              </a:ext>
+            </a:extLst>
+          </p:cNvPr>
+          <p:cNvSpPr/>
+          <p:nvPr/>
+        </p:nvSpPr>
+        <p:spPr>
+          <a:xfrm>
+            <a:off x="0" y="2582771"/>
+            <a:ext cx="12192000" cy="1692458"/>
+          </a:xfrm>
+          <a:prstGeom prst="rect">
+            <a:avLst/>
+          </a:prstGeom>
+          <a:solidFill>
+            <a:schemeClr val="tx1"/>
+          </a:solidFill>
+          <a:ln>
+            <a:solidFill>
+              <a:schemeClr val="tx1"/>
+            </a:solidFill>
+          </a:ln>
+        </p:spPr>
+        <p:style>
+          <a:lnRef idx="2">
+            <a:schemeClr val="accent1">
+              <a:shade val="50000"/>
+            </a:schemeClr>
+          </a:lnRef>
+          <a:fillRef idx="1">
+            <a:schemeClr val="accent1"/>
+          </a:fillRef>
+          <a:effectRef idx="0">
+            <a:schemeClr val="accent1"/>
+          </a:effectRef>
+          <a:fontRef idx="minor">
+            <a:schemeClr val="lt1"/>
+          </a:fontRef>
+        </p:style>
+        <p:txBody>
+          <a:bodyPr rtlCol="0" anchor="ctr"/>
+          <a:lstStyle>
+            <a:defPPr>
+              <a:defRPr lang="ko-KR"/>
+            </a:defPPr>
+            <a:lvl1pPr marL="0" algn="l" defTabSz="914400" rtl="0" eaLnBrk="1" latinLnBrk="1" hangingPunct="1">
+              <a:defRPr sz="1800" kern="1200">
+                <a:solidFill>
+                  <a:schemeClr val="lt1"/>
+                </a:solidFill>
+                <a:latin typeface="+mn-lt"/>
+                <a:ea typeface="+mn-ea"/>
+                <a:cs typeface="+mn-cs"/>
+              </a:defRPr>
+            </a:lvl1pPr>
+            <a:lvl2pPr marL="457200" algn="l" defTabSz="914400" rtl="0" eaLnBrk="1" latinLnBrk="1" hangingPunct="1">
+              <a:defRPr sz="1800" kern="1200">
+                <a:solidFill>
+                  <a:schemeClr val="lt1"/>
+                </a:solidFill>
+                <a:latin typeface="+mn-lt"/>
+                <a:ea typeface="+mn-ea"/>
+                <a:cs typeface="+mn-cs"/>
+              </a:defRPr>
+            </a:lvl2pPr>
+            <a:lvl3pPr marL="914400" algn="l" defTabSz="914400" rtl="0" eaLnBrk="1" latinLnBrk="1" hangingPunct="1">
+              <a:defRPr sz="1800" kern="1200">
+                <a:solidFill>
+                  <a:schemeClr val="lt1"/>
+                </a:solidFill>
+                <a:latin typeface="+mn-lt"/>
+                <a:ea typeface="+mn-ea"/>
+                <a:cs typeface="+mn-cs"/>
+              </a:defRPr>
+            </a:lvl3pPr>
+            <a:lvl4pPr marL="1371600" algn="l" defTabSz="914400" rtl="0" eaLnBrk="1" latinLnBrk="1" hangingPunct="1">
+              <a:defRPr sz="1800" kern="1200">
+                <a:solidFill>
+                  <a:schemeClr val="lt1"/>
+                </a:solidFill>
+                <a:latin typeface="+mn-lt"/>
+                <a:ea typeface="+mn-ea"/>
+                <a:cs typeface="+mn-cs"/>
+              </a:defRPr>
+            </a:lvl4pPr>
+            <a:lvl5pPr marL="1828800" algn="l" defTabSz="914400" rtl="0" eaLnBrk="1" latinLnBrk="1" hangingPunct="1">
+              <a:defRPr sz="1800" kern="1200">
+                <a:solidFill>
+                  <a:schemeClr val="lt1"/>
+                </a:solidFill>
+                <a:latin typeface="+mn-lt"/>
+                <a:ea typeface="+mn-ea"/>
+                <a:cs typeface="+mn-cs"/>
+              </a:defRPr>
+            </a:lvl5pPr>
+            <a:lvl6pPr marL="2286000" algn="l" defTabSz="914400" rtl="0" eaLnBrk="1" latinLnBrk="1" hangingPunct="1">
+              <a:defRPr sz="1800" kern="1200">
+                <a:solidFill>
+                  <a:schemeClr val="lt1"/>
+                </a:solidFill>
+                <a:latin typeface="+mn-lt"/>
+                <a:ea typeface="+mn-ea"/>
+                <a:cs typeface="+mn-cs"/>
+              </a:defRPr>
+            </a:lvl6pPr>
+            <a:lvl7pPr marL="2743200" algn="l" defTabSz="914400" rtl="0" eaLnBrk="1" latinLnBrk="1" hangingPunct="1">
+              <a:defRPr sz="1800" kern="1200">
+                <a:solidFill>
+                  <a:schemeClr val="lt1"/>
+                </a:solidFill>
+                <a:latin typeface="+mn-lt"/>
+                <a:ea typeface="+mn-ea"/>
+                <a:cs typeface="+mn-cs"/>
+              </a:defRPr>
+            </a:lvl7pPr>
+            <a:lvl8pPr marL="3200400" algn="l" defTabSz="914400" rtl="0" eaLnBrk="1" latinLnBrk="1" hangingPunct="1">
+              <a:defRPr sz="1800" kern="1200">
+                <a:solidFill>
+                  <a:schemeClr val="lt1"/>
+                </a:solidFill>
+                <a:latin typeface="+mn-lt"/>
+                <a:ea typeface="+mn-ea"/>
+                <a:cs typeface="+mn-cs"/>
+              </a:defRPr>
+            </a:lvl8pPr>
+            <a:lvl9pPr marL="3657600" algn="l" defTabSz="914400" rtl="0" eaLnBrk="1" latinLnBrk="1" hangingPunct="1">
+              <a:defRPr sz="1800" kern="1200">
+                <a:solidFill>
+                  <a:schemeClr val="lt1"/>
+                </a:solidFill>
+                <a:latin typeface="+mn-lt"/>
+                <a:ea typeface="+mn-ea"/>
+                <a:cs typeface="+mn-cs"/>
+              </a:defRPr>
+            </a:lvl9pPr>
+          </a:lstStyle>
+          <a:p>
+            <a:pPr algn="ctr"/>
+            <a:r>
+              <a:rPr lang="ko-KR" altLang="en-US" sz="4800" dirty="0">
+                <a:solidFill>
+                  <a:schemeClr val="bg1"/>
+                </a:solidFill>
+                <a:latin typeface="태나다체 " panose="02000000000000000000" pitchFamily="2" charset="-127"/>
+                <a:ea typeface="태나다체 " panose="02000000000000000000" pitchFamily="2" charset="-127"/>
+              </a:rPr>
+              <a:t>소켓이 </a:t>
+            </a:r>
+            <a:r>
+              <a:rPr lang="ko-KR" altLang="en-US" sz="4800" dirty="0" err="1">
+                <a:solidFill>
+                  <a:schemeClr val="bg1"/>
+                </a:solidFill>
+                <a:latin typeface="태나다체 " panose="02000000000000000000" pitchFamily="2" charset="-127"/>
+                <a:ea typeface="태나다체 " panose="02000000000000000000" pitchFamily="2" charset="-127"/>
+              </a:rPr>
+              <a:t>뭐에요</a:t>
+            </a:r>
+            <a:r>
+              <a:rPr lang="en-US" altLang="ko-KR" sz="4800" dirty="0">
+                <a:solidFill>
+                  <a:schemeClr val="bg1"/>
+                </a:solidFill>
+                <a:latin typeface="태나다체 " panose="02000000000000000000" pitchFamily="2" charset="-127"/>
+                <a:ea typeface="태나다체 " panose="02000000000000000000" pitchFamily="2" charset="-127"/>
+              </a:rPr>
+              <a:t>?</a:t>
+            </a:r>
+            <a:endParaRPr lang="ko-KR" altLang="en-US" sz="4800" dirty="0">
+              <a:solidFill>
+                <a:schemeClr val="bg1"/>
+              </a:solidFill>
+              <a:latin typeface="태나다체 " panose="02000000000000000000" pitchFamily="2" charset="-127"/>
+              <a:ea typeface="태나다체 " panose="02000000000000000000" pitchFamily="2" charset="-127"/>
+            </a:endParaRPr>
+          </a:p>
+        </p:txBody>
+      </p:sp>
+    </p:spTree>
+    <p:extLst>
+      <p:ext uri="{BB962C8B-B14F-4D97-AF65-F5344CB8AC3E}">
+        <p14:creationId xmlns:p14="http://schemas.microsoft.com/office/powerpoint/2010/main" val="1427766840"/>
+      </p:ext>
+    </p:extLst>
+  </p:cSld>
+  <p:clrMapOvr>
+    <a:masterClrMapping/>
+  </p:clrMapOvr>
+</p:sld>
+</file>
+
+<file path=ppt/slides/slide3.xml><?xml version="1.0" encoding="utf-8"?>
+<p:sld xmlns:a="http://schemas.openxmlformats.org/drawingml/2006/main" xmlns:r="http://schemas.openxmlformats.org/officeDocument/2006/relationships" xmlns:p="http://schemas.openxmlformats.org/presentationml/2006/main">
+  <p:cSld>
+    <p:spTree>
+      <p:nvGrpSpPr>
+        <p:cNvPr id="1" name=""/>
+        <p:cNvGrpSpPr/>
+        <p:nvPr/>
+      </p:nvGrpSpPr>
+      <p:grpSpPr>
+        <a:xfrm>
+          <a:off x="0" y="0"/>
+          <a:ext cx="0" cy="0"/>
+          <a:chOff x="0" y="0"/>
+          <a:chExt cx="0" cy="0"/>
+        </a:xfrm>
+      </p:grpSpPr>
+      <p:sp>
+        <p:nvSpPr>
           <p:cNvPr id="2" name="직사각형 1">
             <a:extLst>
               <a:ext uri="{FF2B5EF4-FFF2-40B4-BE49-F238E27FC236}">
@@ -3918,6 +5829,11 @@
           <a:solidFill>
             <a:schemeClr val="tx1"/>
           </a:solidFill>
+          <a:ln>
+            <a:solidFill>
+              <a:schemeClr val="tx1"/>
+            </a:solidFill>
+          </a:ln>
         </p:spPr>
         <p:style>
           <a:lnRef idx="2">
@@ -3985,7 +5901,1650 @@
     </p:spTree>
     <p:extLst>
       <p:ext uri="{BB962C8B-B14F-4D97-AF65-F5344CB8AC3E}">
-        <p14:creationId xmlns:p14="http://schemas.microsoft.com/office/powerpoint/2010/main" val="1427766840"/>
+        <p14:creationId xmlns:p14="http://schemas.microsoft.com/office/powerpoint/2010/main" val="1026412990"/>
+      </p:ext>
+    </p:extLst>
+  </p:cSld>
+  <p:clrMapOvr>
+    <a:masterClrMapping/>
+  </p:clrMapOvr>
+</p:sld>
+</file>
+
+<file path=ppt/slides/slide4.xml><?xml version="1.0" encoding="utf-8"?>
+<p:sld xmlns:a="http://schemas.openxmlformats.org/drawingml/2006/main" xmlns:r="http://schemas.openxmlformats.org/officeDocument/2006/relationships" xmlns:p="http://schemas.openxmlformats.org/presentationml/2006/main">
+  <p:cSld>
+    <p:spTree>
+      <p:nvGrpSpPr>
+        <p:cNvPr id="1" name=""/>
+        <p:cNvGrpSpPr/>
+        <p:nvPr/>
+      </p:nvGrpSpPr>
+      <p:grpSpPr>
+        <a:xfrm>
+          <a:off x="0" y="0"/>
+          <a:ext cx="0" cy="0"/>
+          <a:chOff x="0" y="0"/>
+          <a:chExt cx="0" cy="0"/>
+        </a:xfrm>
+      </p:grpSpPr>
+      <p:pic>
+        <p:nvPicPr>
+          <p:cNvPr id="4" name="그림 3">
+            <a:extLst>
+              <a:ext uri="{FF2B5EF4-FFF2-40B4-BE49-F238E27FC236}">
+                <a16:creationId xmlns:a16="http://schemas.microsoft.com/office/drawing/2014/main" id="{1991511E-51DD-4ACC-8E22-41059905D78A}"/>
+              </a:ext>
+            </a:extLst>
+          </p:cNvPr>
+          <p:cNvPicPr>
+            <a:picLocks noChangeAspect="1"/>
+          </p:cNvPicPr>
+          <p:nvPr/>
+        </p:nvPicPr>
+        <p:blipFill rotWithShape="1">
+          <a:blip r:embed="rId3"/>
+          <a:srcRect l="5513" t="34937" r="5096" b="37384"/>
+          <a:stretch/>
+        </p:blipFill>
+        <p:spPr>
+          <a:xfrm>
+            <a:off x="2099360" y="2993168"/>
+            <a:ext cx="7993279" cy="2283797"/>
+          </a:xfrm>
+          <a:prstGeom prst="rect">
+            <a:avLst/>
+          </a:prstGeom>
+        </p:spPr>
+      </p:pic>
+      <p:sp>
+        <p:nvSpPr>
+          <p:cNvPr id="5" name="직사각형 4">
+            <a:extLst>
+              <a:ext uri="{FF2B5EF4-FFF2-40B4-BE49-F238E27FC236}">
+                <a16:creationId xmlns:a16="http://schemas.microsoft.com/office/drawing/2014/main" id="{5D8F2336-8447-4CE4-8F4E-1E4BA9749452}"/>
+              </a:ext>
+            </a:extLst>
+          </p:cNvPr>
+          <p:cNvSpPr/>
+          <p:nvPr/>
+        </p:nvSpPr>
+        <p:spPr>
+          <a:xfrm>
+            <a:off x="0" y="0"/>
+            <a:ext cx="12192000" cy="6858000"/>
+          </a:xfrm>
+          <a:prstGeom prst="rect">
+            <a:avLst/>
+          </a:prstGeom>
+          <a:solidFill>
+            <a:schemeClr val="tx1">
+              <a:alpha val="65000"/>
+            </a:schemeClr>
+          </a:solidFill>
+        </p:spPr>
+        <p:style>
+          <a:lnRef idx="2">
+            <a:schemeClr val="accent1">
+              <a:shade val="50000"/>
+            </a:schemeClr>
+          </a:lnRef>
+          <a:fillRef idx="1">
+            <a:schemeClr val="accent1"/>
+          </a:fillRef>
+          <a:effectRef idx="0">
+            <a:schemeClr val="accent1"/>
+          </a:effectRef>
+          <a:fontRef idx="minor">
+            <a:schemeClr val="lt1"/>
+          </a:fontRef>
+        </p:style>
+        <p:txBody>
+          <a:bodyPr rtlCol="0" anchor="ctr"/>
+          <a:lstStyle/>
+          <a:p>
+            <a:pPr algn="ctr"/>
+            <a:endParaRPr lang="ko-KR" altLang="en-US" sz="1600" dirty="0"/>
+          </a:p>
+        </p:txBody>
+      </p:sp>
+      <p:sp>
+        <p:nvSpPr>
+          <p:cNvPr id="2" name="직사각형 1">
+            <a:extLst>
+              <a:ext uri="{FF2B5EF4-FFF2-40B4-BE49-F238E27FC236}">
+                <a16:creationId xmlns:a16="http://schemas.microsoft.com/office/drawing/2014/main" id="{54E2CD7B-74A6-44AA-A46D-C26DA263A8E7}"/>
+              </a:ext>
+            </a:extLst>
+          </p:cNvPr>
+          <p:cNvSpPr/>
+          <p:nvPr/>
+        </p:nvSpPr>
+        <p:spPr>
+          <a:xfrm>
+            <a:off x="0" y="339365"/>
+            <a:ext cx="3619893" cy="1221117"/>
+          </a:xfrm>
+          <a:prstGeom prst="rect">
+            <a:avLst/>
+          </a:prstGeom>
+          <a:solidFill>
+            <a:schemeClr val="tx1"/>
+          </a:solidFill>
+          <a:ln>
+            <a:solidFill>
+              <a:schemeClr val="tx1"/>
+            </a:solidFill>
+          </a:ln>
+        </p:spPr>
+        <p:style>
+          <a:lnRef idx="2">
+            <a:schemeClr val="accent1">
+              <a:shade val="50000"/>
+            </a:schemeClr>
+          </a:lnRef>
+          <a:fillRef idx="1">
+            <a:schemeClr val="accent1"/>
+          </a:fillRef>
+          <a:effectRef idx="0">
+            <a:schemeClr val="accent1"/>
+          </a:effectRef>
+          <a:fontRef idx="minor">
+            <a:schemeClr val="lt1"/>
+          </a:fontRef>
+        </p:style>
+        <p:txBody>
+          <a:bodyPr rtlCol="0" anchor="ctr"/>
+          <a:lstStyle/>
+          <a:p>
+            <a:pPr algn="ctr"/>
+            <a:r>
+              <a:rPr lang="ko-KR" altLang="en-US" sz="4800" dirty="0">
+                <a:solidFill>
+                  <a:schemeClr val="bg1"/>
+                </a:solidFill>
+                <a:latin typeface="태나다체 " panose="02000000000000000000" pitchFamily="2" charset="-127"/>
+                <a:ea typeface="태나다체 " panose="02000000000000000000" pitchFamily="2" charset="-127"/>
+              </a:rPr>
+              <a:t>소켓</a:t>
+            </a:r>
+          </a:p>
+        </p:txBody>
+      </p:sp>
+      <p:sp>
+        <p:nvSpPr>
+          <p:cNvPr id="6" name="직사각형 5">
+            <a:extLst>
+              <a:ext uri="{FF2B5EF4-FFF2-40B4-BE49-F238E27FC236}">
+                <a16:creationId xmlns:a16="http://schemas.microsoft.com/office/drawing/2014/main" id="{6269138B-80E1-457A-B638-3EEC8C02CFD5}"/>
+              </a:ext>
+            </a:extLst>
+          </p:cNvPr>
+          <p:cNvSpPr/>
+          <p:nvPr/>
+        </p:nvSpPr>
+        <p:spPr>
+          <a:xfrm>
+            <a:off x="3009257" y="2967335"/>
+            <a:ext cx="6173485" cy="923330"/>
+          </a:xfrm>
+          <a:prstGeom prst="rect">
+            <a:avLst/>
+          </a:prstGeom>
+        </p:spPr>
+        <p:txBody>
+          <a:bodyPr wrap="none">
+            <a:spAutoFit/>
+          </a:bodyPr>
+          <a:lstStyle/>
+          <a:p>
+            <a:r>
+              <a:rPr lang="ko-KR" altLang="en-US" sz="5400" dirty="0">
+                <a:solidFill>
+                  <a:schemeClr val="bg1"/>
+                </a:solidFill>
+                <a:latin typeface="배달의민족 주아" panose="02020603020101020101" pitchFamily="18" charset="-127"/>
+                <a:ea typeface="배달의민족 주아" panose="02020603020101020101" pitchFamily="18" charset="-127"/>
+              </a:rPr>
+              <a:t>그래서 얘가 대체 </a:t>
+            </a:r>
+            <a:r>
+              <a:rPr lang="ko-KR" altLang="en-US" sz="5400" dirty="0" err="1">
+                <a:solidFill>
+                  <a:schemeClr val="bg1"/>
+                </a:solidFill>
+                <a:latin typeface="배달의민족 주아" panose="02020603020101020101" pitchFamily="18" charset="-127"/>
+                <a:ea typeface="배달의민족 주아" panose="02020603020101020101" pitchFamily="18" charset="-127"/>
+              </a:rPr>
+              <a:t>뭔데</a:t>
+            </a:r>
+            <a:r>
+              <a:rPr lang="en-US" altLang="ko-KR" sz="5400" dirty="0">
+                <a:solidFill>
+                  <a:schemeClr val="bg1"/>
+                </a:solidFill>
+                <a:latin typeface="배달의민족 주아" panose="02020603020101020101" pitchFamily="18" charset="-127"/>
+                <a:ea typeface="배달의민족 주아" panose="02020603020101020101" pitchFamily="18" charset="-127"/>
+              </a:rPr>
+              <a:t>?</a:t>
+            </a:r>
+            <a:endParaRPr lang="ko-KR" altLang="en-US" sz="5400" dirty="0">
+              <a:solidFill>
+                <a:schemeClr val="bg1"/>
+              </a:solidFill>
+              <a:latin typeface="배달의민족 주아" panose="02020603020101020101" pitchFamily="18" charset="-127"/>
+              <a:ea typeface="배달의민족 주아" panose="02020603020101020101" pitchFamily="18" charset="-127"/>
+            </a:endParaRPr>
+          </a:p>
+        </p:txBody>
+      </p:sp>
+    </p:spTree>
+    <p:extLst>
+      <p:ext uri="{BB962C8B-B14F-4D97-AF65-F5344CB8AC3E}">
+        <p14:creationId xmlns:p14="http://schemas.microsoft.com/office/powerpoint/2010/main" val="2795069301"/>
+      </p:ext>
+    </p:extLst>
+  </p:cSld>
+  <p:clrMapOvr>
+    <a:masterClrMapping/>
+  </p:clrMapOvr>
+</p:sld>
+</file>
+
+<file path=ppt/slides/slide5.xml><?xml version="1.0" encoding="utf-8"?>
+<p:sld xmlns:a="http://schemas.openxmlformats.org/drawingml/2006/main" xmlns:r="http://schemas.openxmlformats.org/officeDocument/2006/relationships" xmlns:p="http://schemas.openxmlformats.org/presentationml/2006/main">
+  <p:cSld>
+    <p:spTree>
+      <p:nvGrpSpPr>
+        <p:cNvPr id="1" name=""/>
+        <p:cNvGrpSpPr/>
+        <p:nvPr/>
+      </p:nvGrpSpPr>
+      <p:grpSpPr>
+        <a:xfrm>
+          <a:off x="0" y="0"/>
+          <a:ext cx="0" cy="0"/>
+          <a:chOff x="0" y="0"/>
+          <a:chExt cx="0" cy="0"/>
+        </a:xfrm>
+      </p:grpSpPr>
+      <p:pic>
+        <p:nvPicPr>
+          <p:cNvPr id="4" name="그림 3">
+            <a:extLst>
+              <a:ext uri="{FF2B5EF4-FFF2-40B4-BE49-F238E27FC236}">
+                <a16:creationId xmlns:a16="http://schemas.microsoft.com/office/drawing/2014/main" id="{1991511E-51DD-4ACC-8E22-41059905D78A}"/>
+              </a:ext>
+            </a:extLst>
+          </p:cNvPr>
+          <p:cNvPicPr>
+            <a:picLocks noChangeAspect="1"/>
+          </p:cNvPicPr>
+          <p:nvPr/>
+        </p:nvPicPr>
+        <p:blipFill rotWithShape="1">
+          <a:blip r:embed="rId3"/>
+          <a:srcRect l="5513" t="34937" r="5096" b="37384"/>
+          <a:stretch/>
+        </p:blipFill>
+        <p:spPr>
+          <a:xfrm>
+            <a:off x="2099360" y="2993168"/>
+            <a:ext cx="7993279" cy="2283797"/>
+          </a:xfrm>
+          <a:prstGeom prst="rect">
+            <a:avLst/>
+          </a:prstGeom>
+        </p:spPr>
+      </p:pic>
+      <p:sp>
+        <p:nvSpPr>
+          <p:cNvPr id="5" name="직사각형 4">
+            <a:extLst>
+              <a:ext uri="{FF2B5EF4-FFF2-40B4-BE49-F238E27FC236}">
+                <a16:creationId xmlns:a16="http://schemas.microsoft.com/office/drawing/2014/main" id="{5D8F2336-8447-4CE4-8F4E-1E4BA9749452}"/>
+              </a:ext>
+            </a:extLst>
+          </p:cNvPr>
+          <p:cNvSpPr/>
+          <p:nvPr/>
+        </p:nvSpPr>
+        <p:spPr>
+          <a:xfrm>
+            <a:off x="0" y="0"/>
+            <a:ext cx="12192000" cy="6858000"/>
+          </a:xfrm>
+          <a:prstGeom prst="rect">
+            <a:avLst/>
+          </a:prstGeom>
+          <a:solidFill>
+            <a:schemeClr val="tx1">
+              <a:alpha val="65000"/>
+            </a:schemeClr>
+          </a:solidFill>
+        </p:spPr>
+        <p:style>
+          <a:lnRef idx="2">
+            <a:schemeClr val="accent1">
+              <a:shade val="50000"/>
+            </a:schemeClr>
+          </a:lnRef>
+          <a:fillRef idx="1">
+            <a:schemeClr val="accent1"/>
+          </a:fillRef>
+          <a:effectRef idx="0">
+            <a:schemeClr val="accent1"/>
+          </a:effectRef>
+          <a:fontRef idx="minor">
+            <a:schemeClr val="lt1"/>
+          </a:fontRef>
+        </p:style>
+        <p:txBody>
+          <a:bodyPr rtlCol="0" anchor="ctr"/>
+          <a:lstStyle/>
+          <a:p>
+            <a:pPr algn="ctr"/>
+            <a:endParaRPr lang="ko-KR" altLang="en-US" sz="1600" dirty="0"/>
+          </a:p>
+        </p:txBody>
+      </p:sp>
+      <p:sp>
+        <p:nvSpPr>
+          <p:cNvPr id="2" name="직사각형 1">
+            <a:extLst>
+              <a:ext uri="{FF2B5EF4-FFF2-40B4-BE49-F238E27FC236}">
+                <a16:creationId xmlns:a16="http://schemas.microsoft.com/office/drawing/2014/main" id="{54E2CD7B-74A6-44AA-A46D-C26DA263A8E7}"/>
+              </a:ext>
+            </a:extLst>
+          </p:cNvPr>
+          <p:cNvSpPr/>
+          <p:nvPr/>
+        </p:nvSpPr>
+        <p:spPr>
+          <a:xfrm>
+            <a:off x="0" y="339365"/>
+            <a:ext cx="3619893" cy="1221117"/>
+          </a:xfrm>
+          <a:prstGeom prst="rect">
+            <a:avLst/>
+          </a:prstGeom>
+          <a:solidFill>
+            <a:schemeClr val="tx1"/>
+          </a:solidFill>
+          <a:ln>
+            <a:solidFill>
+              <a:schemeClr val="tx1"/>
+            </a:solidFill>
+          </a:ln>
+        </p:spPr>
+        <p:style>
+          <a:lnRef idx="2">
+            <a:schemeClr val="accent1">
+              <a:shade val="50000"/>
+            </a:schemeClr>
+          </a:lnRef>
+          <a:fillRef idx="1">
+            <a:schemeClr val="accent1"/>
+          </a:fillRef>
+          <a:effectRef idx="0">
+            <a:schemeClr val="accent1"/>
+          </a:effectRef>
+          <a:fontRef idx="minor">
+            <a:schemeClr val="lt1"/>
+          </a:fontRef>
+        </p:style>
+        <p:txBody>
+          <a:bodyPr rtlCol="0" anchor="ctr"/>
+          <a:lstStyle/>
+          <a:p>
+            <a:pPr algn="ctr"/>
+            <a:r>
+              <a:rPr lang="ko-KR" altLang="en-US" sz="4800" dirty="0">
+                <a:solidFill>
+                  <a:schemeClr val="bg1"/>
+                </a:solidFill>
+                <a:latin typeface="태나다체 " panose="02000000000000000000" pitchFamily="2" charset="-127"/>
+                <a:ea typeface="태나다체 " panose="02000000000000000000" pitchFamily="2" charset="-127"/>
+              </a:rPr>
+              <a:t>소켓</a:t>
+            </a:r>
+          </a:p>
+        </p:txBody>
+      </p:sp>
+      <p:pic>
+        <p:nvPicPr>
+          <p:cNvPr id="12" name="그림 11">
+            <a:extLst>
+              <a:ext uri="{FF2B5EF4-FFF2-40B4-BE49-F238E27FC236}">
+                <a16:creationId xmlns:a16="http://schemas.microsoft.com/office/drawing/2014/main" id="{0A252048-9FDB-415A-9A01-5A17F171C5B1}"/>
+              </a:ext>
+            </a:extLst>
+          </p:cNvPr>
+          <p:cNvPicPr>
+            <a:picLocks noChangeAspect="1"/>
+          </p:cNvPicPr>
+          <p:nvPr/>
+        </p:nvPicPr>
+        <p:blipFill>
+          <a:blip r:embed="rId4">
+            <a:extLst>
+              <a:ext uri="{28A0092B-C50C-407E-A947-70E740481C1C}">
+                <a14:useLocalDpi xmlns:a14="http://schemas.microsoft.com/office/drawing/2010/main" val="0"/>
+              </a:ext>
+            </a:extLst>
+          </a:blip>
+          <a:stretch>
+            <a:fillRect/>
+          </a:stretch>
+        </p:blipFill>
+        <p:spPr>
+          <a:xfrm>
+            <a:off x="3126350" y="2286790"/>
+            <a:ext cx="5939298" cy="3388565"/>
+          </a:xfrm>
+          <a:prstGeom prst="rect">
+            <a:avLst/>
+          </a:prstGeom>
+        </p:spPr>
+      </p:pic>
+    </p:spTree>
+    <p:extLst>
+      <p:ext uri="{BB962C8B-B14F-4D97-AF65-F5344CB8AC3E}">
+        <p14:creationId xmlns:p14="http://schemas.microsoft.com/office/powerpoint/2010/main" val="529184356"/>
+      </p:ext>
+    </p:extLst>
+  </p:cSld>
+  <p:clrMapOvr>
+    <a:masterClrMapping/>
+  </p:clrMapOvr>
+</p:sld>
+</file>
+
+<file path=ppt/slides/slide6.xml><?xml version="1.0" encoding="utf-8"?>
+<p:sld xmlns:a="http://schemas.openxmlformats.org/drawingml/2006/main" xmlns:r="http://schemas.openxmlformats.org/officeDocument/2006/relationships" xmlns:p="http://schemas.openxmlformats.org/presentationml/2006/main">
+  <p:cSld>
+    <p:spTree>
+      <p:nvGrpSpPr>
+        <p:cNvPr id="1" name=""/>
+        <p:cNvGrpSpPr/>
+        <p:nvPr/>
+      </p:nvGrpSpPr>
+      <p:grpSpPr>
+        <a:xfrm>
+          <a:off x="0" y="0"/>
+          <a:ext cx="0" cy="0"/>
+          <a:chOff x="0" y="0"/>
+          <a:chExt cx="0" cy="0"/>
+        </a:xfrm>
+      </p:grpSpPr>
+      <p:pic>
+        <p:nvPicPr>
+          <p:cNvPr id="4" name="그림 3">
+            <a:extLst>
+              <a:ext uri="{FF2B5EF4-FFF2-40B4-BE49-F238E27FC236}">
+                <a16:creationId xmlns:a16="http://schemas.microsoft.com/office/drawing/2014/main" id="{1991511E-51DD-4ACC-8E22-41059905D78A}"/>
+              </a:ext>
+            </a:extLst>
+          </p:cNvPr>
+          <p:cNvPicPr>
+            <a:picLocks noChangeAspect="1"/>
+          </p:cNvPicPr>
+          <p:nvPr/>
+        </p:nvPicPr>
+        <p:blipFill rotWithShape="1">
+          <a:blip r:embed="rId3"/>
+          <a:srcRect l="5513" t="34937" r="5096" b="37384"/>
+          <a:stretch/>
+        </p:blipFill>
+        <p:spPr>
+          <a:xfrm>
+            <a:off x="2099360" y="2993168"/>
+            <a:ext cx="7993279" cy="2283797"/>
+          </a:xfrm>
+          <a:prstGeom prst="rect">
+            <a:avLst/>
+          </a:prstGeom>
+        </p:spPr>
+      </p:pic>
+      <p:sp>
+        <p:nvSpPr>
+          <p:cNvPr id="5" name="직사각형 4">
+            <a:extLst>
+              <a:ext uri="{FF2B5EF4-FFF2-40B4-BE49-F238E27FC236}">
+                <a16:creationId xmlns:a16="http://schemas.microsoft.com/office/drawing/2014/main" id="{5D8F2336-8447-4CE4-8F4E-1E4BA9749452}"/>
+              </a:ext>
+            </a:extLst>
+          </p:cNvPr>
+          <p:cNvSpPr/>
+          <p:nvPr/>
+        </p:nvSpPr>
+        <p:spPr>
+          <a:xfrm>
+            <a:off x="0" y="0"/>
+            <a:ext cx="12192000" cy="6858000"/>
+          </a:xfrm>
+          <a:prstGeom prst="rect">
+            <a:avLst/>
+          </a:prstGeom>
+          <a:solidFill>
+            <a:schemeClr val="tx1">
+              <a:alpha val="65000"/>
+            </a:schemeClr>
+          </a:solidFill>
+        </p:spPr>
+        <p:style>
+          <a:lnRef idx="2">
+            <a:schemeClr val="accent1">
+              <a:shade val="50000"/>
+            </a:schemeClr>
+          </a:lnRef>
+          <a:fillRef idx="1">
+            <a:schemeClr val="accent1"/>
+          </a:fillRef>
+          <a:effectRef idx="0">
+            <a:schemeClr val="accent1"/>
+          </a:effectRef>
+          <a:fontRef idx="minor">
+            <a:schemeClr val="lt1"/>
+          </a:fontRef>
+        </p:style>
+        <p:txBody>
+          <a:bodyPr rtlCol="0" anchor="ctr"/>
+          <a:lstStyle/>
+          <a:p>
+            <a:pPr algn="ctr"/>
+            <a:endParaRPr lang="ko-KR" altLang="en-US" sz="1600" dirty="0"/>
+          </a:p>
+        </p:txBody>
+      </p:sp>
+      <p:sp>
+        <p:nvSpPr>
+          <p:cNvPr id="2" name="직사각형 1">
+            <a:extLst>
+              <a:ext uri="{FF2B5EF4-FFF2-40B4-BE49-F238E27FC236}">
+                <a16:creationId xmlns:a16="http://schemas.microsoft.com/office/drawing/2014/main" id="{54E2CD7B-74A6-44AA-A46D-C26DA263A8E7}"/>
+              </a:ext>
+            </a:extLst>
+          </p:cNvPr>
+          <p:cNvSpPr/>
+          <p:nvPr/>
+        </p:nvSpPr>
+        <p:spPr>
+          <a:xfrm>
+            <a:off x="0" y="339365"/>
+            <a:ext cx="3619893" cy="1221117"/>
+          </a:xfrm>
+          <a:prstGeom prst="rect">
+            <a:avLst/>
+          </a:prstGeom>
+          <a:solidFill>
+            <a:schemeClr val="tx1"/>
+          </a:solidFill>
+          <a:ln>
+            <a:solidFill>
+              <a:schemeClr val="tx1"/>
+            </a:solidFill>
+          </a:ln>
+        </p:spPr>
+        <p:style>
+          <a:lnRef idx="2">
+            <a:schemeClr val="accent1">
+              <a:shade val="50000"/>
+            </a:schemeClr>
+          </a:lnRef>
+          <a:fillRef idx="1">
+            <a:schemeClr val="accent1"/>
+          </a:fillRef>
+          <a:effectRef idx="0">
+            <a:schemeClr val="accent1"/>
+          </a:effectRef>
+          <a:fontRef idx="minor">
+            <a:schemeClr val="lt1"/>
+          </a:fontRef>
+        </p:style>
+        <p:txBody>
+          <a:bodyPr rtlCol="0" anchor="ctr"/>
+          <a:lstStyle/>
+          <a:p>
+            <a:pPr algn="ctr"/>
+            <a:r>
+              <a:rPr lang="ko-KR" altLang="en-US" sz="4800" dirty="0">
+                <a:solidFill>
+                  <a:schemeClr val="bg1"/>
+                </a:solidFill>
+                <a:latin typeface="태나다체 " panose="02000000000000000000" pitchFamily="2" charset="-127"/>
+                <a:ea typeface="태나다체 " panose="02000000000000000000" pitchFamily="2" charset="-127"/>
+              </a:rPr>
+              <a:t>소켓</a:t>
+            </a:r>
+          </a:p>
+        </p:txBody>
+      </p:sp>
+      <p:pic>
+        <p:nvPicPr>
+          <p:cNvPr id="12" name="그림 11">
+            <a:extLst>
+              <a:ext uri="{FF2B5EF4-FFF2-40B4-BE49-F238E27FC236}">
+                <a16:creationId xmlns:a16="http://schemas.microsoft.com/office/drawing/2014/main" id="{0A252048-9FDB-415A-9A01-5A17F171C5B1}"/>
+              </a:ext>
+            </a:extLst>
+          </p:cNvPr>
+          <p:cNvPicPr>
+            <a:picLocks noChangeAspect="1"/>
+          </p:cNvPicPr>
+          <p:nvPr/>
+        </p:nvPicPr>
+        <p:blipFill>
+          <a:blip r:embed="rId4">
+            <a:extLst>
+              <a:ext uri="{28A0092B-C50C-407E-A947-70E740481C1C}">
+                <a14:useLocalDpi xmlns:a14="http://schemas.microsoft.com/office/drawing/2010/main" val="0"/>
+              </a:ext>
+            </a:extLst>
+          </a:blip>
+          <a:stretch>
+            <a:fillRect/>
+          </a:stretch>
+        </p:blipFill>
+        <p:spPr>
+          <a:xfrm>
+            <a:off x="3126350" y="2286790"/>
+            <a:ext cx="5939298" cy="3388565"/>
+          </a:xfrm>
+          <a:prstGeom prst="rect">
+            <a:avLst/>
+          </a:prstGeom>
+        </p:spPr>
+      </p:pic>
+      <p:pic>
+        <p:nvPicPr>
+          <p:cNvPr id="2050" name="Picture 2" descr="희토류 탐구(12) 광섬유 통신 장비에 쓰이는 어븀(Er) | 한국경제">
+            <a:extLst>
+              <a:ext uri="{FF2B5EF4-FFF2-40B4-BE49-F238E27FC236}">
+                <a16:creationId xmlns:a16="http://schemas.microsoft.com/office/drawing/2014/main" id="{08D834EA-3A7D-4EF6-B259-5CE990DBDF85}"/>
+              </a:ext>
+            </a:extLst>
+          </p:cNvPr>
+          <p:cNvPicPr>
+            <a:picLocks noChangeAspect="1" noChangeArrowheads="1"/>
+          </p:cNvPicPr>
+          <p:nvPr/>
+        </p:nvPicPr>
+        <p:blipFill>
+          <a:blip r:embed="rId5">
+            <a:extLst>
+              <a:ext uri="{28A0092B-C50C-407E-A947-70E740481C1C}">
+                <a14:useLocalDpi xmlns:a14="http://schemas.microsoft.com/office/drawing/2010/main" val="0"/>
+              </a:ext>
+            </a:extLst>
+          </a:blip>
+          <a:srcRect/>
+          <a:stretch>
+            <a:fillRect/>
+          </a:stretch>
+        </p:blipFill>
+        <p:spPr bwMode="auto">
+          <a:xfrm>
+            <a:off x="5261406" y="1034823"/>
+            <a:ext cx="5880914" cy="3916689"/>
+          </a:xfrm>
+          <a:prstGeom prst="rect">
+            <a:avLst/>
+          </a:prstGeom>
+          <a:noFill/>
+          <a:extLst>
+            <a:ext uri="{909E8E84-426E-40DD-AFC4-6F175D3DCCD1}">
+              <a14:hiddenFill xmlns:a14="http://schemas.microsoft.com/office/drawing/2010/main">
+                <a:solidFill>
+                  <a:srgbClr val="FFFFFF"/>
+                </a:solidFill>
+              </a14:hiddenFill>
+            </a:ext>
+          </a:extLst>
+        </p:spPr>
+      </p:pic>
+    </p:spTree>
+    <p:extLst>
+      <p:ext uri="{BB962C8B-B14F-4D97-AF65-F5344CB8AC3E}">
+        <p14:creationId xmlns:p14="http://schemas.microsoft.com/office/powerpoint/2010/main" val="2440807800"/>
+      </p:ext>
+    </p:extLst>
+  </p:cSld>
+  <p:clrMapOvr>
+    <a:masterClrMapping/>
+  </p:clrMapOvr>
+</p:sld>
+</file>
+
+<file path=ppt/slides/slide7.xml><?xml version="1.0" encoding="utf-8"?>
+<p:sld xmlns:a="http://schemas.openxmlformats.org/drawingml/2006/main" xmlns:r="http://schemas.openxmlformats.org/officeDocument/2006/relationships" xmlns:p="http://schemas.openxmlformats.org/presentationml/2006/main">
+  <p:cSld>
+    <p:spTree>
+      <p:nvGrpSpPr>
+        <p:cNvPr id="1" name=""/>
+        <p:cNvGrpSpPr/>
+        <p:nvPr/>
+      </p:nvGrpSpPr>
+      <p:grpSpPr>
+        <a:xfrm>
+          <a:off x="0" y="0"/>
+          <a:ext cx="0" cy="0"/>
+          <a:chOff x="0" y="0"/>
+          <a:chExt cx="0" cy="0"/>
+        </a:xfrm>
+      </p:grpSpPr>
+      <p:pic>
+        <p:nvPicPr>
+          <p:cNvPr id="4" name="그림 3">
+            <a:extLst>
+              <a:ext uri="{FF2B5EF4-FFF2-40B4-BE49-F238E27FC236}">
+                <a16:creationId xmlns:a16="http://schemas.microsoft.com/office/drawing/2014/main" id="{1991511E-51DD-4ACC-8E22-41059905D78A}"/>
+              </a:ext>
+            </a:extLst>
+          </p:cNvPr>
+          <p:cNvPicPr>
+            <a:picLocks noChangeAspect="1"/>
+          </p:cNvPicPr>
+          <p:nvPr/>
+        </p:nvPicPr>
+        <p:blipFill rotWithShape="1">
+          <a:blip r:embed="rId3"/>
+          <a:srcRect l="5513" t="34937" r="5096" b="37384"/>
+          <a:stretch/>
+        </p:blipFill>
+        <p:spPr>
+          <a:xfrm>
+            <a:off x="2099360" y="2993168"/>
+            <a:ext cx="7993279" cy="2283797"/>
+          </a:xfrm>
+          <a:prstGeom prst="rect">
+            <a:avLst/>
+          </a:prstGeom>
+        </p:spPr>
+      </p:pic>
+      <p:sp>
+        <p:nvSpPr>
+          <p:cNvPr id="5" name="직사각형 4">
+            <a:extLst>
+              <a:ext uri="{FF2B5EF4-FFF2-40B4-BE49-F238E27FC236}">
+                <a16:creationId xmlns:a16="http://schemas.microsoft.com/office/drawing/2014/main" id="{5D8F2336-8447-4CE4-8F4E-1E4BA9749452}"/>
+              </a:ext>
+            </a:extLst>
+          </p:cNvPr>
+          <p:cNvSpPr/>
+          <p:nvPr/>
+        </p:nvSpPr>
+        <p:spPr>
+          <a:xfrm>
+            <a:off x="0" y="0"/>
+            <a:ext cx="12192000" cy="6858000"/>
+          </a:xfrm>
+          <a:prstGeom prst="rect">
+            <a:avLst/>
+          </a:prstGeom>
+          <a:solidFill>
+            <a:schemeClr val="tx1">
+              <a:alpha val="65000"/>
+            </a:schemeClr>
+          </a:solidFill>
+        </p:spPr>
+        <p:style>
+          <a:lnRef idx="2">
+            <a:schemeClr val="accent1">
+              <a:shade val="50000"/>
+            </a:schemeClr>
+          </a:lnRef>
+          <a:fillRef idx="1">
+            <a:schemeClr val="accent1"/>
+          </a:fillRef>
+          <a:effectRef idx="0">
+            <a:schemeClr val="accent1"/>
+          </a:effectRef>
+          <a:fontRef idx="minor">
+            <a:schemeClr val="lt1"/>
+          </a:fontRef>
+        </p:style>
+        <p:txBody>
+          <a:bodyPr rtlCol="0" anchor="ctr"/>
+          <a:lstStyle/>
+          <a:p>
+            <a:pPr algn="ctr"/>
+            <a:endParaRPr lang="ko-KR" altLang="en-US" sz="1600" dirty="0"/>
+          </a:p>
+        </p:txBody>
+      </p:sp>
+      <p:sp>
+        <p:nvSpPr>
+          <p:cNvPr id="2" name="직사각형 1">
+            <a:extLst>
+              <a:ext uri="{FF2B5EF4-FFF2-40B4-BE49-F238E27FC236}">
+                <a16:creationId xmlns:a16="http://schemas.microsoft.com/office/drawing/2014/main" id="{54E2CD7B-74A6-44AA-A46D-C26DA263A8E7}"/>
+              </a:ext>
+            </a:extLst>
+          </p:cNvPr>
+          <p:cNvSpPr/>
+          <p:nvPr/>
+        </p:nvSpPr>
+        <p:spPr>
+          <a:xfrm>
+            <a:off x="0" y="339365"/>
+            <a:ext cx="3619893" cy="1221117"/>
+          </a:xfrm>
+          <a:prstGeom prst="rect">
+            <a:avLst/>
+          </a:prstGeom>
+          <a:solidFill>
+            <a:schemeClr val="tx1"/>
+          </a:solidFill>
+          <a:ln>
+            <a:solidFill>
+              <a:schemeClr val="tx1"/>
+            </a:solidFill>
+          </a:ln>
+        </p:spPr>
+        <p:style>
+          <a:lnRef idx="2">
+            <a:schemeClr val="accent1">
+              <a:shade val="50000"/>
+            </a:schemeClr>
+          </a:lnRef>
+          <a:fillRef idx="1">
+            <a:schemeClr val="accent1"/>
+          </a:fillRef>
+          <a:effectRef idx="0">
+            <a:schemeClr val="accent1"/>
+          </a:effectRef>
+          <a:fontRef idx="minor">
+            <a:schemeClr val="lt1"/>
+          </a:fontRef>
+        </p:style>
+        <p:txBody>
+          <a:bodyPr rtlCol="0" anchor="ctr"/>
+          <a:lstStyle/>
+          <a:p>
+            <a:pPr algn="ctr"/>
+            <a:r>
+              <a:rPr lang="ko-KR" altLang="en-US" sz="4800" dirty="0">
+                <a:solidFill>
+                  <a:schemeClr val="bg1"/>
+                </a:solidFill>
+                <a:latin typeface="태나다체 " panose="02000000000000000000" pitchFamily="2" charset="-127"/>
+                <a:ea typeface="태나다체 " panose="02000000000000000000" pitchFamily="2" charset="-127"/>
+              </a:rPr>
+              <a:t>소켓</a:t>
+            </a:r>
+          </a:p>
+        </p:txBody>
+      </p:sp>
+      <p:pic>
+        <p:nvPicPr>
+          <p:cNvPr id="12" name="그림 11">
+            <a:extLst>
+              <a:ext uri="{FF2B5EF4-FFF2-40B4-BE49-F238E27FC236}">
+                <a16:creationId xmlns:a16="http://schemas.microsoft.com/office/drawing/2014/main" id="{0A252048-9FDB-415A-9A01-5A17F171C5B1}"/>
+              </a:ext>
+            </a:extLst>
+          </p:cNvPr>
+          <p:cNvPicPr>
+            <a:picLocks noChangeAspect="1"/>
+          </p:cNvPicPr>
+          <p:nvPr/>
+        </p:nvPicPr>
+        <p:blipFill>
+          <a:blip r:embed="rId4">
+            <a:extLst>
+              <a:ext uri="{28A0092B-C50C-407E-A947-70E740481C1C}">
+                <a14:useLocalDpi xmlns:a14="http://schemas.microsoft.com/office/drawing/2010/main" val="0"/>
+              </a:ext>
+            </a:extLst>
+          </a:blip>
+          <a:stretch>
+            <a:fillRect/>
+          </a:stretch>
+        </p:blipFill>
+        <p:spPr>
+          <a:xfrm>
+            <a:off x="3126350" y="2286790"/>
+            <a:ext cx="5939298" cy="3388565"/>
+          </a:xfrm>
+          <a:prstGeom prst="rect">
+            <a:avLst/>
+          </a:prstGeom>
+        </p:spPr>
+      </p:pic>
+      <p:pic>
+        <p:nvPicPr>
+          <p:cNvPr id="2050" name="Picture 2" descr="희토류 탐구(12) 광섬유 통신 장비에 쓰이는 어븀(Er) | 한국경제">
+            <a:extLst>
+              <a:ext uri="{FF2B5EF4-FFF2-40B4-BE49-F238E27FC236}">
+                <a16:creationId xmlns:a16="http://schemas.microsoft.com/office/drawing/2014/main" id="{08D834EA-3A7D-4EF6-B259-5CE990DBDF85}"/>
+              </a:ext>
+            </a:extLst>
+          </p:cNvPr>
+          <p:cNvPicPr>
+            <a:picLocks noChangeAspect="1" noChangeArrowheads="1"/>
+          </p:cNvPicPr>
+          <p:nvPr/>
+        </p:nvPicPr>
+        <p:blipFill>
+          <a:blip r:embed="rId5">
+            <a:extLst>
+              <a:ext uri="{28A0092B-C50C-407E-A947-70E740481C1C}">
+                <a14:useLocalDpi xmlns:a14="http://schemas.microsoft.com/office/drawing/2010/main" val="0"/>
+              </a:ext>
+            </a:extLst>
+          </a:blip>
+          <a:srcRect/>
+          <a:stretch>
+            <a:fillRect/>
+          </a:stretch>
+        </p:blipFill>
+        <p:spPr bwMode="auto">
+          <a:xfrm>
+            <a:off x="5261406" y="1034823"/>
+            <a:ext cx="5880914" cy="3916689"/>
+          </a:xfrm>
+          <a:prstGeom prst="rect">
+            <a:avLst/>
+          </a:prstGeom>
+          <a:noFill/>
+          <a:extLst>
+            <a:ext uri="{909E8E84-426E-40DD-AFC4-6F175D3DCCD1}">
+              <a14:hiddenFill xmlns:a14="http://schemas.microsoft.com/office/drawing/2010/main">
+                <a:solidFill>
+                  <a:srgbClr val="FFFFFF"/>
+                </a:solidFill>
+              </a14:hiddenFill>
+            </a:ext>
+          </a:extLst>
+        </p:spPr>
+      </p:pic>
+      <p:pic>
+        <p:nvPicPr>
+          <p:cNvPr id="3076" name="Picture 4" descr="컴퓨터 하드웨어 | 프리미엄 벡터">
+            <a:extLst>
+              <a:ext uri="{FF2B5EF4-FFF2-40B4-BE49-F238E27FC236}">
+                <a16:creationId xmlns:a16="http://schemas.microsoft.com/office/drawing/2014/main" id="{73C174A9-427C-4571-A51C-3578346719EC}"/>
+              </a:ext>
+            </a:extLst>
+          </p:cNvPr>
+          <p:cNvPicPr>
+            <a:picLocks noChangeAspect="1" noChangeArrowheads="1"/>
+          </p:cNvPicPr>
+          <p:nvPr/>
+        </p:nvPicPr>
+        <p:blipFill>
+          <a:blip r:embed="rId6">
+            <a:extLst>
+              <a:ext uri="{28A0092B-C50C-407E-A947-70E740481C1C}">
+                <a14:useLocalDpi xmlns:a14="http://schemas.microsoft.com/office/drawing/2010/main" val="0"/>
+              </a:ext>
+            </a:extLst>
+          </a:blip>
+          <a:srcRect/>
+          <a:stretch>
+            <a:fillRect/>
+          </a:stretch>
+        </p:blipFill>
+        <p:spPr bwMode="auto">
+          <a:xfrm>
+            <a:off x="1448909" y="1109964"/>
+            <a:ext cx="5149853" cy="5149853"/>
+          </a:xfrm>
+          <a:prstGeom prst="rect">
+            <a:avLst/>
+          </a:prstGeom>
+          <a:noFill/>
+          <a:extLst>
+            <a:ext uri="{909E8E84-426E-40DD-AFC4-6F175D3DCCD1}">
+              <a14:hiddenFill xmlns:a14="http://schemas.microsoft.com/office/drawing/2010/main">
+                <a:solidFill>
+                  <a:srgbClr val="FFFFFF"/>
+                </a:solidFill>
+              </a14:hiddenFill>
+            </a:ext>
+          </a:extLst>
+        </p:spPr>
+      </p:pic>
+    </p:spTree>
+    <p:extLst>
+      <p:ext uri="{BB962C8B-B14F-4D97-AF65-F5344CB8AC3E}">
+        <p14:creationId xmlns:p14="http://schemas.microsoft.com/office/powerpoint/2010/main" val="3509790299"/>
+      </p:ext>
+    </p:extLst>
+  </p:cSld>
+  <p:clrMapOvr>
+    <a:masterClrMapping/>
+  </p:clrMapOvr>
+</p:sld>
+</file>
+
+<file path=ppt/slides/slide8.xml><?xml version="1.0" encoding="utf-8"?>
+<p:sld xmlns:a="http://schemas.openxmlformats.org/drawingml/2006/main" xmlns:r="http://schemas.openxmlformats.org/officeDocument/2006/relationships" xmlns:p="http://schemas.openxmlformats.org/presentationml/2006/main">
+  <p:cSld>
+    <p:spTree>
+      <p:nvGrpSpPr>
+        <p:cNvPr id="1" name=""/>
+        <p:cNvGrpSpPr/>
+        <p:nvPr/>
+      </p:nvGrpSpPr>
+      <p:grpSpPr>
+        <a:xfrm>
+          <a:off x="0" y="0"/>
+          <a:ext cx="0" cy="0"/>
+          <a:chOff x="0" y="0"/>
+          <a:chExt cx="0" cy="0"/>
+        </a:xfrm>
+      </p:grpSpPr>
+      <p:pic>
+        <p:nvPicPr>
+          <p:cNvPr id="4" name="그림 3">
+            <a:extLst>
+              <a:ext uri="{FF2B5EF4-FFF2-40B4-BE49-F238E27FC236}">
+                <a16:creationId xmlns:a16="http://schemas.microsoft.com/office/drawing/2014/main" id="{1991511E-51DD-4ACC-8E22-41059905D78A}"/>
+              </a:ext>
+            </a:extLst>
+          </p:cNvPr>
+          <p:cNvPicPr>
+            <a:picLocks noChangeAspect="1"/>
+          </p:cNvPicPr>
+          <p:nvPr/>
+        </p:nvPicPr>
+        <p:blipFill rotWithShape="1">
+          <a:blip r:embed="rId3"/>
+          <a:srcRect l="5513" t="34937" r="5096" b="37384"/>
+          <a:stretch/>
+        </p:blipFill>
+        <p:spPr>
+          <a:xfrm>
+            <a:off x="2099360" y="2993168"/>
+            <a:ext cx="7993279" cy="2283797"/>
+          </a:xfrm>
+          <a:prstGeom prst="rect">
+            <a:avLst/>
+          </a:prstGeom>
+        </p:spPr>
+      </p:pic>
+      <p:sp>
+        <p:nvSpPr>
+          <p:cNvPr id="5" name="직사각형 4">
+            <a:extLst>
+              <a:ext uri="{FF2B5EF4-FFF2-40B4-BE49-F238E27FC236}">
+                <a16:creationId xmlns:a16="http://schemas.microsoft.com/office/drawing/2014/main" id="{5D8F2336-8447-4CE4-8F4E-1E4BA9749452}"/>
+              </a:ext>
+            </a:extLst>
+          </p:cNvPr>
+          <p:cNvSpPr/>
+          <p:nvPr/>
+        </p:nvSpPr>
+        <p:spPr>
+          <a:xfrm>
+            <a:off x="0" y="0"/>
+            <a:ext cx="12192000" cy="6858000"/>
+          </a:xfrm>
+          <a:prstGeom prst="rect">
+            <a:avLst/>
+          </a:prstGeom>
+          <a:solidFill>
+            <a:schemeClr val="tx1">
+              <a:alpha val="65000"/>
+            </a:schemeClr>
+          </a:solidFill>
+        </p:spPr>
+        <p:style>
+          <a:lnRef idx="2">
+            <a:schemeClr val="accent1">
+              <a:shade val="50000"/>
+            </a:schemeClr>
+          </a:lnRef>
+          <a:fillRef idx="1">
+            <a:schemeClr val="accent1"/>
+          </a:fillRef>
+          <a:effectRef idx="0">
+            <a:schemeClr val="accent1"/>
+          </a:effectRef>
+          <a:fontRef idx="minor">
+            <a:schemeClr val="lt1"/>
+          </a:fontRef>
+        </p:style>
+        <p:txBody>
+          <a:bodyPr rtlCol="0" anchor="ctr"/>
+          <a:lstStyle/>
+          <a:p>
+            <a:pPr algn="ctr"/>
+            <a:endParaRPr lang="ko-KR" altLang="en-US" sz="1600" dirty="0"/>
+          </a:p>
+        </p:txBody>
+      </p:sp>
+      <p:sp>
+        <p:nvSpPr>
+          <p:cNvPr id="2" name="직사각형 1">
+            <a:extLst>
+              <a:ext uri="{FF2B5EF4-FFF2-40B4-BE49-F238E27FC236}">
+                <a16:creationId xmlns:a16="http://schemas.microsoft.com/office/drawing/2014/main" id="{54E2CD7B-74A6-44AA-A46D-C26DA263A8E7}"/>
+              </a:ext>
+            </a:extLst>
+          </p:cNvPr>
+          <p:cNvSpPr/>
+          <p:nvPr/>
+        </p:nvSpPr>
+        <p:spPr>
+          <a:xfrm>
+            <a:off x="0" y="339365"/>
+            <a:ext cx="3619893" cy="1221117"/>
+          </a:xfrm>
+          <a:prstGeom prst="rect">
+            <a:avLst/>
+          </a:prstGeom>
+          <a:solidFill>
+            <a:schemeClr val="tx1"/>
+          </a:solidFill>
+          <a:ln>
+            <a:solidFill>
+              <a:schemeClr val="tx1"/>
+            </a:solidFill>
+          </a:ln>
+        </p:spPr>
+        <p:style>
+          <a:lnRef idx="2">
+            <a:schemeClr val="accent1">
+              <a:shade val="50000"/>
+            </a:schemeClr>
+          </a:lnRef>
+          <a:fillRef idx="1">
+            <a:schemeClr val="accent1"/>
+          </a:fillRef>
+          <a:effectRef idx="0">
+            <a:schemeClr val="accent1"/>
+          </a:effectRef>
+          <a:fontRef idx="minor">
+            <a:schemeClr val="lt1"/>
+          </a:fontRef>
+        </p:style>
+        <p:txBody>
+          <a:bodyPr rtlCol="0" anchor="ctr"/>
+          <a:lstStyle/>
+          <a:p>
+            <a:pPr algn="ctr"/>
+            <a:r>
+              <a:rPr lang="ko-KR" altLang="en-US" sz="4800" dirty="0">
+                <a:solidFill>
+                  <a:schemeClr val="bg1"/>
+                </a:solidFill>
+                <a:latin typeface="태나다체 " panose="02000000000000000000" pitchFamily="2" charset="-127"/>
+                <a:ea typeface="태나다체 " panose="02000000000000000000" pitchFamily="2" charset="-127"/>
+              </a:rPr>
+              <a:t>소켓</a:t>
+            </a:r>
+          </a:p>
+        </p:txBody>
+      </p:sp>
+      <p:pic>
+        <p:nvPicPr>
+          <p:cNvPr id="12" name="그림 11">
+            <a:extLst>
+              <a:ext uri="{FF2B5EF4-FFF2-40B4-BE49-F238E27FC236}">
+                <a16:creationId xmlns:a16="http://schemas.microsoft.com/office/drawing/2014/main" id="{0A252048-9FDB-415A-9A01-5A17F171C5B1}"/>
+              </a:ext>
+            </a:extLst>
+          </p:cNvPr>
+          <p:cNvPicPr>
+            <a:picLocks noChangeAspect="1"/>
+          </p:cNvPicPr>
+          <p:nvPr/>
+        </p:nvPicPr>
+        <p:blipFill>
+          <a:blip r:embed="rId4">
+            <a:extLst>
+              <a:ext uri="{28A0092B-C50C-407E-A947-70E740481C1C}">
+                <a14:useLocalDpi xmlns:a14="http://schemas.microsoft.com/office/drawing/2010/main" val="0"/>
+              </a:ext>
+            </a:extLst>
+          </a:blip>
+          <a:stretch>
+            <a:fillRect/>
+          </a:stretch>
+        </p:blipFill>
+        <p:spPr>
+          <a:xfrm>
+            <a:off x="3126350" y="2286790"/>
+            <a:ext cx="5939298" cy="3388565"/>
+          </a:xfrm>
+          <a:prstGeom prst="rect">
+            <a:avLst/>
+          </a:prstGeom>
+        </p:spPr>
+      </p:pic>
+      <p:pic>
+        <p:nvPicPr>
+          <p:cNvPr id="2050" name="Picture 2" descr="희토류 탐구(12) 광섬유 통신 장비에 쓰이는 어븀(Er) | 한국경제">
+            <a:extLst>
+              <a:ext uri="{FF2B5EF4-FFF2-40B4-BE49-F238E27FC236}">
+                <a16:creationId xmlns:a16="http://schemas.microsoft.com/office/drawing/2014/main" id="{08D834EA-3A7D-4EF6-B259-5CE990DBDF85}"/>
+              </a:ext>
+            </a:extLst>
+          </p:cNvPr>
+          <p:cNvPicPr>
+            <a:picLocks noChangeAspect="1" noChangeArrowheads="1"/>
+          </p:cNvPicPr>
+          <p:nvPr/>
+        </p:nvPicPr>
+        <p:blipFill>
+          <a:blip r:embed="rId5">
+            <a:extLst>
+              <a:ext uri="{28A0092B-C50C-407E-A947-70E740481C1C}">
+                <a14:useLocalDpi xmlns:a14="http://schemas.microsoft.com/office/drawing/2010/main" val="0"/>
+              </a:ext>
+            </a:extLst>
+          </a:blip>
+          <a:srcRect/>
+          <a:stretch>
+            <a:fillRect/>
+          </a:stretch>
+        </p:blipFill>
+        <p:spPr bwMode="auto">
+          <a:xfrm>
+            <a:off x="5261406" y="1034823"/>
+            <a:ext cx="5880914" cy="3916689"/>
+          </a:xfrm>
+          <a:prstGeom prst="rect">
+            <a:avLst/>
+          </a:prstGeom>
+          <a:noFill/>
+          <a:extLst>
+            <a:ext uri="{909E8E84-426E-40DD-AFC4-6F175D3DCCD1}">
+              <a14:hiddenFill xmlns:a14="http://schemas.microsoft.com/office/drawing/2010/main">
+                <a:solidFill>
+                  <a:srgbClr val="FFFFFF"/>
+                </a:solidFill>
+              </a14:hiddenFill>
+            </a:ext>
+          </a:extLst>
+        </p:spPr>
+      </p:pic>
+      <p:pic>
+        <p:nvPicPr>
+          <p:cNvPr id="3076" name="Picture 4" descr="컴퓨터 하드웨어 | 프리미엄 벡터">
+            <a:extLst>
+              <a:ext uri="{FF2B5EF4-FFF2-40B4-BE49-F238E27FC236}">
+                <a16:creationId xmlns:a16="http://schemas.microsoft.com/office/drawing/2014/main" id="{73C174A9-427C-4571-A51C-3578346719EC}"/>
+              </a:ext>
+            </a:extLst>
+          </p:cNvPr>
+          <p:cNvPicPr>
+            <a:picLocks noChangeAspect="1" noChangeArrowheads="1"/>
+          </p:cNvPicPr>
+          <p:nvPr/>
+        </p:nvPicPr>
+        <p:blipFill>
+          <a:blip r:embed="rId6">
+            <a:extLst>
+              <a:ext uri="{28A0092B-C50C-407E-A947-70E740481C1C}">
+                <a14:useLocalDpi xmlns:a14="http://schemas.microsoft.com/office/drawing/2010/main" val="0"/>
+              </a:ext>
+            </a:extLst>
+          </a:blip>
+          <a:srcRect/>
+          <a:stretch>
+            <a:fillRect/>
+          </a:stretch>
+        </p:blipFill>
+        <p:spPr bwMode="auto">
+          <a:xfrm>
+            <a:off x="1448909" y="1109964"/>
+            <a:ext cx="5149853" cy="5149853"/>
+          </a:xfrm>
+          <a:prstGeom prst="rect">
+            <a:avLst/>
+          </a:prstGeom>
+          <a:noFill/>
+          <a:extLst>
+            <a:ext uri="{909E8E84-426E-40DD-AFC4-6F175D3DCCD1}">
+              <a14:hiddenFill xmlns:a14="http://schemas.microsoft.com/office/drawing/2010/main">
+                <a:solidFill>
+                  <a:srgbClr val="FFFFFF"/>
+                </a:solidFill>
+              </a14:hiddenFill>
+            </a:ext>
+          </a:extLst>
+        </p:spPr>
+      </p:pic>
+      <p:pic>
+        <p:nvPicPr>
+          <p:cNvPr id="4100" name="Picture 4" descr="운영체제(OS, Operating System) - 정의, 종류, 기능, 목적">
+            <a:extLst>
+              <a:ext uri="{FF2B5EF4-FFF2-40B4-BE49-F238E27FC236}">
+                <a16:creationId xmlns:a16="http://schemas.microsoft.com/office/drawing/2014/main" id="{4AA72A13-6118-4F23-B79E-1A836E169789}"/>
+              </a:ext>
+            </a:extLst>
+          </p:cNvPr>
+          <p:cNvPicPr>
+            <a:picLocks noChangeAspect="1" noChangeArrowheads="1"/>
+          </p:cNvPicPr>
+          <p:nvPr/>
+        </p:nvPicPr>
+        <p:blipFill>
+          <a:blip r:embed="rId7">
+            <a:extLst>
+              <a:ext uri="{28A0092B-C50C-407E-A947-70E740481C1C}">
+                <a14:useLocalDpi xmlns:a14="http://schemas.microsoft.com/office/drawing/2010/main" val="0"/>
+              </a:ext>
+            </a:extLst>
+          </a:blip>
+          <a:srcRect/>
+          <a:stretch>
+            <a:fillRect/>
+          </a:stretch>
+        </p:blipFill>
+        <p:spPr bwMode="auto">
+          <a:xfrm>
+            <a:off x="2196414" y="852487"/>
+            <a:ext cx="7896225" cy="5153025"/>
+          </a:xfrm>
+          <a:prstGeom prst="rect">
+            <a:avLst/>
+          </a:prstGeom>
+          <a:noFill/>
+          <a:extLst>
+            <a:ext uri="{909E8E84-426E-40DD-AFC4-6F175D3DCCD1}">
+              <a14:hiddenFill xmlns:a14="http://schemas.microsoft.com/office/drawing/2010/main">
+                <a:solidFill>
+                  <a:srgbClr val="FFFFFF"/>
+                </a:solidFill>
+              </a14:hiddenFill>
+            </a:ext>
+          </a:extLst>
+        </p:spPr>
+      </p:pic>
+    </p:spTree>
+    <p:extLst>
+      <p:ext uri="{BB962C8B-B14F-4D97-AF65-F5344CB8AC3E}">
+        <p14:creationId xmlns:p14="http://schemas.microsoft.com/office/powerpoint/2010/main" val="399204065"/>
+      </p:ext>
+    </p:extLst>
+  </p:cSld>
+  <p:clrMapOvr>
+    <a:masterClrMapping/>
+  </p:clrMapOvr>
+</p:sld>
+</file>
+
+<file path=ppt/slides/slide9.xml><?xml version="1.0" encoding="utf-8"?>
+<p:sld xmlns:a="http://schemas.openxmlformats.org/drawingml/2006/main" xmlns:r="http://schemas.openxmlformats.org/officeDocument/2006/relationships" xmlns:p="http://schemas.openxmlformats.org/presentationml/2006/main">
+  <p:cSld>
+    <p:spTree>
+      <p:nvGrpSpPr>
+        <p:cNvPr id="1" name=""/>
+        <p:cNvGrpSpPr/>
+        <p:nvPr/>
+      </p:nvGrpSpPr>
+      <p:grpSpPr>
+        <a:xfrm>
+          <a:off x="0" y="0"/>
+          <a:ext cx="0" cy="0"/>
+          <a:chOff x="0" y="0"/>
+          <a:chExt cx="0" cy="0"/>
+        </a:xfrm>
+      </p:grpSpPr>
+      <p:pic>
+        <p:nvPicPr>
+          <p:cNvPr id="4" name="그림 3">
+            <a:extLst>
+              <a:ext uri="{FF2B5EF4-FFF2-40B4-BE49-F238E27FC236}">
+                <a16:creationId xmlns:a16="http://schemas.microsoft.com/office/drawing/2014/main" id="{1991511E-51DD-4ACC-8E22-41059905D78A}"/>
+              </a:ext>
+            </a:extLst>
+          </p:cNvPr>
+          <p:cNvPicPr>
+            <a:picLocks noChangeAspect="1"/>
+          </p:cNvPicPr>
+          <p:nvPr/>
+        </p:nvPicPr>
+        <p:blipFill rotWithShape="1">
+          <a:blip r:embed="rId3"/>
+          <a:srcRect l="5513" t="34937" r="5096" b="37384"/>
+          <a:stretch/>
+        </p:blipFill>
+        <p:spPr>
+          <a:xfrm>
+            <a:off x="2099360" y="2993168"/>
+            <a:ext cx="7993279" cy="2283797"/>
+          </a:xfrm>
+          <a:prstGeom prst="rect">
+            <a:avLst/>
+          </a:prstGeom>
+        </p:spPr>
+      </p:pic>
+      <p:sp>
+        <p:nvSpPr>
+          <p:cNvPr id="5" name="직사각형 4">
+            <a:extLst>
+              <a:ext uri="{FF2B5EF4-FFF2-40B4-BE49-F238E27FC236}">
+                <a16:creationId xmlns:a16="http://schemas.microsoft.com/office/drawing/2014/main" id="{5D8F2336-8447-4CE4-8F4E-1E4BA9749452}"/>
+              </a:ext>
+            </a:extLst>
+          </p:cNvPr>
+          <p:cNvSpPr/>
+          <p:nvPr/>
+        </p:nvSpPr>
+        <p:spPr>
+          <a:xfrm>
+            <a:off x="0" y="0"/>
+            <a:ext cx="12192000" cy="6858000"/>
+          </a:xfrm>
+          <a:prstGeom prst="rect">
+            <a:avLst/>
+          </a:prstGeom>
+          <a:solidFill>
+            <a:schemeClr val="tx1">
+              <a:alpha val="65000"/>
+            </a:schemeClr>
+          </a:solidFill>
+        </p:spPr>
+        <p:style>
+          <a:lnRef idx="2">
+            <a:schemeClr val="accent1">
+              <a:shade val="50000"/>
+            </a:schemeClr>
+          </a:lnRef>
+          <a:fillRef idx="1">
+            <a:schemeClr val="accent1"/>
+          </a:fillRef>
+          <a:effectRef idx="0">
+            <a:schemeClr val="accent1"/>
+          </a:effectRef>
+          <a:fontRef idx="minor">
+            <a:schemeClr val="lt1"/>
+          </a:fontRef>
+        </p:style>
+        <p:txBody>
+          <a:bodyPr rtlCol="0" anchor="ctr"/>
+          <a:lstStyle/>
+          <a:p>
+            <a:pPr algn="ctr"/>
+            <a:endParaRPr lang="ko-KR" altLang="en-US" sz="1600" dirty="0"/>
+          </a:p>
+        </p:txBody>
+      </p:sp>
+      <p:sp>
+        <p:nvSpPr>
+          <p:cNvPr id="2" name="직사각형 1">
+            <a:extLst>
+              <a:ext uri="{FF2B5EF4-FFF2-40B4-BE49-F238E27FC236}">
+                <a16:creationId xmlns:a16="http://schemas.microsoft.com/office/drawing/2014/main" id="{54E2CD7B-74A6-44AA-A46D-C26DA263A8E7}"/>
+              </a:ext>
+            </a:extLst>
+          </p:cNvPr>
+          <p:cNvSpPr/>
+          <p:nvPr/>
+        </p:nvSpPr>
+        <p:spPr>
+          <a:xfrm>
+            <a:off x="0" y="339365"/>
+            <a:ext cx="3619893" cy="1221117"/>
+          </a:xfrm>
+          <a:prstGeom prst="rect">
+            <a:avLst/>
+          </a:prstGeom>
+          <a:solidFill>
+            <a:schemeClr val="tx1"/>
+          </a:solidFill>
+          <a:ln>
+            <a:solidFill>
+              <a:schemeClr val="tx1"/>
+            </a:solidFill>
+          </a:ln>
+        </p:spPr>
+        <p:style>
+          <a:lnRef idx="2">
+            <a:schemeClr val="accent1">
+              <a:shade val="50000"/>
+            </a:schemeClr>
+          </a:lnRef>
+          <a:fillRef idx="1">
+            <a:schemeClr val="accent1"/>
+          </a:fillRef>
+          <a:effectRef idx="0">
+            <a:schemeClr val="accent1"/>
+          </a:effectRef>
+          <a:fontRef idx="minor">
+            <a:schemeClr val="lt1"/>
+          </a:fontRef>
+        </p:style>
+        <p:txBody>
+          <a:bodyPr rtlCol="0" anchor="ctr"/>
+          <a:lstStyle/>
+          <a:p>
+            <a:pPr algn="ctr"/>
+            <a:r>
+              <a:rPr lang="ko-KR" altLang="en-US" sz="4800" dirty="0">
+                <a:solidFill>
+                  <a:schemeClr val="bg1"/>
+                </a:solidFill>
+                <a:latin typeface="태나다체 " panose="02000000000000000000" pitchFamily="2" charset="-127"/>
+                <a:ea typeface="태나다체 " panose="02000000000000000000" pitchFamily="2" charset="-127"/>
+              </a:rPr>
+              <a:t>소켓</a:t>
+            </a:r>
+          </a:p>
+        </p:txBody>
+      </p:sp>
+      <p:pic>
+        <p:nvPicPr>
+          <p:cNvPr id="7" name="그림 6">
+            <a:extLst>
+              <a:ext uri="{FF2B5EF4-FFF2-40B4-BE49-F238E27FC236}">
+                <a16:creationId xmlns:a16="http://schemas.microsoft.com/office/drawing/2014/main" id="{1DE1786D-B8DE-461F-947E-B228844A8CD0}"/>
+              </a:ext>
+            </a:extLst>
+          </p:cNvPr>
+          <p:cNvPicPr>
+            <a:picLocks noChangeAspect="1"/>
+          </p:cNvPicPr>
+          <p:nvPr/>
+        </p:nvPicPr>
+        <p:blipFill>
+          <a:blip r:embed="rId4">
+            <a:extLst>
+              <a:ext uri="{28A0092B-C50C-407E-A947-70E740481C1C}">
+                <a14:useLocalDpi xmlns:a14="http://schemas.microsoft.com/office/drawing/2010/main" val="0"/>
+              </a:ext>
+            </a:extLst>
+          </a:blip>
+          <a:stretch>
+            <a:fillRect/>
+          </a:stretch>
+        </p:blipFill>
+        <p:spPr>
+          <a:xfrm>
+            <a:off x="687312" y="767553"/>
+            <a:ext cx="5958586" cy="5498117"/>
+          </a:xfrm>
+          <a:prstGeom prst="rect">
+            <a:avLst/>
+          </a:prstGeom>
+        </p:spPr>
+      </p:pic>
+      <p:pic>
+        <p:nvPicPr>
+          <p:cNvPr id="9" name="그림 8">
+            <a:extLst>
+              <a:ext uri="{FF2B5EF4-FFF2-40B4-BE49-F238E27FC236}">
+                <a16:creationId xmlns:a16="http://schemas.microsoft.com/office/drawing/2014/main" id="{1F3E59EF-A2B7-4421-ACD6-122EFCDCEE12}"/>
+              </a:ext>
+            </a:extLst>
+          </p:cNvPr>
+          <p:cNvPicPr>
+            <a:picLocks noChangeAspect="1"/>
+          </p:cNvPicPr>
+          <p:nvPr/>
+        </p:nvPicPr>
+        <p:blipFill>
+          <a:blip r:embed="rId5">
+            <a:extLst>
+              <a:ext uri="{28A0092B-C50C-407E-A947-70E740481C1C}">
+                <a14:useLocalDpi xmlns:a14="http://schemas.microsoft.com/office/drawing/2010/main" val="0"/>
+              </a:ext>
+            </a:extLst>
+          </a:blip>
+          <a:stretch>
+            <a:fillRect/>
+          </a:stretch>
+        </p:blipFill>
+        <p:spPr>
+          <a:xfrm>
+            <a:off x="7228192" y="1345038"/>
+            <a:ext cx="3476651" cy="3476651"/>
+          </a:xfrm>
+          <a:prstGeom prst="rect">
+            <a:avLst/>
+          </a:prstGeom>
+        </p:spPr>
+      </p:pic>
+      <p:sp>
+        <p:nvSpPr>
+          <p:cNvPr id="16" name="직사각형 15">
+            <a:extLst>
+              <a:ext uri="{FF2B5EF4-FFF2-40B4-BE49-F238E27FC236}">
+                <a16:creationId xmlns:a16="http://schemas.microsoft.com/office/drawing/2014/main" id="{5811DF16-3041-4A23-8492-6CA70F388947}"/>
+              </a:ext>
+            </a:extLst>
+          </p:cNvPr>
+          <p:cNvSpPr/>
+          <p:nvPr/>
+        </p:nvSpPr>
+        <p:spPr>
+          <a:xfrm>
+            <a:off x="8663336" y="4847987"/>
+            <a:ext cx="1322798" cy="923330"/>
+          </a:xfrm>
+          <a:prstGeom prst="rect">
+            <a:avLst/>
+          </a:prstGeom>
+        </p:spPr>
+        <p:txBody>
+          <a:bodyPr wrap="none">
+            <a:spAutoFit/>
+          </a:bodyPr>
+          <a:lstStyle/>
+          <a:p>
+            <a:r>
+              <a:rPr lang="ko-KR" altLang="en-US" sz="5400" dirty="0">
+                <a:solidFill>
+                  <a:schemeClr val="bg1"/>
+                </a:solidFill>
+                <a:latin typeface="배달의민족 주아" panose="02020603020101020101" pitchFamily="18" charset="-127"/>
+                <a:ea typeface="배달의민족 주아" panose="02020603020101020101" pitchFamily="18" charset="-127"/>
+              </a:rPr>
+              <a:t>소켓</a:t>
+            </a:r>
+          </a:p>
+        </p:txBody>
+      </p:sp>
+    </p:spTree>
+    <p:extLst>
+      <p:ext uri="{BB962C8B-B14F-4D97-AF65-F5344CB8AC3E}">
+        <p14:creationId xmlns:p14="http://schemas.microsoft.com/office/powerpoint/2010/main" val="1717765823"/>
       </p:ext>
     </p:extLst>
   </p:cSld>

--- a/ServerLecture/PT/2강 소켓 프로그래밍.pptx
+++ b/ServerLecture/PT/2강 소켓 프로그래밍.pptx
@@ -5,7 +5,7 @@
     <p:sldMasterId id="2147483648" r:id="rId1"/>
   </p:sldMasterIdLst>
   <p:notesMasterIdLst>
-    <p:notesMasterId r:id="rId16"/>
+    <p:notesMasterId r:id="rId35"/>
   </p:notesMasterIdLst>
   <p:sldIdLst>
     <p:sldId id="256" r:id="rId2"/>
@@ -21,7 +21,26 @@
     <p:sldId id="265" r:id="rId12"/>
     <p:sldId id="268" r:id="rId13"/>
     <p:sldId id="267" r:id="rId14"/>
-    <p:sldId id="269" r:id="rId15"/>
+    <p:sldId id="277" r:id="rId15"/>
+    <p:sldId id="271" r:id="rId16"/>
+    <p:sldId id="273" r:id="rId17"/>
+    <p:sldId id="278" r:id="rId18"/>
+    <p:sldId id="269" r:id="rId19"/>
+    <p:sldId id="270" r:id="rId20"/>
+    <p:sldId id="274" r:id="rId21"/>
+    <p:sldId id="275" r:id="rId22"/>
+    <p:sldId id="276" r:id="rId23"/>
+    <p:sldId id="279" r:id="rId24"/>
+    <p:sldId id="280" r:id="rId25"/>
+    <p:sldId id="281" r:id="rId26"/>
+    <p:sldId id="282" r:id="rId27"/>
+    <p:sldId id="283" r:id="rId28"/>
+    <p:sldId id="284" r:id="rId29"/>
+    <p:sldId id="285" r:id="rId30"/>
+    <p:sldId id="286" r:id="rId31"/>
+    <p:sldId id="287" r:id="rId32"/>
+    <p:sldId id="288" r:id="rId33"/>
+    <p:sldId id="272" r:id="rId34"/>
   </p:sldIdLst>
   <p:sldSz cx="12192000" cy="6858000"/>
   <p:notesSz cx="6858000" cy="9144000"/>
@@ -887,7 +906,511 @@
     </p:spTree>
     <p:extLst>
       <p:ext uri="{BB962C8B-B14F-4D97-AF65-F5344CB8AC3E}">
+        <p14:creationId xmlns:p14="http://schemas.microsoft.com/office/powerpoint/2010/main" val="1770158722"/>
+      </p:ext>
+    </p:extLst>
+  </p:cSld>
+  <p:clrMapOvr>
+    <a:masterClrMapping/>
+  </p:clrMapOvr>
+</p:notes>
+</file>
+
+<file path=ppt/notesSlides/notesSlide14.xml><?xml version="1.0" encoding="utf-8"?>
+<p:notes xmlns:a="http://schemas.openxmlformats.org/drawingml/2006/main" xmlns:r="http://schemas.openxmlformats.org/officeDocument/2006/relationships" xmlns:p="http://schemas.openxmlformats.org/presentationml/2006/main">
+  <p:cSld>
+    <p:spTree>
+      <p:nvGrpSpPr>
+        <p:cNvPr id="1" name=""/>
+        <p:cNvGrpSpPr/>
+        <p:nvPr/>
+      </p:nvGrpSpPr>
+      <p:grpSpPr>
+        <a:xfrm>
+          <a:off x="0" y="0"/>
+          <a:ext cx="0" cy="0"/>
+          <a:chOff x="0" y="0"/>
+          <a:chExt cx="0" cy="0"/>
+        </a:xfrm>
+      </p:grpSpPr>
+      <p:sp>
+        <p:nvSpPr>
+          <p:cNvPr id="2" name="슬라이드 이미지 개체 틀 1"/>
+          <p:cNvSpPr>
+            <a:spLocks noGrp="1" noRot="1" noChangeAspect="1"/>
+          </p:cNvSpPr>
+          <p:nvPr>
+            <p:ph type="sldImg"/>
+          </p:nvPr>
+        </p:nvSpPr>
+        <p:spPr/>
+      </p:sp>
+      <p:sp>
+        <p:nvSpPr>
+          <p:cNvPr id="3" name="슬라이드 노트 개체 틀 2"/>
+          <p:cNvSpPr>
+            <a:spLocks noGrp="1"/>
+          </p:cNvSpPr>
+          <p:nvPr>
+            <p:ph type="body" idx="1"/>
+          </p:nvPr>
+        </p:nvSpPr>
+        <p:spPr/>
+        <p:txBody>
+          <a:bodyPr/>
+          <a:lstStyle/>
+          <a:p>
+            <a:endParaRPr lang="ko-KR" altLang="en-US" dirty="0"/>
+          </a:p>
+        </p:txBody>
+      </p:sp>
+      <p:sp>
+        <p:nvSpPr>
+          <p:cNvPr id="4" name="슬라이드 번호 개체 틀 3"/>
+          <p:cNvSpPr>
+            <a:spLocks noGrp="1"/>
+          </p:cNvSpPr>
+          <p:nvPr>
+            <p:ph type="sldNum" sz="quarter" idx="5"/>
+          </p:nvPr>
+        </p:nvSpPr>
+        <p:spPr/>
+        <p:txBody>
+          <a:bodyPr/>
+          <a:lstStyle/>
+          <a:p>
+            <a:fld id="{D8DCC404-E41A-4BC0-921C-BBFB3AB1AB4E}" type="slidenum">
+              <a:rPr lang="ko-KR" altLang="en-US" smtClean="0"/>
+              <a:t>15</a:t>
+            </a:fld>
+            <a:endParaRPr lang="ko-KR" altLang="en-US"/>
+          </a:p>
+        </p:txBody>
+      </p:sp>
+    </p:spTree>
+    <p:extLst>
+      <p:ext uri="{BB962C8B-B14F-4D97-AF65-F5344CB8AC3E}">
+        <p14:creationId xmlns:p14="http://schemas.microsoft.com/office/powerpoint/2010/main" val="2876969714"/>
+      </p:ext>
+    </p:extLst>
+  </p:cSld>
+  <p:clrMapOvr>
+    <a:masterClrMapping/>
+  </p:clrMapOvr>
+</p:notes>
+</file>
+
+<file path=ppt/notesSlides/notesSlide15.xml><?xml version="1.0" encoding="utf-8"?>
+<p:notes xmlns:a="http://schemas.openxmlformats.org/drawingml/2006/main" xmlns:r="http://schemas.openxmlformats.org/officeDocument/2006/relationships" xmlns:p="http://schemas.openxmlformats.org/presentationml/2006/main">
+  <p:cSld>
+    <p:spTree>
+      <p:nvGrpSpPr>
+        <p:cNvPr id="1" name=""/>
+        <p:cNvGrpSpPr/>
+        <p:nvPr/>
+      </p:nvGrpSpPr>
+      <p:grpSpPr>
+        <a:xfrm>
+          <a:off x="0" y="0"/>
+          <a:ext cx="0" cy="0"/>
+          <a:chOff x="0" y="0"/>
+          <a:chExt cx="0" cy="0"/>
+        </a:xfrm>
+      </p:grpSpPr>
+      <p:sp>
+        <p:nvSpPr>
+          <p:cNvPr id="2" name="슬라이드 이미지 개체 틀 1"/>
+          <p:cNvSpPr>
+            <a:spLocks noGrp="1" noRot="1" noChangeAspect="1"/>
+          </p:cNvSpPr>
+          <p:nvPr>
+            <p:ph type="sldImg"/>
+          </p:nvPr>
+        </p:nvSpPr>
+        <p:spPr/>
+      </p:sp>
+      <p:sp>
+        <p:nvSpPr>
+          <p:cNvPr id="3" name="슬라이드 노트 개체 틀 2"/>
+          <p:cNvSpPr>
+            <a:spLocks noGrp="1"/>
+          </p:cNvSpPr>
+          <p:nvPr>
+            <p:ph type="body" idx="1"/>
+          </p:nvPr>
+        </p:nvSpPr>
+        <p:spPr/>
+        <p:txBody>
+          <a:bodyPr/>
+          <a:lstStyle/>
+          <a:p>
+            <a:endParaRPr lang="ko-KR" altLang="en-US" dirty="0"/>
+          </a:p>
+        </p:txBody>
+      </p:sp>
+      <p:sp>
+        <p:nvSpPr>
+          <p:cNvPr id="4" name="슬라이드 번호 개체 틀 3"/>
+          <p:cNvSpPr>
+            <a:spLocks noGrp="1"/>
+          </p:cNvSpPr>
+          <p:nvPr>
+            <p:ph type="sldNum" sz="quarter" idx="5"/>
+          </p:nvPr>
+        </p:nvSpPr>
+        <p:spPr/>
+        <p:txBody>
+          <a:bodyPr/>
+          <a:lstStyle/>
+          <a:p>
+            <a:fld id="{D8DCC404-E41A-4BC0-921C-BBFB3AB1AB4E}" type="slidenum">
+              <a:rPr lang="ko-KR" altLang="en-US" smtClean="0"/>
+              <a:t>16</a:t>
+            </a:fld>
+            <a:endParaRPr lang="ko-KR" altLang="en-US"/>
+          </a:p>
+        </p:txBody>
+      </p:sp>
+    </p:spTree>
+    <p:extLst>
+      <p:ext uri="{BB962C8B-B14F-4D97-AF65-F5344CB8AC3E}">
+        <p14:creationId xmlns:p14="http://schemas.microsoft.com/office/powerpoint/2010/main" val="3397622699"/>
+      </p:ext>
+    </p:extLst>
+  </p:cSld>
+  <p:clrMapOvr>
+    <a:masterClrMapping/>
+  </p:clrMapOvr>
+</p:notes>
+</file>
+
+<file path=ppt/notesSlides/notesSlide16.xml><?xml version="1.0" encoding="utf-8"?>
+<p:notes xmlns:a="http://schemas.openxmlformats.org/drawingml/2006/main" xmlns:r="http://schemas.openxmlformats.org/officeDocument/2006/relationships" xmlns:p="http://schemas.openxmlformats.org/presentationml/2006/main">
+  <p:cSld>
+    <p:spTree>
+      <p:nvGrpSpPr>
+        <p:cNvPr id="1" name=""/>
+        <p:cNvGrpSpPr/>
+        <p:nvPr/>
+      </p:nvGrpSpPr>
+      <p:grpSpPr>
+        <a:xfrm>
+          <a:off x="0" y="0"/>
+          <a:ext cx="0" cy="0"/>
+          <a:chOff x="0" y="0"/>
+          <a:chExt cx="0" cy="0"/>
+        </a:xfrm>
+      </p:grpSpPr>
+      <p:sp>
+        <p:nvSpPr>
+          <p:cNvPr id="2" name="슬라이드 이미지 개체 틀 1"/>
+          <p:cNvSpPr>
+            <a:spLocks noGrp="1" noRot="1" noChangeAspect="1"/>
+          </p:cNvSpPr>
+          <p:nvPr>
+            <p:ph type="sldImg"/>
+          </p:nvPr>
+        </p:nvSpPr>
+        <p:spPr/>
+      </p:sp>
+      <p:sp>
+        <p:nvSpPr>
+          <p:cNvPr id="3" name="슬라이드 노트 개체 틀 2"/>
+          <p:cNvSpPr>
+            <a:spLocks noGrp="1"/>
+          </p:cNvSpPr>
+          <p:nvPr>
+            <p:ph type="body" idx="1"/>
+          </p:nvPr>
+        </p:nvSpPr>
+        <p:spPr/>
+        <p:txBody>
+          <a:bodyPr/>
+          <a:lstStyle/>
+          <a:p>
+            <a:endParaRPr lang="ko-KR" altLang="en-US" dirty="0"/>
+          </a:p>
+        </p:txBody>
+      </p:sp>
+      <p:sp>
+        <p:nvSpPr>
+          <p:cNvPr id="4" name="슬라이드 번호 개체 틀 3"/>
+          <p:cNvSpPr>
+            <a:spLocks noGrp="1"/>
+          </p:cNvSpPr>
+          <p:nvPr>
+            <p:ph type="sldNum" sz="quarter" idx="5"/>
+          </p:nvPr>
+        </p:nvSpPr>
+        <p:spPr/>
+        <p:txBody>
+          <a:bodyPr/>
+          <a:lstStyle/>
+          <a:p>
+            <a:fld id="{D8DCC404-E41A-4BC0-921C-BBFB3AB1AB4E}" type="slidenum">
+              <a:rPr lang="ko-KR" altLang="en-US" smtClean="0"/>
+              <a:t>17</a:t>
+            </a:fld>
+            <a:endParaRPr lang="ko-KR" altLang="en-US"/>
+          </a:p>
+        </p:txBody>
+      </p:sp>
+    </p:spTree>
+    <p:extLst>
+      <p:ext uri="{BB962C8B-B14F-4D97-AF65-F5344CB8AC3E}">
+        <p14:creationId xmlns:p14="http://schemas.microsoft.com/office/powerpoint/2010/main" val="3620732714"/>
+      </p:ext>
+    </p:extLst>
+  </p:cSld>
+  <p:clrMapOvr>
+    <a:masterClrMapping/>
+  </p:clrMapOvr>
+</p:notes>
+</file>
+
+<file path=ppt/notesSlides/notesSlide17.xml><?xml version="1.0" encoding="utf-8"?>
+<p:notes xmlns:a="http://schemas.openxmlformats.org/drawingml/2006/main" xmlns:r="http://schemas.openxmlformats.org/officeDocument/2006/relationships" xmlns:p="http://schemas.openxmlformats.org/presentationml/2006/main">
+  <p:cSld>
+    <p:spTree>
+      <p:nvGrpSpPr>
+        <p:cNvPr id="1" name=""/>
+        <p:cNvGrpSpPr/>
+        <p:nvPr/>
+      </p:nvGrpSpPr>
+      <p:grpSpPr>
+        <a:xfrm>
+          <a:off x="0" y="0"/>
+          <a:ext cx="0" cy="0"/>
+          <a:chOff x="0" y="0"/>
+          <a:chExt cx="0" cy="0"/>
+        </a:xfrm>
+      </p:grpSpPr>
+      <p:sp>
+        <p:nvSpPr>
+          <p:cNvPr id="2" name="슬라이드 이미지 개체 틀 1"/>
+          <p:cNvSpPr>
+            <a:spLocks noGrp="1" noRot="1" noChangeAspect="1"/>
+          </p:cNvSpPr>
+          <p:nvPr>
+            <p:ph type="sldImg"/>
+          </p:nvPr>
+        </p:nvSpPr>
+        <p:spPr/>
+      </p:sp>
+      <p:sp>
+        <p:nvSpPr>
+          <p:cNvPr id="3" name="슬라이드 노트 개체 틀 2"/>
+          <p:cNvSpPr>
+            <a:spLocks noGrp="1"/>
+          </p:cNvSpPr>
+          <p:nvPr>
+            <p:ph type="body" idx="1"/>
+          </p:nvPr>
+        </p:nvSpPr>
+        <p:spPr/>
+        <p:txBody>
+          <a:bodyPr/>
+          <a:lstStyle/>
+          <a:p>
+            <a:endParaRPr lang="ko-KR" altLang="en-US" dirty="0"/>
+          </a:p>
+        </p:txBody>
+      </p:sp>
+      <p:sp>
+        <p:nvSpPr>
+          <p:cNvPr id="4" name="슬라이드 번호 개체 틀 3"/>
+          <p:cNvSpPr>
+            <a:spLocks noGrp="1"/>
+          </p:cNvSpPr>
+          <p:nvPr>
+            <p:ph type="sldNum" sz="quarter" idx="5"/>
+          </p:nvPr>
+        </p:nvSpPr>
+        <p:spPr/>
+        <p:txBody>
+          <a:bodyPr/>
+          <a:lstStyle/>
+          <a:p>
+            <a:fld id="{D8DCC404-E41A-4BC0-921C-BBFB3AB1AB4E}" type="slidenum">
+              <a:rPr lang="ko-KR" altLang="en-US" smtClean="0"/>
+              <a:t>18</a:t>
+            </a:fld>
+            <a:endParaRPr lang="ko-KR" altLang="en-US"/>
+          </a:p>
+        </p:txBody>
+      </p:sp>
+    </p:spTree>
+    <p:extLst>
+      <p:ext uri="{BB962C8B-B14F-4D97-AF65-F5344CB8AC3E}">
         <p14:creationId xmlns:p14="http://schemas.microsoft.com/office/powerpoint/2010/main" val="46172523"/>
+      </p:ext>
+    </p:extLst>
+  </p:cSld>
+  <p:clrMapOvr>
+    <a:masterClrMapping/>
+  </p:clrMapOvr>
+</p:notes>
+</file>
+
+<file path=ppt/notesSlides/notesSlide18.xml><?xml version="1.0" encoding="utf-8"?>
+<p:notes xmlns:a="http://schemas.openxmlformats.org/drawingml/2006/main" xmlns:r="http://schemas.openxmlformats.org/officeDocument/2006/relationships" xmlns:p="http://schemas.openxmlformats.org/presentationml/2006/main">
+  <p:cSld>
+    <p:spTree>
+      <p:nvGrpSpPr>
+        <p:cNvPr id="1" name=""/>
+        <p:cNvGrpSpPr/>
+        <p:nvPr/>
+      </p:nvGrpSpPr>
+      <p:grpSpPr>
+        <a:xfrm>
+          <a:off x="0" y="0"/>
+          <a:ext cx="0" cy="0"/>
+          <a:chOff x="0" y="0"/>
+          <a:chExt cx="0" cy="0"/>
+        </a:xfrm>
+      </p:grpSpPr>
+      <p:sp>
+        <p:nvSpPr>
+          <p:cNvPr id="2" name="슬라이드 이미지 개체 틀 1"/>
+          <p:cNvSpPr>
+            <a:spLocks noGrp="1" noRot="1" noChangeAspect="1"/>
+          </p:cNvSpPr>
+          <p:nvPr>
+            <p:ph type="sldImg"/>
+          </p:nvPr>
+        </p:nvSpPr>
+        <p:spPr/>
+      </p:sp>
+      <p:sp>
+        <p:nvSpPr>
+          <p:cNvPr id="3" name="슬라이드 노트 개체 틀 2"/>
+          <p:cNvSpPr>
+            <a:spLocks noGrp="1"/>
+          </p:cNvSpPr>
+          <p:nvPr>
+            <p:ph type="body" idx="1"/>
+          </p:nvPr>
+        </p:nvSpPr>
+        <p:spPr/>
+        <p:txBody>
+          <a:bodyPr/>
+          <a:lstStyle/>
+          <a:p>
+            <a:endParaRPr lang="ko-KR" altLang="en-US" dirty="0"/>
+          </a:p>
+        </p:txBody>
+      </p:sp>
+      <p:sp>
+        <p:nvSpPr>
+          <p:cNvPr id="4" name="슬라이드 번호 개체 틀 3"/>
+          <p:cNvSpPr>
+            <a:spLocks noGrp="1"/>
+          </p:cNvSpPr>
+          <p:nvPr>
+            <p:ph type="sldNum" sz="quarter" idx="5"/>
+          </p:nvPr>
+        </p:nvSpPr>
+        <p:spPr/>
+        <p:txBody>
+          <a:bodyPr/>
+          <a:lstStyle/>
+          <a:p>
+            <a:fld id="{D8DCC404-E41A-4BC0-921C-BBFB3AB1AB4E}" type="slidenum">
+              <a:rPr lang="ko-KR" altLang="en-US" smtClean="0"/>
+              <a:t>19</a:t>
+            </a:fld>
+            <a:endParaRPr lang="ko-KR" altLang="en-US"/>
+          </a:p>
+        </p:txBody>
+      </p:sp>
+    </p:spTree>
+    <p:extLst>
+      <p:ext uri="{BB962C8B-B14F-4D97-AF65-F5344CB8AC3E}">
+        <p14:creationId xmlns:p14="http://schemas.microsoft.com/office/powerpoint/2010/main" val="3443290724"/>
+      </p:ext>
+    </p:extLst>
+  </p:cSld>
+  <p:clrMapOvr>
+    <a:masterClrMapping/>
+  </p:clrMapOvr>
+</p:notes>
+</file>
+
+<file path=ppt/notesSlides/notesSlide19.xml><?xml version="1.0" encoding="utf-8"?>
+<p:notes xmlns:a="http://schemas.openxmlformats.org/drawingml/2006/main" xmlns:r="http://schemas.openxmlformats.org/officeDocument/2006/relationships" xmlns:p="http://schemas.openxmlformats.org/presentationml/2006/main">
+  <p:cSld>
+    <p:spTree>
+      <p:nvGrpSpPr>
+        <p:cNvPr id="1" name=""/>
+        <p:cNvGrpSpPr/>
+        <p:nvPr/>
+      </p:nvGrpSpPr>
+      <p:grpSpPr>
+        <a:xfrm>
+          <a:off x="0" y="0"/>
+          <a:ext cx="0" cy="0"/>
+          <a:chOff x="0" y="0"/>
+          <a:chExt cx="0" cy="0"/>
+        </a:xfrm>
+      </p:grpSpPr>
+      <p:sp>
+        <p:nvSpPr>
+          <p:cNvPr id="2" name="슬라이드 이미지 개체 틀 1"/>
+          <p:cNvSpPr>
+            <a:spLocks noGrp="1" noRot="1" noChangeAspect="1"/>
+          </p:cNvSpPr>
+          <p:nvPr>
+            <p:ph type="sldImg"/>
+          </p:nvPr>
+        </p:nvSpPr>
+        <p:spPr/>
+      </p:sp>
+      <p:sp>
+        <p:nvSpPr>
+          <p:cNvPr id="3" name="슬라이드 노트 개체 틀 2"/>
+          <p:cNvSpPr>
+            <a:spLocks noGrp="1"/>
+          </p:cNvSpPr>
+          <p:nvPr>
+            <p:ph type="body" idx="1"/>
+          </p:nvPr>
+        </p:nvSpPr>
+        <p:spPr/>
+        <p:txBody>
+          <a:bodyPr/>
+          <a:lstStyle/>
+          <a:p>
+            <a:endParaRPr lang="ko-KR" altLang="en-US" dirty="0"/>
+          </a:p>
+        </p:txBody>
+      </p:sp>
+      <p:sp>
+        <p:nvSpPr>
+          <p:cNvPr id="4" name="슬라이드 번호 개체 틀 3"/>
+          <p:cNvSpPr>
+            <a:spLocks noGrp="1"/>
+          </p:cNvSpPr>
+          <p:nvPr>
+            <p:ph type="sldNum" sz="quarter" idx="5"/>
+          </p:nvPr>
+        </p:nvSpPr>
+        <p:spPr/>
+        <p:txBody>
+          <a:bodyPr/>
+          <a:lstStyle/>
+          <a:p>
+            <a:fld id="{D8DCC404-E41A-4BC0-921C-BBFB3AB1AB4E}" type="slidenum">
+              <a:rPr lang="ko-KR" altLang="en-US" smtClean="0"/>
+              <a:t>20</a:t>
+            </a:fld>
+            <a:endParaRPr lang="ko-KR" altLang="en-US"/>
+          </a:p>
+        </p:txBody>
+      </p:sp>
+    </p:spTree>
+    <p:extLst>
+      <p:ext uri="{BB962C8B-B14F-4D97-AF65-F5344CB8AC3E}">
+        <p14:creationId xmlns:p14="http://schemas.microsoft.com/office/powerpoint/2010/main" val="507139765"/>
       </p:ext>
     </p:extLst>
   </p:cSld>
@@ -981,6 +1504,846 @@
 </p:notes>
 </file>
 
+<file path=ppt/notesSlides/notesSlide20.xml><?xml version="1.0" encoding="utf-8"?>
+<p:notes xmlns:a="http://schemas.openxmlformats.org/drawingml/2006/main" xmlns:r="http://schemas.openxmlformats.org/officeDocument/2006/relationships" xmlns:p="http://schemas.openxmlformats.org/presentationml/2006/main">
+  <p:cSld>
+    <p:spTree>
+      <p:nvGrpSpPr>
+        <p:cNvPr id="1" name=""/>
+        <p:cNvGrpSpPr/>
+        <p:nvPr/>
+      </p:nvGrpSpPr>
+      <p:grpSpPr>
+        <a:xfrm>
+          <a:off x="0" y="0"/>
+          <a:ext cx="0" cy="0"/>
+          <a:chOff x="0" y="0"/>
+          <a:chExt cx="0" cy="0"/>
+        </a:xfrm>
+      </p:grpSpPr>
+      <p:sp>
+        <p:nvSpPr>
+          <p:cNvPr id="2" name="슬라이드 이미지 개체 틀 1"/>
+          <p:cNvSpPr>
+            <a:spLocks noGrp="1" noRot="1" noChangeAspect="1"/>
+          </p:cNvSpPr>
+          <p:nvPr>
+            <p:ph type="sldImg"/>
+          </p:nvPr>
+        </p:nvSpPr>
+        <p:spPr/>
+      </p:sp>
+      <p:sp>
+        <p:nvSpPr>
+          <p:cNvPr id="3" name="슬라이드 노트 개체 틀 2"/>
+          <p:cNvSpPr>
+            <a:spLocks noGrp="1"/>
+          </p:cNvSpPr>
+          <p:nvPr>
+            <p:ph type="body" idx="1"/>
+          </p:nvPr>
+        </p:nvSpPr>
+        <p:spPr/>
+        <p:txBody>
+          <a:bodyPr/>
+          <a:lstStyle/>
+          <a:p>
+            <a:endParaRPr lang="ko-KR" altLang="en-US" dirty="0"/>
+          </a:p>
+        </p:txBody>
+      </p:sp>
+      <p:sp>
+        <p:nvSpPr>
+          <p:cNvPr id="4" name="슬라이드 번호 개체 틀 3"/>
+          <p:cNvSpPr>
+            <a:spLocks noGrp="1"/>
+          </p:cNvSpPr>
+          <p:nvPr>
+            <p:ph type="sldNum" sz="quarter" idx="5"/>
+          </p:nvPr>
+        </p:nvSpPr>
+        <p:spPr/>
+        <p:txBody>
+          <a:bodyPr/>
+          <a:lstStyle/>
+          <a:p>
+            <a:fld id="{D8DCC404-E41A-4BC0-921C-BBFB3AB1AB4E}" type="slidenum">
+              <a:rPr lang="ko-KR" altLang="en-US" smtClean="0"/>
+              <a:t>21</a:t>
+            </a:fld>
+            <a:endParaRPr lang="ko-KR" altLang="en-US"/>
+          </a:p>
+        </p:txBody>
+      </p:sp>
+    </p:spTree>
+    <p:extLst>
+      <p:ext uri="{BB962C8B-B14F-4D97-AF65-F5344CB8AC3E}">
+        <p14:creationId xmlns:p14="http://schemas.microsoft.com/office/powerpoint/2010/main" val="1361072602"/>
+      </p:ext>
+    </p:extLst>
+  </p:cSld>
+  <p:clrMapOvr>
+    <a:masterClrMapping/>
+  </p:clrMapOvr>
+</p:notes>
+</file>
+
+<file path=ppt/notesSlides/notesSlide21.xml><?xml version="1.0" encoding="utf-8"?>
+<p:notes xmlns:a="http://schemas.openxmlformats.org/drawingml/2006/main" xmlns:r="http://schemas.openxmlformats.org/officeDocument/2006/relationships" xmlns:p="http://schemas.openxmlformats.org/presentationml/2006/main">
+  <p:cSld>
+    <p:spTree>
+      <p:nvGrpSpPr>
+        <p:cNvPr id="1" name=""/>
+        <p:cNvGrpSpPr/>
+        <p:nvPr/>
+      </p:nvGrpSpPr>
+      <p:grpSpPr>
+        <a:xfrm>
+          <a:off x="0" y="0"/>
+          <a:ext cx="0" cy="0"/>
+          <a:chOff x="0" y="0"/>
+          <a:chExt cx="0" cy="0"/>
+        </a:xfrm>
+      </p:grpSpPr>
+      <p:sp>
+        <p:nvSpPr>
+          <p:cNvPr id="2" name="슬라이드 이미지 개체 틀 1"/>
+          <p:cNvSpPr>
+            <a:spLocks noGrp="1" noRot="1" noChangeAspect="1"/>
+          </p:cNvSpPr>
+          <p:nvPr>
+            <p:ph type="sldImg"/>
+          </p:nvPr>
+        </p:nvSpPr>
+        <p:spPr/>
+      </p:sp>
+      <p:sp>
+        <p:nvSpPr>
+          <p:cNvPr id="3" name="슬라이드 노트 개체 틀 2"/>
+          <p:cNvSpPr>
+            <a:spLocks noGrp="1"/>
+          </p:cNvSpPr>
+          <p:nvPr>
+            <p:ph type="body" idx="1"/>
+          </p:nvPr>
+        </p:nvSpPr>
+        <p:spPr/>
+        <p:txBody>
+          <a:bodyPr/>
+          <a:lstStyle/>
+          <a:p>
+            <a:endParaRPr lang="ko-KR" altLang="en-US" dirty="0"/>
+          </a:p>
+        </p:txBody>
+      </p:sp>
+      <p:sp>
+        <p:nvSpPr>
+          <p:cNvPr id="4" name="슬라이드 번호 개체 틀 3"/>
+          <p:cNvSpPr>
+            <a:spLocks noGrp="1"/>
+          </p:cNvSpPr>
+          <p:nvPr>
+            <p:ph type="sldNum" sz="quarter" idx="5"/>
+          </p:nvPr>
+        </p:nvSpPr>
+        <p:spPr/>
+        <p:txBody>
+          <a:bodyPr/>
+          <a:lstStyle/>
+          <a:p>
+            <a:fld id="{D8DCC404-E41A-4BC0-921C-BBFB3AB1AB4E}" type="slidenum">
+              <a:rPr lang="ko-KR" altLang="en-US" smtClean="0"/>
+              <a:t>22</a:t>
+            </a:fld>
+            <a:endParaRPr lang="ko-KR" altLang="en-US"/>
+          </a:p>
+        </p:txBody>
+      </p:sp>
+    </p:spTree>
+    <p:extLst>
+      <p:ext uri="{BB962C8B-B14F-4D97-AF65-F5344CB8AC3E}">
+        <p14:creationId xmlns:p14="http://schemas.microsoft.com/office/powerpoint/2010/main" val="334989276"/>
+      </p:ext>
+    </p:extLst>
+  </p:cSld>
+  <p:clrMapOvr>
+    <a:masterClrMapping/>
+  </p:clrMapOvr>
+</p:notes>
+</file>
+
+<file path=ppt/notesSlides/notesSlide22.xml><?xml version="1.0" encoding="utf-8"?>
+<p:notes xmlns:a="http://schemas.openxmlformats.org/drawingml/2006/main" xmlns:r="http://schemas.openxmlformats.org/officeDocument/2006/relationships" xmlns:p="http://schemas.openxmlformats.org/presentationml/2006/main">
+  <p:cSld>
+    <p:spTree>
+      <p:nvGrpSpPr>
+        <p:cNvPr id="1" name=""/>
+        <p:cNvGrpSpPr/>
+        <p:nvPr/>
+      </p:nvGrpSpPr>
+      <p:grpSpPr>
+        <a:xfrm>
+          <a:off x="0" y="0"/>
+          <a:ext cx="0" cy="0"/>
+          <a:chOff x="0" y="0"/>
+          <a:chExt cx="0" cy="0"/>
+        </a:xfrm>
+      </p:grpSpPr>
+      <p:sp>
+        <p:nvSpPr>
+          <p:cNvPr id="2" name="슬라이드 이미지 개체 틀 1"/>
+          <p:cNvSpPr>
+            <a:spLocks noGrp="1" noRot="1" noChangeAspect="1"/>
+          </p:cNvSpPr>
+          <p:nvPr>
+            <p:ph type="sldImg"/>
+          </p:nvPr>
+        </p:nvSpPr>
+        <p:spPr/>
+      </p:sp>
+      <p:sp>
+        <p:nvSpPr>
+          <p:cNvPr id="3" name="슬라이드 노트 개체 틀 2"/>
+          <p:cNvSpPr>
+            <a:spLocks noGrp="1"/>
+          </p:cNvSpPr>
+          <p:nvPr>
+            <p:ph type="body" idx="1"/>
+          </p:nvPr>
+        </p:nvSpPr>
+        <p:spPr/>
+        <p:txBody>
+          <a:bodyPr/>
+          <a:lstStyle/>
+          <a:p>
+            <a:endParaRPr lang="ko-KR" altLang="en-US" dirty="0"/>
+          </a:p>
+        </p:txBody>
+      </p:sp>
+      <p:sp>
+        <p:nvSpPr>
+          <p:cNvPr id="4" name="슬라이드 번호 개체 틀 3"/>
+          <p:cNvSpPr>
+            <a:spLocks noGrp="1"/>
+          </p:cNvSpPr>
+          <p:nvPr>
+            <p:ph type="sldNum" sz="quarter" idx="5"/>
+          </p:nvPr>
+        </p:nvSpPr>
+        <p:spPr/>
+        <p:txBody>
+          <a:bodyPr/>
+          <a:lstStyle/>
+          <a:p>
+            <a:fld id="{D8DCC404-E41A-4BC0-921C-BBFB3AB1AB4E}" type="slidenum">
+              <a:rPr lang="ko-KR" altLang="en-US" smtClean="0"/>
+              <a:t>23</a:t>
+            </a:fld>
+            <a:endParaRPr lang="ko-KR" altLang="en-US"/>
+          </a:p>
+        </p:txBody>
+      </p:sp>
+    </p:spTree>
+    <p:extLst>
+      <p:ext uri="{BB962C8B-B14F-4D97-AF65-F5344CB8AC3E}">
+        <p14:creationId xmlns:p14="http://schemas.microsoft.com/office/powerpoint/2010/main" val="660036110"/>
+      </p:ext>
+    </p:extLst>
+  </p:cSld>
+  <p:clrMapOvr>
+    <a:masterClrMapping/>
+  </p:clrMapOvr>
+</p:notes>
+</file>
+
+<file path=ppt/notesSlides/notesSlide23.xml><?xml version="1.0" encoding="utf-8"?>
+<p:notes xmlns:a="http://schemas.openxmlformats.org/drawingml/2006/main" xmlns:r="http://schemas.openxmlformats.org/officeDocument/2006/relationships" xmlns:p="http://schemas.openxmlformats.org/presentationml/2006/main">
+  <p:cSld>
+    <p:spTree>
+      <p:nvGrpSpPr>
+        <p:cNvPr id="1" name=""/>
+        <p:cNvGrpSpPr/>
+        <p:nvPr/>
+      </p:nvGrpSpPr>
+      <p:grpSpPr>
+        <a:xfrm>
+          <a:off x="0" y="0"/>
+          <a:ext cx="0" cy="0"/>
+          <a:chOff x="0" y="0"/>
+          <a:chExt cx="0" cy="0"/>
+        </a:xfrm>
+      </p:grpSpPr>
+      <p:sp>
+        <p:nvSpPr>
+          <p:cNvPr id="2" name="슬라이드 이미지 개체 틀 1"/>
+          <p:cNvSpPr>
+            <a:spLocks noGrp="1" noRot="1" noChangeAspect="1"/>
+          </p:cNvSpPr>
+          <p:nvPr>
+            <p:ph type="sldImg"/>
+          </p:nvPr>
+        </p:nvSpPr>
+        <p:spPr/>
+      </p:sp>
+      <p:sp>
+        <p:nvSpPr>
+          <p:cNvPr id="3" name="슬라이드 노트 개체 틀 2"/>
+          <p:cNvSpPr>
+            <a:spLocks noGrp="1"/>
+          </p:cNvSpPr>
+          <p:nvPr>
+            <p:ph type="body" idx="1"/>
+          </p:nvPr>
+        </p:nvSpPr>
+        <p:spPr/>
+        <p:txBody>
+          <a:bodyPr/>
+          <a:lstStyle/>
+          <a:p>
+            <a:endParaRPr lang="ko-KR" altLang="en-US" dirty="0"/>
+          </a:p>
+        </p:txBody>
+      </p:sp>
+      <p:sp>
+        <p:nvSpPr>
+          <p:cNvPr id="4" name="슬라이드 번호 개체 틀 3"/>
+          <p:cNvSpPr>
+            <a:spLocks noGrp="1"/>
+          </p:cNvSpPr>
+          <p:nvPr>
+            <p:ph type="sldNum" sz="quarter" idx="5"/>
+          </p:nvPr>
+        </p:nvSpPr>
+        <p:spPr/>
+        <p:txBody>
+          <a:bodyPr/>
+          <a:lstStyle/>
+          <a:p>
+            <a:fld id="{D8DCC404-E41A-4BC0-921C-BBFB3AB1AB4E}" type="slidenum">
+              <a:rPr lang="ko-KR" altLang="en-US" smtClean="0"/>
+              <a:t>24</a:t>
+            </a:fld>
+            <a:endParaRPr lang="ko-KR" altLang="en-US"/>
+          </a:p>
+        </p:txBody>
+      </p:sp>
+    </p:spTree>
+    <p:extLst>
+      <p:ext uri="{BB962C8B-B14F-4D97-AF65-F5344CB8AC3E}">
+        <p14:creationId xmlns:p14="http://schemas.microsoft.com/office/powerpoint/2010/main" val="1521121318"/>
+      </p:ext>
+    </p:extLst>
+  </p:cSld>
+  <p:clrMapOvr>
+    <a:masterClrMapping/>
+  </p:clrMapOvr>
+</p:notes>
+</file>
+
+<file path=ppt/notesSlides/notesSlide24.xml><?xml version="1.0" encoding="utf-8"?>
+<p:notes xmlns:a="http://schemas.openxmlformats.org/drawingml/2006/main" xmlns:r="http://schemas.openxmlformats.org/officeDocument/2006/relationships" xmlns:p="http://schemas.openxmlformats.org/presentationml/2006/main">
+  <p:cSld>
+    <p:spTree>
+      <p:nvGrpSpPr>
+        <p:cNvPr id="1" name=""/>
+        <p:cNvGrpSpPr/>
+        <p:nvPr/>
+      </p:nvGrpSpPr>
+      <p:grpSpPr>
+        <a:xfrm>
+          <a:off x="0" y="0"/>
+          <a:ext cx="0" cy="0"/>
+          <a:chOff x="0" y="0"/>
+          <a:chExt cx="0" cy="0"/>
+        </a:xfrm>
+      </p:grpSpPr>
+      <p:sp>
+        <p:nvSpPr>
+          <p:cNvPr id="2" name="슬라이드 이미지 개체 틀 1"/>
+          <p:cNvSpPr>
+            <a:spLocks noGrp="1" noRot="1" noChangeAspect="1"/>
+          </p:cNvSpPr>
+          <p:nvPr>
+            <p:ph type="sldImg"/>
+          </p:nvPr>
+        </p:nvSpPr>
+        <p:spPr/>
+      </p:sp>
+      <p:sp>
+        <p:nvSpPr>
+          <p:cNvPr id="3" name="슬라이드 노트 개체 틀 2"/>
+          <p:cNvSpPr>
+            <a:spLocks noGrp="1"/>
+          </p:cNvSpPr>
+          <p:nvPr>
+            <p:ph type="body" idx="1"/>
+          </p:nvPr>
+        </p:nvSpPr>
+        <p:spPr/>
+        <p:txBody>
+          <a:bodyPr/>
+          <a:lstStyle/>
+          <a:p>
+            <a:endParaRPr lang="ko-KR" altLang="en-US" dirty="0"/>
+          </a:p>
+        </p:txBody>
+      </p:sp>
+      <p:sp>
+        <p:nvSpPr>
+          <p:cNvPr id="4" name="슬라이드 번호 개체 틀 3"/>
+          <p:cNvSpPr>
+            <a:spLocks noGrp="1"/>
+          </p:cNvSpPr>
+          <p:nvPr>
+            <p:ph type="sldNum" sz="quarter" idx="5"/>
+          </p:nvPr>
+        </p:nvSpPr>
+        <p:spPr/>
+        <p:txBody>
+          <a:bodyPr/>
+          <a:lstStyle/>
+          <a:p>
+            <a:fld id="{D8DCC404-E41A-4BC0-921C-BBFB3AB1AB4E}" type="slidenum">
+              <a:rPr lang="ko-KR" altLang="en-US" smtClean="0"/>
+              <a:t>25</a:t>
+            </a:fld>
+            <a:endParaRPr lang="ko-KR" altLang="en-US"/>
+          </a:p>
+        </p:txBody>
+      </p:sp>
+    </p:spTree>
+    <p:extLst>
+      <p:ext uri="{BB962C8B-B14F-4D97-AF65-F5344CB8AC3E}">
+        <p14:creationId xmlns:p14="http://schemas.microsoft.com/office/powerpoint/2010/main" val="3186458675"/>
+      </p:ext>
+    </p:extLst>
+  </p:cSld>
+  <p:clrMapOvr>
+    <a:masterClrMapping/>
+  </p:clrMapOvr>
+</p:notes>
+</file>
+
+<file path=ppt/notesSlides/notesSlide25.xml><?xml version="1.0" encoding="utf-8"?>
+<p:notes xmlns:a="http://schemas.openxmlformats.org/drawingml/2006/main" xmlns:r="http://schemas.openxmlformats.org/officeDocument/2006/relationships" xmlns:p="http://schemas.openxmlformats.org/presentationml/2006/main">
+  <p:cSld>
+    <p:spTree>
+      <p:nvGrpSpPr>
+        <p:cNvPr id="1" name=""/>
+        <p:cNvGrpSpPr/>
+        <p:nvPr/>
+      </p:nvGrpSpPr>
+      <p:grpSpPr>
+        <a:xfrm>
+          <a:off x="0" y="0"/>
+          <a:ext cx="0" cy="0"/>
+          <a:chOff x="0" y="0"/>
+          <a:chExt cx="0" cy="0"/>
+        </a:xfrm>
+      </p:grpSpPr>
+      <p:sp>
+        <p:nvSpPr>
+          <p:cNvPr id="2" name="슬라이드 이미지 개체 틀 1"/>
+          <p:cNvSpPr>
+            <a:spLocks noGrp="1" noRot="1" noChangeAspect="1"/>
+          </p:cNvSpPr>
+          <p:nvPr>
+            <p:ph type="sldImg"/>
+          </p:nvPr>
+        </p:nvSpPr>
+        <p:spPr/>
+      </p:sp>
+      <p:sp>
+        <p:nvSpPr>
+          <p:cNvPr id="3" name="슬라이드 노트 개체 틀 2"/>
+          <p:cNvSpPr>
+            <a:spLocks noGrp="1"/>
+          </p:cNvSpPr>
+          <p:nvPr>
+            <p:ph type="body" idx="1"/>
+          </p:nvPr>
+        </p:nvSpPr>
+        <p:spPr/>
+        <p:txBody>
+          <a:bodyPr/>
+          <a:lstStyle/>
+          <a:p>
+            <a:endParaRPr lang="ko-KR" altLang="en-US" dirty="0"/>
+          </a:p>
+        </p:txBody>
+      </p:sp>
+      <p:sp>
+        <p:nvSpPr>
+          <p:cNvPr id="4" name="슬라이드 번호 개체 틀 3"/>
+          <p:cNvSpPr>
+            <a:spLocks noGrp="1"/>
+          </p:cNvSpPr>
+          <p:nvPr>
+            <p:ph type="sldNum" sz="quarter" idx="5"/>
+          </p:nvPr>
+        </p:nvSpPr>
+        <p:spPr/>
+        <p:txBody>
+          <a:bodyPr/>
+          <a:lstStyle/>
+          <a:p>
+            <a:fld id="{D8DCC404-E41A-4BC0-921C-BBFB3AB1AB4E}" type="slidenum">
+              <a:rPr lang="ko-KR" altLang="en-US" smtClean="0"/>
+              <a:t>26</a:t>
+            </a:fld>
+            <a:endParaRPr lang="ko-KR" altLang="en-US"/>
+          </a:p>
+        </p:txBody>
+      </p:sp>
+    </p:spTree>
+    <p:extLst>
+      <p:ext uri="{BB962C8B-B14F-4D97-AF65-F5344CB8AC3E}">
+        <p14:creationId xmlns:p14="http://schemas.microsoft.com/office/powerpoint/2010/main" val="709699225"/>
+      </p:ext>
+    </p:extLst>
+  </p:cSld>
+  <p:clrMapOvr>
+    <a:masterClrMapping/>
+  </p:clrMapOvr>
+</p:notes>
+</file>
+
+<file path=ppt/notesSlides/notesSlide26.xml><?xml version="1.0" encoding="utf-8"?>
+<p:notes xmlns:a="http://schemas.openxmlformats.org/drawingml/2006/main" xmlns:r="http://schemas.openxmlformats.org/officeDocument/2006/relationships" xmlns:p="http://schemas.openxmlformats.org/presentationml/2006/main">
+  <p:cSld>
+    <p:spTree>
+      <p:nvGrpSpPr>
+        <p:cNvPr id="1" name=""/>
+        <p:cNvGrpSpPr/>
+        <p:nvPr/>
+      </p:nvGrpSpPr>
+      <p:grpSpPr>
+        <a:xfrm>
+          <a:off x="0" y="0"/>
+          <a:ext cx="0" cy="0"/>
+          <a:chOff x="0" y="0"/>
+          <a:chExt cx="0" cy="0"/>
+        </a:xfrm>
+      </p:grpSpPr>
+      <p:sp>
+        <p:nvSpPr>
+          <p:cNvPr id="2" name="슬라이드 이미지 개체 틀 1"/>
+          <p:cNvSpPr>
+            <a:spLocks noGrp="1" noRot="1" noChangeAspect="1"/>
+          </p:cNvSpPr>
+          <p:nvPr>
+            <p:ph type="sldImg"/>
+          </p:nvPr>
+        </p:nvSpPr>
+        <p:spPr/>
+      </p:sp>
+      <p:sp>
+        <p:nvSpPr>
+          <p:cNvPr id="3" name="슬라이드 노트 개체 틀 2"/>
+          <p:cNvSpPr>
+            <a:spLocks noGrp="1"/>
+          </p:cNvSpPr>
+          <p:nvPr>
+            <p:ph type="body" idx="1"/>
+          </p:nvPr>
+        </p:nvSpPr>
+        <p:spPr/>
+        <p:txBody>
+          <a:bodyPr/>
+          <a:lstStyle/>
+          <a:p>
+            <a:endParaRPr lang="ko-KR" altLang="en-US" dirty="0"/>
+          </a:p>
+        </p:txBody>
+      </p:sp>
+      <p:sp>
+        <p:nvSpPr>
+          <p:cNvPr id="4" name="슬라이드 번호 개체 틀 3"/>
+          <p:cNvSpPr>
+            <a:spLocks noGrp="1"/>
+          </p:cNvSpPr>
+          <p:nvPr>
+            <p:ph type="sldNum" sz="quarter" idx="5"/>
+          </p:nvPr>
+        </p:nvSpPr>
+        <p:spPr/>
+        <p:txBody>
+          <a:bodyPr/>
+          <a:lstStyle/>
+          <a:p>
+            <a:fld id="{D8DCC404-E41A-4BC0-921C-BBFB3AB1AB4E}" type="slidenum">
+              <a:rPr lang="ko-KR" altLang="en-US" smtClean="0"/>
+              <a:t>27</a:t>
+            </a:fld>
+            <a:endParaRPr lang="ko-KR" altLang="en-US"/>
+          </a:p>
+        </p:txBody>
+      </p:sp>
+    </p:spTree>
+    <p:extLst>
+      <p:ext uri="{BB962C8B-B14F-4D97-AF65-F5344CB8AC3E}">
+        <p14:creationId xmlns:p14="http://schemas.microsoft.com/office/powerpoint/2010/main" val="1775738622"/>
+      </p:ext>
+    </p:extLst>
+  </p:cSld>
+  <p:clrMapOvr>
+    <a:masterClrMapping/>
+  </p:clrMapOvr>
+</p:notes>
+</file>
+
+<file path=ppt/notesSlides/notesSlide27.xml><?xml version="1.0" encoding="utf-8"?>
+<p:notes xmlns:a="http://schemas.openxmlformats.org/drawingml/2006/main" xmlns:r="http://schemas.openxmlformats.org/officeDocument/2006/relationships" xmlns:p="http://schemas.openxmlformats.org/presentationml/2006/main">
+  <p:cSld>
+    <p:spTree>
+      <p:nvGrpSpPr>
+        <p:cNvPr id="1" name=""/>
+        <p:cNvGrpSpPr/>
+        <p:nvPr/>
+      </p:nvGrpSpPr>
+      <p:grpSpPr>
+        <a:xfrm>
+          <a:off x="0" y="0"/>
+          <a:ext cx="0" cy="0"/>
+          <a:chOff x="0" y="0"/>
+          <a:chExt cx="0" cy="0"/>
+        </a:xfrm>
+      </p:grpSpPr>
+      <p:sp>
+        <p:nvSpPr>
+          <p:cNvPr id="2" name="슬라이드 이미지 개체 틀 1"/>
+          <p:cNvSpPr>
+            <a:spLocks noGrp="1" noRot="1" noChangeAspect="1"/>
+          </p:cNvSpPr>
+          <p:nvPr>
+            <p:ph type="sldImg"/>
+          </p:nvPr>
+        </p:nvSpPr>
+        <p:spPr/>
+      </p:sp>
+      <p:sp>
+        <p:nvSpPr>
+          <p:cNvPr id="3" name="슬라이드 노트 개체 틀 2"/>
+          <p:cNvSpPr>
+            <a:spLocks noGrp="1"/>
+          </p:cNvSpPr>
+          <p:nvPr>
+            <p:ph type="body" idx="1"/>
+          </p:nvPr>
+        </p:nvSpPr>
+        <p:spPr/>
+        <p:txBody>
+          <a:bodyPr/>
+          <a:lstStyle/>
+          <a:p>
+            <a:endParaRPr lang="ko-KR" altLang="en-US" dirty="0"/>
+          </a:p>
+        </p:txBody>
+      </p:sp>
+      <p:sp>
+        <p:nvSpPr>
+          <p:cNvPr id="4" name="슬라이드 번호 개체 틀 3"/>
+          <p:cNvSpPr>
+            <a:spLocks noGrp="1"/>
+          </p:cNvSpPr>
+          <p:nvPr>
+            <p:ph type="sldNum" sz="quarter" idx="5"/>
+          </p:nvPr>
+        </p:nvSpPr>
+        <p:spPr/>
+        <p:txBody>
+          <a:bodyPr/>
+          <a:lstStyle/>
+          <a:p>
+            <a:fld id="{D8DCC404-E41A-4BC0-921C-BBFB3AB1AB4E}" type="slidenum">
+              <a:rPr lang="ko-KR" altLang="en-US" smtClean="0"/>
+              <a:t>28</a:t>
+            </a:fld>
+            <a:endParaRPr lang="ko-KR" altLang="en-US"/>
+          </a:p>
+        </p:txBody>
+      </p:sp>
+    </p:spTree>
+    <p:extLst>
+      <p:ext uri="{BB962C8B-B14F-4D97-AF65-F5344CB8AC3E}">
+        <p14:creationId xmlns:p14="http://schemas.microsoft.com/office/powerpoint/2010/main" val="3533778939"/>
+      </p:ext>
+    </p:extLst>
+  </p:cSld>
+  <p:clrMapOvr>
+    <a:masterClrMapping/>
+  </p:clrMapOvr>
+</p:notes>
+</file>
+
+<file path=ppt/notesSlides/notesSlide28.xml><?xml version="1.0" encoding="utf-8"?>
+<p:notes xmlns:a="http://schemas.openxmlformats.org/drawingml/2006/main" xmlns:r="http://schemas.openxmlformats.org/officeDocument/2006/relationships" xmlns:p="http://schemas.openxmlformats.org/presentationml/2006/main">
+  <p:cSld>
+    <p:spTree>
+      <p:nvGrpSpPr>
+        <p:cNvPr id="1" name=""/>
+        <p:cNvGrpSpPr/>
+        <p:nvPr/>
+      </p:nvGrpSpPr>
+      <p:grpSpPr>
+        <a:xfrm>
+          <a:off x="0" y="0"/>
+          <a:ext cx="0" cy="0"/>
+          <a:chOff x="0" y="0"/>
+          <a:chExt cx="0" cy="0"/>
+        </a:xfrm>
+      </p:grpSpPr>
+      <p:sp>
+        <p:nvSpPr>
+          <p:cNvPr id="2" name="슬라이드 이미지 개체 틀 1"/>
+          <p:cNvSpPr>
+            <a:spLocks noGrp="1" noRot="1" noChangeAspect="1"/>
+          </p:cNvSpPr>
+          <p:nvPr>
+            <p:ph type="sldImg"/>
+          </p:nvPr>
+        </p:nvSpPr>
+        <p:spPr/>
+      </p:sp>
+      <p:sp>
+        <p:nvSpPr>
+          <p:cNvPr id="3" name="슬라이드 노트 개체 틀 2"/>
+          <p:cNvSpPr>
+            <a:spLocks noGrp="1"/>
+          </p:cNvSpPr>
+          <p:nvPr>
+            <p:ph type="body" idx="1"/>
+          </p:nvPr>
+        </p:nvSpPr>
+        <p:spPr/>
+        <p:txBody>
+          <a:bodyPr/>
+          <a:lstStyle/>
+          <a:p>
+            <a:endParaRPr lang="ko-KR" altLang="en-US" dirty="0"/>
+          </a:p>
+        </p:txBody>
+      </p:sp>
+      <p:sp>
+        <p:nvSpPr>
+          <p:cNvPr id="4" name="슬라이드 번호 개체 틀 3"/>
+          <p:cNvSpPr>
+            <a:spLocks noGrp="1"/>
+          </p:cNvSpPr>
+          <p:nvPr>
+            <p:ph type="sldNum" sz="quarter" idx="5"/>
+          </p:nvPr>
+        </p:nvSpPr>
+        <p:spPr/>
+        <p:txBody>
+          <a:bodyPr/>
+          <a:lstStyle/>
+          <a:p>
+            <a:fld id="{D8DCC404-E41A-4BC0-921C-BBFB3AB1AB4E}" type="slidenum">
+              <a:rPr lang="ko-KR" altLang="en-US" smtClean="0"/>
+              <a:t>29</a:t>
+            </a:fld>
+            <a:endParaRPr lang="ko-KR" altLang="en-US"/>
+          </a:p>
+        </p:txBody>
+      </p:sp>
+    </p:spTree>
+    <p:extLst>
+      <p:ext uri="{BB962C8B-B14F-4D97-AF65-F5344CB8AC3E}">
+        <p14:creationId xmlns:p14="http://schemas.microsoft.com/office/powerpoint/2010/main" val="4265853732"/>
+      </p:ext>
+    </p:extLst>
+  </p:cSld>
+  <p:clrMapOvr>
+    <a:masterClrMapping/>
+  </p:clrMapOvr>
+</p:notes>
+</file>
+
+<file path=ppt/notesSlides/notesSlide29.xml><?xml version="1.0" encoding="utf-8"?>
+<p:notes xmlns:a="http://schemas.openxmlformats.org/drawingml/2006/main" xmlns:r="http://schemas.openxmlformats.org/officeDocument/2006/relationships" xmlns:p="http://schemas.openxmlformats.org/presentationml/2006/main">
+  <p:cSld>
+    <p:spTree>
+      <p:nvGrpSpPr>
+        <p:cNvPr id="1" name=""/>
+        <p:cNvGrpSpPr/>
+        <p:nvPr/>
+      </p:nvGrpSpPr>
+      <p:grpSpPr>
+        <a:xfrm>
+          <a:off x="0" y="0"/>
+          <a:ext cx="0" cy="0"/>
+          <a:chOff x="0" y="0"/>
+          <a:chExt cx="0" cy="0"/>
+        </a:xfrm>
+      </p:grpSpPr>
+      <p:sp>
+        <p:nvSpPr>
+          <p:cNvPr id="2" name="슬라이드 이미지 개체 틀 1"/>
+          <p:cNvSpPr>
+            <a:spLocks noGrp="1" noRot="1" noChangeAspect="1"/>
+          </p:cNvSpPr>
+          <p:nvPr>
+            <p:ph type="sldImg"/>
+          </p:nvPr>
+        </p:nvSpPr>
+        <p:spPr/>
+      </p:sp>
+      <p:sp>
+        <p:nvSpPr>
+          <p:cNvPr id="3" name="슬라이드 노트 개체 틀 2"/>
+          <p:cNvSpPr>
+            <a:spLocks noGrp="1"/>
+          </p:cNvSpPr>
+          <p:nvPr>
+            <p:ph type="body" idx="1"/>
+          </p:nvPr>
+        </p:nvSpPr>
+        <p:spPr/>
+        <p:txBody>
+          <a:bodyPr/>
+          <a:lstStyle/>
+          <a:p>
+            <a:endParaRPr lang="ko-KR" altLang="en-US" dirty="0"/>
+          </a:p>
+        </p:txBody>
+      </p:sp>
+      <p:sp>
+        <p:nvSpPr>
+          <p:cNvPr id="4" name="슬라이드 번호 개체 틀 3"/>
+          <p:cNvSpPr>
+            <a:spLocks noGrp="1"/>
+          </p:cNvSpPr>
+          <p:nvPr>
+            <p:ph type="sldNum" sz="quarter" idx="5"/>
+          </p:nvPr>
+        </p:nvSpPr>
+        <p:spPr/>
+        <p:txBody>
+          <a:bodyPr/>
+          <a:lstStyle/>
+          <a:p>
+            <a:fld id="{D8DCC404-E41A-4BC0-921C-BBFB3AB1AB4E}" type="slidenum">
+              <a:rPr lang="ko-KR" altLang="en-US" smtClean="0"/>
+              <a:t>30</a:t>
+            </a:fld>
+            <a:endParaRPr lang="ko-KR" altLang="en-US"/>
+          </a:p>
+        </p:txBody>
+      </p:sp>
+    </p:spTree>
+    <p:extLst>
+      <p:ext uri="{BB962C8B-B14F-4D97-AF65-F5344CB8AC3E}">
+        <p14:creationId xmlns:p14="http://schemas.microsoft.com/office/powerpoint/2010/main" val="579121380"/>
+      </p:ext>
+    </p:extLst>
+  </p:cSld>
+  <p:clrMapOvr>
+    <a:masterClrMapping/>
+  </p:clrMapOvr>
+</p:notes>
+</file>
+
 <file path=ppt/notesSlides/notesSlide3.xml><?xml version="1.0" encoding="utf-8"?>
 <p:notes xmlns:a="http://schemas.openxmlformats.org/drawingml/2006/main" xmlns:r="http://schemas.openxmlformats.org/officeDocument/2006/relationships" xmlns:p="http://schemas.openxmlformats.org/presentationml/2006/main">
   <p:cSld>
@@ -1056,6 +2419,258 @@
     <p:extLst>
       <p:ext uri="{BB962C8B-B14F-4D97-AF65-F5344CB8AC3E}">
         <p14:creationId xmlns:p14="http://schemas.microsoft.com/office/powerpoint/2010/main" val="574692744"/>
+      </p:ext>
+    </p:extLst>
+  </p:cSld>
+  <p:clrMapOvr>
+    <a:masterClrMapping/>
+  </p:clrMapOvr>
+</p:notes>
+</file>
+
+<file path=ppt/notesSlides/notesSlide30.xml><?xml version="1.0" encoding="utf-8"?>
+<p:notes xmlns:a="http://schemas.openxmlformats.org/drawingml/2006/main" xmlns:r="http://schemas.openxmlformats.org/officeDocument/2006/relationships" xmlns:p="http://schemas.openxmlformats.org/presentationml/2006/main">
+  <p:cSld>
+    <p:spTree>
+      <p:nvGrpSpPr>
+        <p:cNvPr id="1" name=""/>
+        <p:cNvGrpSpPr/>
+        <p:nvPr/>
+      </p:nvGrpSpPr>
+      <p:grpSpPr>
+        <a:xfrm>
+          <a:off x="0" y="0"/>
+          <a:ext cx="0" cy="0"/>
+          <a:chOff x="0" y="0"/>
+          <a:chExt cx="0" cy="0"/>
+        </a:xfrm>
+      </p:grpSpPr>
+      <p:sp>
+        <p:nvSpPr>
+          <p:cNvPr id="2" name="슬라이드 이미지 개체 틀 1"/>
+          <p:cNvSpPr>
+            <a:spLocks noGrp="1" noRot="1" noChangeAspect="1"/>
+          </p:cNvSpPr>
+          <p:nvPr>
+            <p:ph type="sldImg"/>
+          </p:nvPr>
+        </p:nvSpPr>
+        <p:spPr/>
+      </p:sp>
+      <p:sp>
+        <p:nvSpPr>
+          <p:cNvPr id="3" name="슬라이드 노트 개체 틀 2"/>
+          <p:cNvSpPr>
+            <a:spLocks noGrp="1"/>
+          </p:cNvSpPr>
+          <p:nvPr>
+            <p:ph type="body" idx="1"/>
+          </p:nvPr>
+        </p:nvSpPr>
+        <p:spPr/>
+        <p:txBody>
+          <a:bodyPr/>
+          <a:lstStyle/>
+          <a:p>
+            <a:endParaRPr lang="ko-KR" altLang="en-US" dirty="0"/>
+          </a:p>
+        </p:txBody>
+      </p:sp>
+      <p:sp>
+        <p:nvSpPr>
+          <p:cNvPr id="4" name="슬라이드 번호 개체 틀 3"/>
+          <p:cNvSpPr>
+            <a:spLocks noGrp="1"/>
+          </p:cNvSpPr>
+          <p:nvPr>
+            <p:ph type="sldNum" sz="quarter" idx="5"/>
+          </p:nvPr>
+        </p:nvSpPr>
+        <p:spPr/>
+        <p:txBody>
+          <a:bodyPr/>
+          <a:lstStyle/>
+          <a:p>
+            <a:fld id="{D8DCC404-E41A-4BC0-921C-BBFB3AB1AB4E}" type="slidenum">
+              <a:rPr lang="ko-KR" altLang="en-US" smtClean="0"/>
+              <a:t>31</a:t>
+            </a:fld>
+            <a:endParaRPr lang="ko-KR" altLang="en-US"/>
+          </a:p>
+        </p:txBody>
+      </p:sp>
+    </p:spTree>
+    <p:extLst>
+      <p:ext uri="{BB962C8B-B14F-4D97-AF65-F5344CB8AC3E}">
+        <p14:creationId xmlns:p14="http://schemas.microsoft.com/office/powerpoint/2010/main" val="2053142933"/>
+      </p:ext>
+    </p:extLst>
+  </p:cSld>
+  <p:clrMapOvr>
+    <a:masterClrMapping/>
+  </p:clrMapOvr>
+</p:notes>
+</file>
+
+<file path=ppt/notesSlides/notesSlide31.xml><?xml version="1.0" encoding="utf-8"?>
+<p:notes xmlns:a="http://schemas.openxmlformats.org/drawingml/2006/main" xmlns:r="http://schemas.openxmlformats.org/officeDocument/2006/relationships" xmlns:p="http://schemas.openxmlformats.org/presentationml/2006/main">
+  <p:cSld>
+    <p:spTree>
+      <p:nvGrpSpPr>
+        <p:cNvPr id="1" name=""/>
+        <p:cNvGrpSpPr/>
+        <p:nvPr/>
+      </p:nvGrpSpPr>
+      <p:grpSpPr>
+        <a:xfrm>
+          <a:off x="0" y="0"/>
+          <a:ext cx="0" cy="0"/>
+          <a:chOff x="0" y="0"/>
+          <a:chExt cx="0" cy="0"/>
+        </a:xfrm>
+      </p:grpSpPr>
+      <p:sp>
+        <p:nvSpPr>
+          <p:cNvPr id="2" name="슬라이드 이미지 개체 틀 1"/>
+          <p:cNvSpPr>
+            <a:spLocks noGrp="1" noRot="1" noChangeAspect="1"/>
+          </p:cNvSpPr>
+          <p:nvPr>
+            <p:ph type="sldImg"/>
+          </p:nvPr>
+        </p:nvSpPr>
+        <p:spPr/>
+      </p:sp>
+      <p:sp>
+        <p:nvSpPr>
+          <p:cNvPr id="3" name="슬라이드 노트 개체 틀 2"/>
+          <p:cNvSpPr>
+            <a:spLocks noGrp="1"/>
+          </p:cNvSpPr>
+          <p:nvPr>
+            <p:ph type="body" idx="1"/>
+          </p:nvPr>
+        </p:nvSpPr>
+        <p:spPr/>
+        <p:txBody>
+          <a:bodyPr/>
+          <a:lstStyle/>
+          <a:p>
+            <a:endParaRPr lang="ko-KR" altLang="en-US" dirty="0"/>
+          </a:p>
+        </p:txBody>
+      </p:sp>
+      <p:sp>
+        <p:nvSpPr>
+          <p:cNvPr id="4" name="슬라이드 번호 개체 틀 3"/>
+          <p:cNvSpPr>
+            <a:spLocks noGrp="1"/>
+          </p:cNvSpPr>
+          <p:nvPr>
+            <p:ph type="sldNum" sz="quarter" idx="5"/>
+          </p:nvPr>
+        </p:nvSpPr>
+        <p:spPr/>
+        <p:txBody>
+          <a:bodyPr/>
+          <a:lstStyle/>
+          <a:p>
+            <a:fld id="{D8DCC404-E41A-4BC0-921C-BBFB3AB1AB4E}" type="slidenum">
+              <a:rPr lang="ko-KR" altLang="en-US" smtClean="0"/>
+              <a:t>32</a:t>
+            </a:fld>
+            <a:endParaRPr lang="ko-KR" altLang="en-US"/>
+          </a:p>
+        </p:txBody>
+      </p:sp>
+    </p:spTree>
+    <p:extLst>
+      <p:ext uri="{BB962C8B-B14F-4D97-AF65-F5344CB8AC3E}">
+        <p14:creationId xmlns:p14="http://schemas.microsoft.com/office/powerpoint/2010/main" val="500336071"/>
+      </p:ext>
+    </p:extLst>
+  </p:cSld>
+  <p:clrMapOvr>
+    <a:masterClrMapping/>
+  </p:clrMapOvr>
+</p:notes>
+</file>
+
+<file path=ppt/notesSlides/notesSlide32.xml><?xml version="1.0" encoding="utf-8"?>
+<p:notes xmlns:a="http://schemas.openxmlformats.org/drawingml/2006/main" xmlns:r="http://schemas.openxmlformats.org/officeDocument/2006/relationships" xmlns:p="http://schemas.openxmlformats.org/presentationml/2006/main">
+  <p:cSld>
+    <p:spTree>
+      <p:nvGrpSpPr>
+        <p:cNvPr id="1" name=""/>
+        <p:cNvGrpSpPr/>
+        <p:nvPr/>
+      </p:nvGrpSpPr>
+      <p:grpSpPr>
+        <a:xfrm>
+          <a:off x="0" y="0"/>
+          <a:ext cx="0" cy="0"/>
+          <a:chOff x="0" y="0"/>
+          <a:chExt cx="0" cy="0"/>
+        </a:xfrm>
+      </p:grpSpPr>
+      <p:sp>
+        <p:nvSpPr>
+          <p:cNvPr id="2" name="슬라이드 이미지 개체 틀 1"/>
+          <p:cNvSpPr>
+            <a:spLocks noGrp="1" noRot="1" noChangeAspect="1"/>
+          </p:cNvSpPr>
+          <p:nvPr>
+            <p:ph type="sldImg"/>
+          </p:nvPr>
+        </p:nvSpPr>
+        <p:spPr/>
+      </p:sp>
+      <p:sp>
+        <p:nvSpPr>
+          <p:cNvPr id="3" name="슬라이드 노트 개체 틀 2"/>
+          <p:cNvSpPr>
+            <a:spLocks noGrp="1"/>
+          </p:cNvSpPr>
+          <p:nvPr>
+            <p:ph type="body" idx="1"/>
+          </p:nvPr>
+        </p:nvSpPr>
+        <p:spPr/>
+        <p:txBody>
+          <a:bodyPr/>
+          <a:lstStyle/>
+          <a:p>
+            <a:endParaRPr lang="ko-KR" altLang="en-US" dirty="0"/>
+          </a:p>
+        </p:txBody>
+      </p:sp>
+      <p:sp>
+        <p:nvSpPr>
+          <p:cNvPr id="4" name="슬라이드 번호 개체 틀 3"/>
+          <p:cNvSpPr>
+            <a:spLocks noGrp="1"/>
+          </p:cNvSpPr>
+          <p:nvPr>
+            <p:ph type="sldNum" sz="quarter" idx="5"/>
+          </p:nvPr>
+        </p:nvSpPr>
+        <p:spPr/>
+        <p:txBody>
+          <a:bodyPr/>
+          <a:lstStyle/>
+          <a:p>
+            <a:fld id="{D8DCC404-E41A-4BC0-921C-BBFB3AB1AB4E}" type="slidenum">
+              <a:rPr lang="ko-KR" altLang="en-US" smtClean="0"/>
+              <a:t>33</a:t>
+            </a:fld>
+            <a:endParaRPr lang="ko-KR" altLang="en-US"/>
+          </a:p>
+        </p:txBody>
+      </p:sp>
+    </p:spTree>
+    <p:extLst>
+      <p:ext uri="{BB962C8B-B14F-4D97-AF65-F5344CB8AC3E}">
+        <p14:creationId xmlns:p14="http://schemas.microsoft.com/office/powerpoint/2010/main" val="196991175"/>
       </p:ext>
     </p:extLst>
   </p:cSld>
@@ -5562,36 +7177,6 @@
           <a:chExt cx="0" cy="0"/>
         </a:xfrm>
       </p:grpSpPr>
-    </p:spTree>
-    <p:extLst>
-      <p:ext uri="{BB962C8B-B14F-4D97-AF65-F5344CB8AC3E}">
-        <p14:creationId xmlns:p14="http://schemas.microsoft.com/office/powerpoint/2010/main" val="2364739027"/>
-      </p:ext>
-    </p:extLst>
-  </p:cSld>
-  <p:clrMapOvr>
-    <a:masterClrMapping/>
-  </p:clrMapOvr>
-</p:sld>
-</file>
-
-<file path=ppt/slides/slide2.xml><?xml version="1.0" encoding="utf-8"?>
-<p:sld xmlns:a="http://schemas.openxmlformats.org/drawingml/2006/main" xmlns:r="http://schemas.openxmlformats.org/officeDocument/2006/relationships" xmlns:p="http://schemas.openxmlformats.org/presentationml/2006/main">
-  <p:cSld>
-    <p:spTree>
-      <p:nvGrpSpPr>
-        <p:cNvPr id="1" name=""/>
-        <p:cNvGrpSpPr/>
-        <p:nvPr/>
-      </p:nvGrpSpPr>
-      <p:grpSpPr>
-        <a:xfrm>
-          <a:off x="0" y="0"/>
-          <a:ext cx="0" cy="0"/>
-          <a:chOff x="0" y="0"/>
-          <a:chExt cx="0" cy="0"/>
-        </a:xfrm>
-      </p:grpSpPr>
       <p:sp>
         <p:nvSpPr>
           <p:cNvPr id="5" name="직사각형 4">
@@ -5744,42 +7329,15 @@
                 <a:latin typeface="태나다체 " panose="02000000000000000000" pitchFamily="2" charset="-127"/>
                 <a:ea typeface="태나다체 " panose="02000000000000000000" pitchFamily="2" charset="-127"/>
               </a:rPr>
-              <a:t>소켓이 </a:t>
+              <a:t>프로젝트 생성</a:t>
             </a:r>
-            <a:r>
-              <a:rPr lang="ko-KR" altLang="en-US" sz="4800" dirty="0" err="1">
-                <a:solidFill>
-                  <a:schemeClr val="bg1"/>
-                </a:solidFill>
-                <a:latin typeface="태나다체 " panose="02000000000000000000" pitchFamily="2" charset="-127"/>
-                <a:ea typeface="태나다체 " panose="02000000000000000000" pitchFamily="2" charset="-127"/>
-              </a:rPr>
-              <a:t>뭐에요</a:t>
-            </a:r>
-            <a:r>
-              <a:rPr lang="en-US" altLang="ko-KR" sz="4800" dirty="0">
-                <a:solidFill>
-                  <a:schemeClr val="bg1"/>
-                </a:solidFill>
-                <a:latin typeface="태나다체 " panose="02000000000000000000" pitchFamily="2" charset="-127"/>
-                <a:ea typeface="태나다체 " panose="02000000000000000000" pitchFamily="2" charset="-127"/>
-              </a:rPr>
-              <a:t>?</a:t>
-            </a:r>
-            <a:endParaRPr lang="ko-KR" altLang="en-US" sz="4800" dirty="0">
-              <a:solidFill>
-                <a:schemeClr val="bg1"/>
-              </a:solidFill>
-              <a:latin typeface="태나다체 " panose="02000000000000000000" pitchFamily="2" charset="-127"/>
-              <a:ea typeface="태나다체 " panose="02000000000000000000" pitchFamily="2" charset="-127"/>
-            </a:endParaRPr>
           </a:p>
         </p:txBody>
       </p:sp>
     </p:spTree>
     <p:extLst>
       <p:ext uri="{BB962C8B-B14F-4D97-AF65-F5344CB8AC3E}">
-        <p14:creationId xmlns:p14="http://schemas.microsoft.com/office/powerpoint/2010/main" val="1427766840"/>
+        <p14:creationId xmlns:p14="http://schemas.microsoft.com/office/powerpoint/2010/main" val="3422875685"/>
       </p:ext>
     </p:extLst>
   </p:cSld>
@@ -5789,7 +7347,7 @@
 </p:sld>
 </file>
 
-<file path=ppt/slides/slide3.xml><?xml version="1.0" encoding="utf-8"?>
+<file path=ppt/slides/slide15.xml><?xml version="1.0" encoding="utf-8"?>
 <p:sld xmlns:a="http://schemas.openxmlformats.org/drawingml/2006/main" xmlns:r="http://schemas.openxmlformats.org/officeDocument/2006/relationships" xmlns:p="http://schemas.openxmlformats.org/presentationml/2006/main">
   <p:cSld>
     <p:spTree>
@@ -5811,7 +7369,7 @@
           <p:cNvPr id="2" name="직사각형 1">
             <a:extLst>
               <a:ext uri="{FF2B5EF4-FFF2-40B4-BE49-F238E27FC236}">
-                <a16:creationId xmlns:a16="http://schemas.microsoft.com/office/drawing/2014/main" id="{54E2CD7B-74A6-44AA-A46D-C26DA263A8E7}"/>
+                <a16:creationId xmlns:a16="http://schemas.microsoft.com/office/drawing/2014/main" id="{2A1392BF-1099-4E76-90C5-342D95EC1B77}"/>
               </a:ext>
             </a:extLst>
           </p:cNvPr>
@@ -5857,6 +7415,2343 @@
           <a:p>
             <a:pPr algn="ctr"/>
             <a:r>
+              <a:rPr lang="ko-KR" altLang="en-US" sz="4400">
+                <a:solidFill>
+                  <a:schemeClr val="bg1"/>
+                </a:solidFill>
+                <a:latin typeface="태나다체 " panose="02000000000000000000" pitchFamily="2" charset="-127"/>
+                <a:ea typeface="태나다체 " panose="02000000000000000000" pitchFamily="2" charset="-127"/>
+              </a:rPr>
+              <a:t>프로젝트 생성</a:t>
+            </a:r>
+            <a:endParaRPr lang="ko-KR" altLang="en-US" sz="4400" dirty="0">
+              <a:solidFill>
+                <a:schemeClr val="bg1"/>
+              </a:solidFill>
+              <a:latin typeface="태나다체 " panose="02000000000000000000" pitchFamily="2" charset="-127"/>
+              <a:ea typeface="태나다체 " panose="02000000000000000000" pitchFamily="2" charset="-127"/>
+            </a:endParaRPr>
+          </a:p>
+        </p:txBody>
+      </p:sp>
+      <p:pic>
+        <p:nvPicPr>
+          <p:cNvPr id="5" name="그림 4">
+            <a:extLst>
+              <a:ext uri="{FF2B5EF4-FFF2-40B4-BE49-F238E27FC236}">
+                <a16:creationId xmlns:a16="http://schemas.microsoft.com/office/drawing/2014/main" id="{191E5F76-8255-4281-94DB-135FDBB463A6}"/>
+              </a:ext>
+            </a:extLst>
+          </p:cNvPr>
+          <p:cNvPicPr>
+            <a:picLocks noChangeAspect="1"/>
+          </p:cNvPicPr>
+          <p:nvPr/>
+        </p:nvPicPr>
+        <p:blipFill>
+          <a:blip r:embed="rId3">
+            <a:extLst>
+              <a:ext uri="{28A0092B-C50C-407E-A947-70E740481C1C}">
+                <a14:useLocalDpi xmlns:a14="http://schemas.microsoft.com/office/drawing/2010/main" val="0"/>
+              </a:ext>
+            </a:extLst>
+          </a:blip>
+          <a:stretch>
+            <a:fillRect/>
+          </a:stretch>
+        </p:blipFill>
+        <p:spPr>
+          <a:xfrm>
+            <a:off x="4091257" y="949923"/>
+            <a:ext cx="7560000" cy="5322512"/>
+          </a:xfrm>
+          <a:prstGeom prst="rect">
+            <a:avLst/>
+          </a:prstGeom>
+        </p:spPr>
+      </p:pic>
+    </p:spTree>
+    <p:extLst>
+      <p:ext uri="{BB962C8B-B14F-4D97-AF65-F5344CB8AC3E}">
+        <p14:creationId xmlns:p14="http://schemas.microsoft.com/office/powerpoint/2010/main" val="314368115"/>
+      </p:ext>
+    </p:extLst>
+  </p:cSld>
+  <p:clrMapOvr>
+    <a:masterClrMapping/>
+  </p:clrMapOvr>
+</p:sld>
+</file>
+
+<file path=ppt/slides/slide16.xml><?xml version="1.0" encoding="utf-8"?>
+<p:sld xmlns:a="http://schemas.openxmlformats.org/drawingml/2006/main" xmlns:r="http://schemas.openxmlformats.org/officeDocument/2006/relationships" xmlns:p="http://schemas.openxmlformats.org/presentationml/2006/main">
+  <p:cSld>
+    <p:spTree>
+      <p:nvGrpSpPr>
+        <p:cNvPr id="1" name=""/>
+        <p:cNvGrpSpPr/>
+        <p:nvPr/>
+      </p:nvGrpSpPr>
+      <p:grpSpPr>
+        <a:xfrm>
+          <a:off x="0" y="0"/>
+          <a:ext cx="0" cy="0"/>
+          <a:chOff x="0" y="0"/>
+          <a:chExt cx="0" cy="0"/>
+        </a:xfrm>
+      </p:grpSpPr>
+      <p:sp>
+        <p:nvSpPr>
+          <p:cNvPr id="2" name="직사각형 1">
+            <a:extLst>
+              <a:ext uri="{FF2B5EF4-FFF2-40B4-BE49-F238E27FC236}">
+                <a16:creationId xmlns:a16="http://schemas.microsoft.com/office/drawing/2014/main" id="{2A1392BF-1099-4E76-90C5-342D95EC1B77}"/>
+              </a:ext>
+            </a:extLst>
+          </p:cNvPr>
+          <p:cNvSpPr/>
+          <p:nvPr/>
+        </p:nvSpPr>
+        <p:spPr>
+          <a:xfrm>
+            <a:off x="0" y="339365"/>
+            <a:ext cx="3619893" cy="1221117"/>
+          </a:xfrm>
+          <a:prstGeom prst="rect">
+            <a:avLst/>
+          </a:prstGeom>
+          <a:solidFill>
+            <a:schemeClr val="tx1"/>
+          </a:solidFill>
+          <a:ln>
+            <a:solidFill>
+              <a:schemeClr val="tx1"/>
+            </a:solidFill>
+          </a:ln>
+        </p:spPr>
+        <p:style>
+          <a:lnRef idx="2">
+            <a:schemeClr val="accent1">
+              <a:shade val="50000"/>
+            </a:schemeClr>
+          </a:lnRef>
+          <a:fillRef idx="1">
+            <a:schemeClr val="accent1"/>
+          </a:fillRef>
+          <a:effectRef idx="0">
+            <a:schemeClr val="accent1"/>
+          </a:effectRef>
+          <a:fontRef idx="minor">
+            <a:schemeClr val="lt1"/>
+          </a:fontRef>
+        </p:style>
+        <p:txBody>
+          <a:bodyPr rtlCol="0" anchor="ctr"/>
+          <a:lstStyle/>
+          <a:p>
+            <a:pPr algn="ctr"/>
+            <a:r>
+              <a:rPr lang="ko-KR" altLang="en-US" sz="4400">
+                <a:solidFill>
+                  <a:schemeClr val="bg1"/>
+                </a:solidFill>
+                <a:latin typeface="태나다체 " panose="02000000000000000000" pitchFamily="2" charset="-127"/>
+                <a:ea typeface="태나다체 " panose="02000000000000000000" pitchFamily="2" charset="-127"/>
+              </a:rPr>
+              <a:t>프로젝트 생성</a:t>
+            </a:r>
+            <a:endParaRPr lang="ko-KR" altLang="en-US" sz="4400" dirty="0">
+              <a:solidFill>
+                <a:schemeClr val="bg1"/>
+              </a:solidFill>
+              <a:latin typeface="태나다체 " panose="02000000000000000000" pitchFamily="2" charset="-127"/>
+              <a:ea typeface="태나다체 " panose="02000000000000000000" pitchFamily="2" charset="-127"/>
+            </a:endParaRPr>
+          </a:p>
+        </p:txBody>
+      </p:sp>
+      <p:pic>
+        <p:nvPicPr>
+          <p:cNvPr id="4" name="그림 3">
+            <a:extLst>
+              <a:ext uri="{FF2B5EF4-FFF2-40B4-BE49-F238E27FC236}">
+                <a16:creationId xmlns:a16="http://schemas.microsoft.com/office/drawing/2014/main" id="{28F7A622-1CAF-4A91-BD97-FF3E1459AE4B}"/>
+              </a:ext>
+            </a:extLst>
+          </p:cNvPr>
+          <p:cNvPicPr>
+            <a:picLocks noChangeAspect="1"/>
+          </p:cNvPicPr>
+          <p:nvPr/>
+        </p:nvPicPr>
+        <p:blipFill>
+          <a:blip r:embed="rId3">
+            <a:extLst>
+              <a:ext uri="{28A0092B-C50C-407E-A947-70E740481C1C}">
+                <a14:useLocalDpi xmlns:a14="http://schemas.microsoft.com/office/drawing/2010/main" val="0"/>
+              </a:ext>
+            </a:extLst>
+          </a:blip>
+          <a:stretch>
+            <a:fillRect/>
+          </a:stretch>
+        </p:blipFill>
+        <p:spPr>
+          <a:xfrm>
+            <a:off x="4091257" y="961831"/>
+            <a:ext cx="7560000" cy="5310604"/>
+          </a:xfrm>
+          <a:prstGeom prst="rect">
+            <a:avLst/>
+          </a:prstGeom>
+        </p:spPr>
+      </p:pic>
+    </p:spTree>
+    <p:extLst>
+      <p:ext uri="{BB962C8B-B14F-4D97-AF65-F5344CB8AC3E}">
+        <p14:creationId xmlns:p14="http://schemas.microsoft.com/office/powerpoint/2010/main" val="3755357464"/>
+      </p:ext>
+    </p:extLst>
+  </p:cSld>
+  <p:clrMapOvr>
+    <a:masterClrMapping/>
+  </p:clrMapOvr>
+</p:sld>
+</file>
+
+<file path=ppt/slides/slide17.xml><?xml version="1.0" encoding="utf-8"?>
+<p:sld xmlns:a="http://schemas.openxmlformats.org/drawingml/2006/main" xmlns:r="http://schemas.openxmlformats.org/officeDocument/2006/relationships" xmlns:p="http://schemas.openxmlformats.org/presentationml/2006/main">
+  <p:cSld>
+    <p:spTree>
+      <p:nvGrpSpPr>
+        <p:cNvPr id="1" name=""/>
+        <p:cNvGrpSpPr/>
+        <p:nvPr/>
+      </p:nvGrpSpPr>
+      <p:grpSpPr>
+        <a:xfrm>
+          <a:off x="0" y="0"/>
+          <a:ext cx="0" cy="0"/>
+          <a:chOff x="0" y="0"/>
+          <a:chExt cx="0" cy="0"/>
+        </a:xfrm>
+      </p:grpSpPr>
+      <p:sp>
+        <p:nvSpPr>
+          <p:cNvPr id="5" name="직사각형 4">
+            <a:extLst>
+              <a:ext uri="{FF2B5EF4-FFF2-40B4-BE49-F238E27FC236}">
+                <a16:creationId xmlns:a16="http://schemas.microsoft.com/office/drawing/2014/main" id="{54E2CD7B-74A6-44AA-A46D-C26DA263A8E7}"/>
+              </a:ext>
+            </a:extLst>
+          </p:cNvPr>
+          <p:cNvSpPr/>
+          <p:nvPr/>
+        </p:nvSpPr>
+        <p:spPr>
+          <a:xfrm>
+            <a:off x="0" y="2582771"/>
+            <a:ext cx="12192000" cy="1692458"/>
+          </a:xfrm>
+          <a:prstGeom prst="rect">
+            <a:avLst/>
+          </a:prstGeom>
+          <a:solidFill>
+            <a:schemeClr val="tx1"/>
+          </a:solidFill>
+          <a:ln>
+            <a:solidFill>
+              <a:schemeClr val="tx1"/>
+            </a:solidFill>
+          </a:ln>
+        </p:spPr>
+        <p:style>
+          <a:lnRef idx="2">
+            <a:schemeClr val="accent1">
+              <a:shade val="50000"/>
+            </a:schemeClr>
+          </a:lnRef>
+          <a:fillRef idx="1">
+            <a:schemeClr val="accent1"/>
+          </a:fillRef>
+          <a:effectRef idx="0">
+            <a:schemeClr val="accent1"/>
+          </a:effectRef>
+          <a:fontRef idx="minor">
+            <a:schemeClr val="lt1"/>
+          </a:fontRef>
+        </p:style>
+        <p:txBody>
+          <a:bodyPr rtlCol="0" anchor="ctr"/>
+          <a:lstStyle>
+            <a:defPPr>
+              <a:defRPr lang="ko-KR"/>
+            </a:defPPr>
+            <a:lvl1pPr marL="0" algn="l" defTabSz="914400" rtl="0" eaLnBrk="1" latinLnBrk="1" hangingPunct="1">
+              <a:defRPr sz="1800" kern="1200">
+                <a:solidFill>
+                  <a:schemeClr val="lt1"/>
+                </a:solidFill>
+                <a:latin typeface="+mn-lt"/>
+                <a:ea typeface="+mn-ea"/>
+                <a:cs typeface="+mn-cs"/>
+              </a:defRPr>
+            </a:lvl1pPr>
+            <a:lvl2pPr marL="457200" algn="l" defTabSz="914400" rtl="0" eaLnBrk="1" latinLnBrk="1" hangingPunct="1">
+              <a:defRPr sz="1800" kern="1200">
+                <a:solidFill>
+                  <a:schemeClr val="lt1"/>
+                </a:solidFill>
+                <a:latin typeface="+mn-lt"/>
+                <a:ea typeface="+mn-ea"/>
+                <a:cs typeface="+mn-cs"/>
+              </a:defRPr>
+            </a:lvl2pPr>
+            <a:lvl3pPr marL="914400" algn="l" defTabSz="914400" rtl="0" eaLnBrk="1" latinLnBrk="1" hangingPunct="1">
+              <a:defRPr sz="1800" kern="1200">
+                <a:solidFill>
+                  <a:schemeClr val="lt1"/>
+                </a:solidFill>
+                <a:latin typeface="+mn-lt"/>
+                <a:ea typeface="+mn-ea"/>
+                <a:cs typeface="+mn-cs"/>
+              </a:defRPr>
+            </a:lvl3pPr>
+            <a:lvl4pPr marL="1371600" algn="l" defTabSz="914400" rtl="0" eaLnBrk="1" latinLnBrk="1" hangingPunct="1">
+              <a:defRPr sz="1800" kern="1200">
+                <a:solidFill>
+                  <a:schemeClr val="lt1"/>
+                </a:solidFill>
+                <a:latin typeface="+mn-lt"/>
+                <a:ea typeface="+mn-ea"/>
+                <a:cs typeface="+mn-cs"/>
+              </a:defRPr>
+            </a:lvl4pPr>
+            <a:lvl5pPr marL="1828800" algn="l" defTabSz="914400" rtl="0" eaLnBrk="1" latinLnBrk="1" hangingPunct="1">
+              <a:defRPr sz="1800" kern="1200">
+                <a:solidFill>
+                  <a:schemeClr val="lt1"/>
+                </a:solidFill>
+                <a:latin typeface="+mn-lt"/>
+                <a:ea typeface="+mn-ea"/>
+                <a:cs typeface="+mn-cs"/>
+              </a:defRPr>
+            </a:lvl5pPr>
+            <a:lvl6pPr marL="2286000" algn="l" defTabSz="914400" rtl="0" eaLnBrk="1" latinLnBrk="1" hangingPunct="1">
+              <a:defRPr sz="1800" kern="1200">
+                <a:solidFill>
+                  <a:schemeClr val="lt1"/>
+                </a:solidFill>
+                <a:latin typeface="+mn-lt"/>
+                <a:ea typeface="+mn-ea"/>
+                <a:cs typeface="+mn-cs"/>
+              </a:defRPr>
+            </a:lvl6pPr>
+            <a:lvl7pPr marL="2743200" algn="l" defTabSz="914400" rtl="0" eaLnBrk="1" latinLnBrk="1" hangingPunct="1">
+              <a:defRPr sz="1800" kern="1200">
+                <a:solidFill>
+                  <a:schemeClr val="lt1"/>
+                </a:solidFill>
+                <a:latin typeface="+mn-lt"/>
+                <a:ea typeface="+mn-ea"/>
+                <a:cs typeface="+mn-cs"/>
+              </a:defRPr>
+            </a:lvl7pPr>
+            <a:lvl8pPr marL="3200400" algn="l" defTabSz="914400" rtl="0" eaLnBrk="1" latinLnBrk="1" hangingPunct="1">
+              <a:defRPr sz="1800" kern="1200">
+                <a:solidFill>
+                  <a:schemeClr val="lt1"/>
+                </a:solidFill>
+                <a:latin typeface="+mn-lt"/>
+                <a:ea typeface="+mn-ea"/>
+                <a:cs typeface="+mn-cs"/>
+              </a:defRPr>
+            </a:lvl8pPr>
+            <a:lvl9pPr marL="3657600" algn="l" defTabSz="914400" rtl="0" eaLnBrk="1" latinLnBrk="1" hangingPunct="1">
+              <a:defRPr sz="1800" kern="1200">
+                <a:solidFill>
+                  <a:schemeClr val="lt1"/>
+                </a:solidFill>
+                <a:latin typeface="+mn-lt"/>
+                <a:ea typeface="+mn-ea"/>
+                <a:cs typeface="+mn-cs"/>
+              </a:defRPr>
+            </a:lvl9pPr>
+          </a:lstStyle>
+          <a:p>
+            <a:pPr algn="ctr"/>
+            <a:r>
+              <a:rPr lang="ko-KR" altLang="en-US" sz="4800" dirty="0">
+                <a:solidFill>
+                  <a:schemeClr val="bg1"/>
+                </a:solidFill>
+                <a:latin typeface="태나다체 " panose="02000000000000000000" pitchFamily="2" charset="-127"/>
+                <a:ea typeface="태나다체 " panose="02000000000000000000" pitchFamily="2" charset="-127"/>
+              </a:rPr>
+              <a:t>소켓 서버</a:t>
+            </a:r>
+          </a:p>
+        </p:txBody>
+      </p:sp>
+    </p:spTree>
+    <p:extLst>
+      <p:ext uri="{BB962C8B-B14F-4D97-AF65-F5344CB8AC3E}">
+        <p14:creationId xmlns:p14="http://schemas.microsoft.com/office/powerpoint/2010/main" val="389356831"/>
+      </p:ext>
+    </p:extLst>
+  </p:cSld>
+  <p:clrMapOvr>
+    <a:masterClrMapping/>
+  </p:clrMapOvr>
+</p:sld>
+</file>
+
+<file path=ppt/slides/slide18.xml><?xml version="1.0" encoding="utf-8"?>
+<p:sld xmlns:a="http://schemas.openxmlformats.org/drawingml/2006/main" xmlns:r="http://schemas.openxmlformats.org/officeDocument/2006/relationships" xmlns:p="http://schemas.openxmlformats.org/presentationml/2006/main">
+  <p:cSld>
+    <p:spTree>
+      <p:nvGrpSpPr>
+        <p:cNvPr id="1" name=""/>
+        <p:cNvGrpSpPr/>
+        <p:nvPr/>
+      </p:nvGrpSpPr>
+      <p:grpSpPr>
+        <a:xfrm>
+          <a:off x="0" y="0"/>
+          <a:ext cx="0" cy="0"/>
+          <a:chOff x="0" y="0"/>
+          <a:chExt cx="0" cy="0"/>
+        </a:xfrm>
+      </p:grpSpPr>
+      <p:sp>
+        <p:nvSpPr>
+          <p:cNvPr id="2" name="직사각형 1">
+            <a:extLst>
+              <a:ext uri="{FF2B5EF4-FFF2-40B4-BE49-F238E27FC236}">
+                <a16:creationId xmlns:a16="http://schemas.microsoft.com/office/drawing/2014/main" id="{2A1392BF-1099-4E76-90C5-342D95EC1B77}"/>
+              </a:ext>
+            </a:extLst>
+          </p:cNvPr>
+          <p:cNvSpPr/>
+          <p:nvPr/>
+        </p:nvSpPr>
+        <p:spPr>
+          <a:xfrm>
+            <a:off x="0" y="339365"/>
+            <a:ext cx="3619893" cy="1221117"/>
+          </a:xfrm>
+          <a:prstGeom prst="rect">
+            <a:avLst/>
+          </a:prstGeom>
+          <a:solidFill>
+            <a:schemeClr val="tx1"/>
+          </a:solidFill>
+          <a:ln>
+            <a:solidFill>
+              <a:schemeClr val="tx1"/>
+            </a:solidFill>
+          </a:ln>
+        </p:spPr>
+        <p:style>
+          <a:lnRef idx="2">
+            <a:schemeClr val="accent1">
+              <a:shade val="50000"/>
+            </a:schemeClr>
+          </a:lnRef>
+          <a:fillRef idx="1">
+            <a:schemeClr val="accent1"/>
+          </a:fillRef>
+          <a:effectRef idx="0">
+            <a:schemeClr val="accent1"/>
+          </a:effectRef>
+          <a:fontRef idx="minor">
+            <a:schemeClr val="lt1"/>
+          </a:fontRef>
+        </p:style>
+        <p:txBody>
+          <a:bodyPr rtlCol="0" anchor="ctr"/>
+          <a:lstStyle/>
+          <a:p>
+            <a:pPr algn="ctr"/>
+            <a:r>
+              <a:rPr lang="ko-KR" altLang="en-US" sz="4800" dirty="0">
+                <a:solidFill>
+                  <a:schemeClr val="bg1"/>
+                </a:solidFill>
+                <a:latin typeface="태나다체 " panose="02000000000000000000" pitchFamily="2" charset="-127"/>
+                <a:ea typeface="태나다체 " panose="02000000000000000000" pitchFamily="2" charset="-127"/>
+              </a:rPr>
+              <a:t>라이브러리</a:t>
+            </a:r>
+          </a:p>
+        </p:txBody>
+      </p:sp>
+      <p:pic>
+        <p:nvPicPr>
+          <p:cNvPr id="8" name="그림 7">
+            <a:extLst>
+              <a:ext uri="{FF2B5EF4-FFF2-40B4-BE49-F238E27FC236}">
+                <a16:creationId xmlns:a16="http://schemas.microsoft.com/office/drawing/2014/main" id="{39D52E65-ED22-4B07-9E24-4D64CD9A0873}"/>
+              </a:ext>
+            </a:extLst>
+          </p:cNvPr>
+          <p:cNvPicPr>
+            <a:picLocks noChangeAspect="1"/>
+          </p:cNvPicPr>
+          <p:nvPr/>
+        </p:nvPicPr>
+        <p:blipFill>
+          <a:blip r:embed="rId3">
+            <a:extLst>
+              <a:ext uri="{28A0092B-C50C-407E-A947-70E740481C1C}">
+                <a14:useLocalDpi xmlns:a14="http://schemas.microsoft.com/office/drawing/2010/main" val="0"/>
+              </a:ext>
+            </a:extLst>
+          </a:blip>
+          <a:stretch>
+            <a:fillRect/>
+          </a:stretch>
+        </p:blipFill>
+        <p:spPr>
+          <a:xfrm>
+            <a:off x="2756317" y="2401513"/>
+            <a:ext cx="6679365" cy="3695238"/>
+          </a:xfrm>
+          <a:prstGeom prst="rect">
+            <a:avLst/>
+          </a:prstGeom>
+        </p:spPr>
+      </p:pic>
+    </p:spTree>
+    <p:extLst>
+      <p:ext uri="{BB962C8B-B14F-4D97-AF65-F5344CB8AC3E}">
+        <p14:creationId xmlns:p14="http://schemas.microsoft.com/office/powerpoint/2010/main" val="2364739027"/>
+      </p:ext>
+    </p:extLst>
+  </p:cSld>
+  <p:clrMapOvr>
+    <a:masterClrMapping/>
+  </p:clrMapOvr>
+</p:sld>
+</file>
+
+<file path=ppt/slides/slide19.xml><?xml version="1.0" encoding="utf-8"?>
+<p:sld xmlns:a="http://schemas.openxmlformats.org/drawingml/2006/main" xmlns:r="http://schemas.openxmlformats.org/officeDocument/2006/relationships" xmlns:p="http://schemas.openxmlformats.org/presentationml/2006/main">
+  <p:cSld>
+    <p:spTree>
+      <p:nvGrpSpPr>
+        <p:cNvPr id="1" name=""/>
+        <p:cNvGrpSpPr/>
+        <p:nvPr/>
+      </p:nvGrpSpPr>
+      <p:grpSpPr>
+        <a:xfrm>
+          <a:off x="0" y="0"/>
+          <a:ext cx="0" cy="0"/>
+          <a:chOff x="0" y="0"/>
+          <a:chExt cx="0" cy="0"/>
+        </a:xfrm>
+      </p:grpSpPr>
+      <p:sp>
+        <p:nvSpPr>
+          <p:cNvPr id="2" name="직사각형 1">
+            <a:extLst>
+              <a:ext uri="{FF2B5EF4-FFF2-40B4-BE49-F238E27FC236}">
+                <a16:creationId xmlns:a16="http://schemas.microsoft.com/office/drawing/2014/main" id="{2A1392BF-1099-4E76-90C5-342D95EC1B77}"/>
+              </a:ext>
+            </a:extLst>
+          </p:cNvPr>
+          <p:cNvSpPr/>
+          <p:nvPr/>
+        </p:nvSpPr>
+        <p:spPr>
+          <a:xfrm>
+            <a:off x="0" y="339365"/>
+            <a:ext cx="3619893" cy="1221117"/>
+          </a:xfrm>
+          <a:prstGeom prst="rect">
+            <a:avLst/>
+          </a:prstGeom>
+          <a:solidFill>
+            <a:schemeClr val="tx1"/>
+          </a:solidFill>
+          <a:ln>
+            <a:solidFill>
+              <a:schemeClr val="tx1"/>
+            </a:solidFill>
+          </a:ln>
+        </p:spPr>
+        <p:style>
+          <a:lnRef idx="2">
+            <a:schemeClr val="accent1">
+              <a:shade val="50000"/>
+            </a:schemeClr>
+          </a:lnRef>
+          <a:fillRef idx="1">
+            <a:schemeClr val="accent1"/>
+          </a:fillRef>
+          <a:effectRef idx="0">
+            <a:schemeClr val="accent1"/>
+          </a:effectRef>
+          <a:fontRef idx="minor">
+            <a:schemeClr val="lt1"/>
+          </a:fontRef>
+        </p:style>
+        <p:txBody>
+          <a:bodyPr rtlCol="0" anchor="ctr"/>
+          <a:lstStyle/>
+          <a:p>
+            <a:pPr algn="ctr"/>
+            <a:r>
+              <a:rPr lang="ko-KR" altLang="en-US" sz="4800" dirty="0">
+                <a:solidFill>
+                  <a:schemeClr val="bg1"/>
+                </a:solidFill>
+                <a:latin typeface="태나다체 " panose="02000000000000000000" pitchFamily="2" charset="-127"/>
+                <a:ea typeface="태나다체 " panose="02000000000000000000" pitchFamily="2" charset="-127"/>
+              </a:rPr>
+              <a:t>리슨 소켓</a:t>
+            </a:r>
+          </a:p>
+        </p:txBody>
+      </p:sp>
+      <p:pic>
+        <p:nvPicPr>
+          <p:cNvPr id="6" name="그림 5">
+            <a:extLst>
+              <a:ext uri="{FF2B5EF4-FFF2-40B4-BE49-F238E27FC236}">
+                <a16:creationId xmlns:a16="http://schemas.microsoft.com/office/drawing/2014/main" id="{2970F0E0-C52D-4040-9854-DAB1AFCE0DA3}"/>
+              </a:ext>
+            </a:extLst>
+          </p:cNvPr>
+          <p:cNvPicPr>
+            <a:picLocks noChangeAspect="1"/>
+          </p:cNvPicPr>
+          <p:nvPr/>
+        </p:nvPicPr>
+        <p:blipFill>
+          <a:blip r:embed="rId3">
+            <a:extLst>
+              <a:ext uri="{28A0092B-C50C-407E-A947-70E740481C1C}">
+                <a14:useLocalDpi xmlns:a14="http://schemas.microsoft.com/office/drawing/2010/main" val="0"/>
+              </a:ext>
+            </a:extLst>
+          </a:blip>
+          <a:stretch>
+            <a:fillRect/>
+          </a:stretch>
+        </p:blipFill>
+        <p:spPr>
+          <a:xfrm>
+            <a:off x="1043233" y="1966651"/>
+            <a:ext cx="10105534" cy="4551984"/>
+          </a:xfrm>
+          <a:prstGeom prst="rect">
+            <a:avLst/>
+          </a:prstGeom>
+        </p:spPr>
+      </p:pic>
+    </p:spTree>
+    <p:extLst>
+      <p:ext uri="{BB962C8B-B14F-4D97-AF65-F5344CB8AC3E}">
+        <p14:creationId xmlns:p14="http://schemas.microsoft.com/office/powerpoint/2010/main" val="542063985"/>
+      </p:ext>
+    </p:extLst>
+  </p:cSld>
+  <p:clrMapOvr>
+    <a:masterClrMapping/>
+  </p:clrMapOvr>
+</p:sld>
+</file>
+
+<file path=ppt/slides/slide2.xml><?xml version="1.0" encoding="utf-8"?>
+<p:sld xmlns:a="http://schemas.openxmlformats.org/drawingml/2006/main" xmlns:r="http://schemas.openxmlformats.org/officeDocument/2006/relationships" xmlns:p="http://schemas.openxmlformats.org/presentationml/2006/main">
+  <p:cSld>
+    <p:spTree>
+      <p:nvGrpSpPr>
+        <p:cNvPr id="1" name=""/>
+        <p:cNvGrpSpPr/>
+        <p:nvPr/>
+      </p:nvGrpSpPr>
+      <p:grpSpPr>
+        <a:xfrm>
+          <a:off x="0" y="0"/>
+          <a:ext cx="0" cy="0"/>
+          <a:chOff x="0" y="0"/>
+          <a:chExt cx="0" cy="0"/>
+        </a:xfrm>
+      </p:grpSpPr>
+      <p:sp>
+        <p:nvSpPr>
+          <p:cNvPr id="5" name="직사각형 4">
+            <a:extLst>
+              <a:ext uri="{FF2B5EF4-FFF2-40B4-BE49-F238E27FC236}">
+                <a16:creationId xmlns:a16="http://schemas.microsoft.com/office/drawing/2014/main" id="{54E2CD7B-74A6-44AA-A46D-C26DA263A8E7}"/>
+              </a:ext>
+            </a:extLst>
+          </p:cNvPr>
+          <p:cNvSpPr/>
+          <p:nvPr/>
+        </p:nvSpPr>
+        <p:spPr>
+          <a:xfrm>
+            <a:off x="0" y="2582771"/>
+            <a:ext cx="12192000" cy="1692458"/>
+          </a:xfrm>
+          <a:prstGeom prst="rect">
+            <a:avLst/>
+          </a:prstGeom>
+          <a:solidFill>
+            <a:schemeClr val="tx1"/>
+          </a:solidFill>
+          <a:ln>
+            <a:solidFill>
+              <a:schemeClr val="tx1"/>
+            </a:solidFill>
+          </a:ln>
+        </p:spPr>
+        <p:style>
+          <a:lnRef idx="2">
+            <a:schemeClr val="accent1">
+              <a:shade val="50000"/>
+            </a:schemeClr>
+          </a:lnRef>
+          <a:fillRef idx="1">
+            <a:schemeClr val="accent1"/>
+          </a:fillRef>
+          <a:effectRef idx="0">
+            <a:schemeClr val="accent1"/>
+          </a:effectRef>
+          <a:fontRef idx="minor">
+            <a:schemeClr val="lt1"/>
+          </a:fontRef>
+        </p:style>
+        <p:txBody>
+          <a:bodyPr rtlCol="0" anchor="ctr"/>
+          <a:lstStyle>
+            <a:defPPr>
+              <a:defRPr lang="ko-KR"/>
+            </a:defPPr>
+            <a:lvl1pPr marL="0" algn="l" defTabSz="914400" rtl="0" eaLnBrk="1" latinLnBrk="1" hangingPunct="1">
+              <a:defRPr sz="1800" kern="1200">
+                <a:solidFill>
+                  <a:schemeClr val="lt1"/>
+                </a:solidFill>
+                <a:latin typeface="+mn-lt"/>
+                <a:ea typeface="+mn-ea"/>
+                <a:cs typeface="+mn-cs"/>
+              </a:defRPr>
+            </a:lvl1pPr>
+            <a:lvl2pPr marL="457200" algn="l" defTabSz="914400" rtl="0" eaLnBrk="1" latinLnBrk="1" hangingPunct="1">
+              <a:defRPr sz="1800" kern="1200">
+                <a:solidFill>
+                  <a:schemeClr val="lt1"/>
+                </a:solidFill>
+                <a:latin typeface="+mn-lt"/>
+                <a:ea typeface="+mn-ea"/>
+                <a:cs typeface="+mn-cs"/>
+              </a:defRPr>
+            </a:lvl2pPr>
+            <a:lvl3pPr marL="914400" algn="l" defTabSz="914400" rtl="0" eaLnBrk="1" latinLnBrk="1" hangingPunct="1">
+              <a:defRPr sz="1800" kern="1200">
+                <a:solidFill>
+                  <a:schemeClr val="lt1"/>
+                </a:solidFill>
+                <a:latin typeface="+mn-lt"/>
+                <a:ea typeface="+mn-ea"/>
+                <a:cs typeface="+mn-cs"/>
+              </a:defRPr>
+            </a:lvl3pPr>
+            <a:lvl4pPr marL="1371600" algn="l" defTabSz="914400" rtl="0" eaLnBrk="1" latinLnBrk="1" hangingPunct="1">
+              <a:defRPr sz="1800" kern="1200">
+                <a:solidFill>
+                  <a:schemeClr val="lt1"/>
+                </a:solidFill>
+                <a:latin typeface="+mn-lt"/>
+                <a:ea typeface="+mn-ea"/>
+                <a:cs typeface="+mn-cs"/>
+              </a:defRPr>
+            </a:lvl4pPr>
+            <a:lvl5pPr marL="1828800" algn="l" defTabSz="914400" rtl="0" eaLnBrk="1" latinLnBrk="1" hangingPunct="1">
+              <a:defRPr sz="1800" kern="1200">
+                <a:solidFill>
+                  <a:schemeClr val="lt1"/>
+                </a:solidFill>
+                <a:latin typeface="+mn-lt"/>
+                <a:ea typeface="+mn-ea"/>
+                <a:cs typeface="+mn-cs"/>
+              </a:defRPr>
+            </a:lvl5pPr>
+            <a:lvl6pPr marL="2286000" algn="l" defTabSz="914400" rtl="0" eaLnBrk="1" latinLnBrk="1" hangingPunct="1">
+              <a:defRPr sz="1800" kern="1200">
+                <a:solidFill>
+                  <a:schemeClr val="lt1"/>
+                </a:solidFill>
+                <a:latin typeface="+mn-lt"/>
+                <a:ea typeface="+mn-ea"/>
+                <a:cs typeface="+mn-cs"/>
+              </a:defRPr>
+            </a:lvl6pPr>
+            <a:lvl7pPr marL="2743200" algn="l" defTabSz="914400" rtl="0" eaLnBrk="1" latinLnBrk="1" hangingPunct="1">
+              <a:defRPr sz="1800" kern="1200">
+                <a:solidFill>
+                  <a:schemeClr val="lt1"/>
+                </a:solidFill>
+                <a:latin typeface="+mn-lt"/>
+                <a:ea typeface="+mn-ea"/>
+                <a:cs typeface="+mn-cs"/>
+              </a:defRPr>
+            </a:lvl7pPr>
+            <a:lvl8pPr marL="3200400" algn="l" defTabSz="914400" rtl="0" eaLnBrk="1" latinLnBrk="1" hangingPunct="1">
+              <a:defRPr sz="1800" kern="1200">
+                <a:solidFill>
+                  <a:schemeClr val="lt1"/>
+                </a:solidFill>
+                <a:latin typeface="+mn-lt"/>
+                <a:ea typeface="+mn-ea"/>
+                <a:cs typeface="+mn-cs"/>
+              </a:defRPr>
+            </a:lvl8pPr>
+            <a:lvl9pPr marL="3657600" algn="l" defTabSz="914400" rtl="0" eaLnBrk="1" latinLnBrk="1" hangingPunct="1">
+              <a:defRPr sz="1800" kern="1200">
+                <a:solidFill>
+                  <a:schemeClr val="lt1"/>
+                </a:solidFill>
+                <a:latin typeface="+mn-lt"/>
+                <a:ea typeface="+mn-ea"/>
+                <a:cs typeface="+mn-cs"/>
+              </a:defRPr>
+            </a:lvl9pPr>
+          </a:lstStyle>
+          <a:p>
+            <a:pPr algn="ctr"/>
+            <a:r>
+              <a:rPr lang="ko-KR" altLang="en-US" sz="4800" dirty="0">
+                <a:solidFill>
+                  <a:schemeClr val="bg1"/>
+                </a:solidFill>
+                <a:latin typeface="태나다체 " panose="02000000000000000000" pitchFamily="2" charset="-127"/>
+                <a:ea typeface="태나다체 " panose="02000000000000000000" pitchFamily="2" charset="-127"/>
+              </a:rPr>
+              <a:t>소켓이 </a:t>
+            </a:r>
+            <a:r>
+              <a:rPr lang="ko-KR" altLang="en-US" sz="4800" dirty="0" err="1">
+                <a:solidFill>
+                  <a:schemeClr val="bg1"/>
+                </a:solidFill>
+                <a:latin typeface="태나다체 " panose="02000000000000000000" pitchFamily="2" charset="-127"/>
+                <a:ea typeface="태나다체 " panose="02000000000000000000" pitchFamily="2" charset="-127"/>
+              </a:rPr>
+              <a:t>뭐에요</a:t>
+            </a:r>
+            <a:r>
+              <a:rPr lang="en-US" altLang="ko-KR" sz="4800" dirty="0">
+                <a:solidFill>
+                  <a:schemeClr val="bg1"/>
+                </a:solidFill>
+                <a:latin typeface="태나다체 " panose="02000000000000000000" pitchFamily="2" charset="-127"/>
+                <a:ea typeface="태나다체 " panose="02000000000000000000" pitchFamily="2" charset="-127"/>
+              </a:rPr>
+              <a:t>?</a:t>
+            </a:r>
+            <a:endParaRPr lang="ko-KR" altLang="en-US" sz="4800" dirty="0">
+              <a:solidFill>
+                <a:schemeClr val="bg1"/>
+              </a:solidFill>
+              <a:latin typeface="태나다체 " panose="02000000000000000000" pitchFamily="2" charset="-127"/>
+              <a:ea typeface="태나다체 " panose="02000000000000000000" pitchFamily="2" charset="-127"/>
+            </a:endParaRPr>
+          </a:p>
+        </p:txBody>
+      </p:sp>
+    </p:spTree>
+    <p:extLst>
+      <p:ext uri="{BB962C8B-B14F-4D97-AF65-F5344CB8AC3E}">
+        <p14:creationId xmlns:p14="http://schemas.microsoft.com/office/powerpoint/2010/main" val="1427766840"/>
+      </p:ext>
+    </p:extLst>
+  </p:cSld>
+  <p:clrMapOvr>
+    <a:masterClrMapping/>
+  </p:clrMapOvr>
+</p:sld>
+</file>
+
+<file path=ppt/slides/slide20.xml><?xml version="1.0" encoding="utf-8"?>
+<p:sld xmlns:a="http://schemas.openxmlformats.org/drawingml/2006/main" xmlns:r="http://schemas.openxmlformats.org/officeDocument/2006/relationships" xmlns:p="http://schemas.openxmlformats.org/presentationml/2006/main">
+  <p:cSld>
+    <p:spTree>
+      <p:nvGrpSpPr>
+        <p:cNvPr id="1" name=""/>
+        <p:cNvGrpSpPr/>
+        <p:nvPr/>
+      </p:nvGrpSpPr>
+      <p:grpSpPr>
+        <a:xfrm>
+          <a:off x="0" y="0"/>
+          <a:ext cx="0" cy="0"/>
+          <a:chOff x="0" y="0"/>
+          <a:chExt cx="0" cy="0"/>
+        </a:xfrm>
+      </p:grpSpPr>
+      <p:sp>
+        <p:nvSpPr>
+          <p:cNvPr id="2" name="직사각형 1">
+            <a:extLst>
+              <a:ext uri="{FF2B5EF4-FFF2-40B4-BE49-F238E27FC236}">
+                <a16:creationId xmlns:a16="http://schemas.microsoft.com/office/drawing/2014/main" id="{2A1392BF-1099-4E76-90C5-342D95EC1B77}"/>
+              </a:ext>
+            </a:extLst>
+          </p:cNvPr>
+          <p:cNvSpPr/>
+          <p:nvPr/>
+        </p:nvSpPr>
+        <p:spPr>
+          <a:xfrm>
+            <a:off x="0" y="339365"/>
+            <a:ext cx="3619893" cy="1221117"/>
+          </a:xfrm>
+          <a:prstGeom prst="rect">
+            <a:avLst/>
+          </a:prstGeom>
+          <a:solidFill>
+            <a:schemeClr val="tx1"/>
+          </a:solidFill>
+          <a:ln>
+            <a:solidFill>
+              <a:schemeClr val="tx1"/>
+            </a:solidFill>
+          </a:ln>
+        </p:spPr>
+        <p:style>
+          <a:lnRef idx="2">
+            <a:schemeClr val="accent1">
+              <a:shade val="50000"/>
+            </a:schemeClr>
+          </a:lnRef>
+          <a:fillRef idx="1">
+            <a:schemeClr val="accent1"/>
+          </a:fillRef>
+          <a:effectRef idx="0">
+            <a:schemeClr val="accent1"/>
+          </a:effectRef>
+          <a:fontRef idx="minor">
+            <a:schemeClr val="lt1"/>
+          </a:fontRef>
+        </p:style>
+        <p:txBody>
+          <a:bodyPr rtlCol="0" anchor="ctr"/>
+          <a:lstStyle/>
+          <a:p>
+            <a:pPr algn="ctr"/>
+            <a:r>
+              <a:rPr lang="ko-KR" altLang="en-US" sz="4800" dirty="0">
+                <a:solidFill>
+                  <a:schemeClr val="bg1"/>
+                </a:solidFill>
+                <a:latin typeface="태나다체 " panose="02000000000000000000" pitchFamily="2" charset="-127"/>
+                <a:ea typeface="태나다체 " panose="02000000000000000000" pitchFamily="2" charset="-127"/>
+              </a:rPr>
+              <a:t>소켓 연결</a:t>
+            </a:r>
+          </a:p>
+        </p:txBody>
+      </p:sp>
+      <p:pic>
+        <p:nvPicPr>
+          <p:cNvPr id="7" name="그림 6">
+            <a:extLst>
+              <a:ext uri="{FF2B5EF4-FFF2-40B4-BE49-F238E27FC236}">
+                <a16:creationId xmlns:a16="http://schemas.microsoft.com/office/drawing/2014/main" id="{A19E7B65-619C-4579-82F1-69B0E84D8908}"/>
+              </a:ext>
+            </a:extLst>
+          </p:cNvPr>
+          <p:cNvPicPr>
+            <a:picLocks noChangeAspect="1"/>
+          </p:cNvPicPr>
+          <p:nvPr/>
+        </p:nvPicPr>
+        <p:blipFill>
+          <a:blip r:embed="rId3">
+            <a:extLst>
+              <a:ext uri="{28A0092B-C50C-407E-A947-70E740481C1C}">
+                <a14:useLocalDpi xmlns:a14="http://schemas.microsoft.com/office/drawing/2010/main" val="0"/>
+              </a:ext>
+            </a:extLst>
+          </a:blip>
+          <a:stretch>
+            <a:fillRect/>
+          </a:stretch>
+        </p:blipFill>
+        <p:spPr>
+          <a:xfrm>
+            <a:off x="2387278" y="1818556"/>
+            <a:ext cx="7417443" cy="4766068"/>
+          </a:xfrm>
+          <a:prstGeom prst="rect">
+            <a:avLst/>
+          </a:prstGeom>
+        </p:spPr>
+      </p:pic>
+    </p:spTree>
+    <p:extLst>
+      <p:ext uri="{BB962C8B-B14F-4D97-AF65-F5344CB8AC3E}">
+        <p14:creationId xmlns:p14="http://schemas.microsoft.com/office/powerpoint/2010/main" val="3770853155"/>
+      </p:ext>
+    </p:extLst>
+  </p:cSld>
+  <p:clrMapOvr>
+    <a:masterClrMapping/>
+  </p:clrMapOvr>
+</p:sld>
+</file>
+
+<file path=ppt/slides/slide21.xml><?xml version="1.0" encoding="utf-8"?>
+<p:sld xmlns:a="http://schemas.openxmlformats.org/drawingml/2006/main" xmlns:r="http://schemas.openxmlformats.org/officeDocument/2006/relationships" xmlns:p="http://schemas.openxmlformats.org/presentationml/2006/main">
+  <p:cSld>
+    <p:spTree>
+      <p:nvGrpSpPr>
+        <p:cNvPr id="1" name=""/>
+        <p:cNvGrpSpPr/>
+        <p:nvPr/>
+      </p:nvGrpSpPr>
+      <p:grpSpPr>
+        <a:xfrm>
+          <a:off x="0" y="0"/>
+          <a:ext cx="0" cy="0"/>
+          <a:chOff x="0" y="0"/>
+          <a:chExt cx="0" cy="0"/>
+        </a:xfrm>
+      </p:grpSpPr>
+      <p:sp>
+        <p:nvSpPr>
+          <p:cNvPr id="2" name="직사각형 1">
+            <a:extLst>
+              <a:ext uri="{FF2B5EF4-FFF2-40B4-BE49-F238E27FC236}">
+                <a16:creationId xmlns:a16="http://schemas.microsoft.com/office/drawing/2014/main" id="{2A1392BF-1099-4E76-90C5-342D95EC1B77}"/>
+              </a:ext>
+            </a:extLst>
+          </p:cNvPr>
+          <p:cNvSpPr/>
+          <p:nvPr/>
+        </p:nvSpPr>
+        <p:spPr>
+          <a:xfrm>
+            <a:off x="0" y="339365"/>
+            <a:ext cx="3619893" cy="1221117"/>
+          </a:xfrm>
+          <a:prstGeom prst="rect">
+            <a:avLst/>
+          </a:prstGeom>
+          <a:solidFill>
+            <a:schemeClr val="tx1"/>
+          </a:solidFill>
+          <a:ln>
+            <a:solidFill>
+              <a:schemeClr val="tx1"/>
+            </a:solidFill>
+          </a:ln>
+        </p:spPr>
+        <p:style>
+          <a:lnRef idx="2">
+            <a:schemeClr val="accent1">
+              <a:shade val="50000"/>
+            </a:schemeClr>
+          </a:lnRef>
+          <a:fillRef idx="1">
+            <a:schemeClr val="accent1"/>
+          </a:fillRef>
+          <a:effectRef idx="0">
+            <a:schemeClr val="accent1"/>
+          </a:effectRef>
+          <a:fontRef idx="minor">
+            <a:schemeClr val="lt1"/>
+          </a:fontRef>
+        </p:style>
+        <p:txBody>
+          <a:bodyPr rtlCol="0" anchor="ctr"/>
+          <a:lstStyle/>
+          <a:p>
+            <a:pPr algn="ctr"/>
+            <a:r>
+              <a:rPr lang="ko-KR" altLang="en-US" sz="4800" dirty="0">
+                <a:solidFill>
+                  <a:schemeClr val="bg1"/>
+                </a:solidFill>
+                <a:latin typeface="태나다체 " panose="02000000000000000000" pitchFamily="2" charset="-127"/>
+                <a:ea typeface="태나다체 " panose="02000000000000000000" pitchFamily="2" charset="-127"/>
+              </a:rPr>
+              <a:t>통신</a:t>
+            </a:r>
+          </a:p>
+        </p:txBody>
+      </p:sp>
+      <p:pic>
+        <p:nvPicPr>
+          <p:cNvPr id="7" name="그림 6">
+            <a:extLst>
+              <a:ext uri="{FF2B5EF4-FFF2-40B4-BE49-F238E27FC236}">
+                <a16:creationId xmlns:a16="http://schemas.microsoft.com/office/drawing/2014/main" id="{783E887B-3985-44C2-A257-CA140273AB57}"/>
+              </a:ext>
+            </a:extLst>
+          </p:cNvPr>
+          <p:cNvPicPr>
+            <a:picLocks noChangeAspect="1"/>
+          </p:cNvPicPr>
+          <p:nvPr/>
+        </p:nvPicPr>
+        <p:blipFill>
+          <a:blip r:embed="rId3">
+            <a:extLst>
+              <a:ext uri="{28A0092B-C50C-407E-A947-70E740481C1C}">
+                <a14:useLocalDpi xmlns:a14="http://schemas.microsoft.com/office/drawing/2010/main" val="0"/>
+              </a:ext>
+            </a:extLst>
+          </a:blip>
+          <a:stretch>
+            <a:fillRect/>
+          </a:stretch>
+        </p:blipFill>
+        <p:spPr>
+          <a:xfrm>
+            <a:off x="3831044" y="296943"/>
+            <a:ext cx="8124525" cy="6264111"/>
+          </a:xfrm>
+          <a:prstGeom prst="rect">
+            <a:avLst/>
+          </a:prstGeom>
+        </p:spPr>
+      </p:pic>
+    </p:spTree>
+    <p:extLst>
+      <p:ext uri="{BB962C8B-B14F-4D97-AF65-F5344CB8AC3E}">
+        <p14:creationId xmlns:p14="http://schemas.microsoft.com/office/powerpoint/2010/main" val="224019818"/>
+      </p:ext>
+    </p:extLst>
+  </p:cSld>
+  <p:clrMapOvr>
+    <a:masterClrMapping/>
+  </p:clrMapOvr>
+</p:sld>
+</file>
+
+<file path=ppt/slides/slide22.xml><?xml version="1.0" encoding="utf-8"?>
+<p:sld xmlns:a="http://schemas.openxmlformats.org/drawingml/2006/main" xmlns:r="http://schemas.openxmlformats.org/officeDocument/2006/relationships" xmlns:p="http://schemas.openxmlformats.org/presentationml/2006/main">
+  <p:cSld>
+    <p:spTree>
+      <p:nvGrpSpPr>
+        <p:cNvPr id="1" name=""/>
+        <p:cNvGrpSpPr/>
+        <p:nvPr/>
+      </p:nvGrpSpPr>
+      <p:grpSpPr>
+        <a:xfrm>
+          <a:off x="0" y="0"/>
+          <a:ext cx="0" cy="0"/>
+          <a:chOff x="0" y="0"/>
+          <a:chExt cx="0" cy="0"/>
+        </a:xfrm>
+      </p:grpSpPr>
+      <p:sp>
+        <p:nvSpPr>
+          <p:cNvPr id="2" name="직사각형 1">
+            <a:extLst>
+              <a:ext uri="{FF2B5EF4-FFF2-40B4-BE49-F238E27FC236}">
+                <a16:creationId xmlns:a16="http://schemas.microsoft.com/office/drawing/2014/main" id="{2A1392BF-1099-4E76-90C5-342D95EC1B77}"/>
+              </a:ext>
+            </a:extLst>
+          </p:cNvPr>
+          <p:cNvSpPr/>
+          <p:nvPr/>
+        </p:nvSpPr>
+        <p:spPr>
+          <a:xfrm>
+            <a:off x="0" y="339365"/>
+            <a:ext cx="3619893" cy="1221117"/>
+          </a:xfrm>
+          <a:prstGeom prst="rect">
+            <a:avLst/>
+          </a:prstGeom>
+          <a:solidFill>
+            <a:schemeClr val="tx1"/>
+          </a:solidFill>
+          <a:ln>
+            <a:solidFill>
+              <a:schemeClr val="tx1"/>
+            </a:solidFill>
+          </a:ln>
+        </p:spPr>
+        <p:style>
+          <a:lnRef idx="2">
+            <a:schemeClr val="accent1">
+              <a:shade val="50000"/>
+            </a:schemeClr>
+          </a:lnRef>
+          <a:fillRef idx="1">
+            <a:schemeClr val="accent1"/>
+          </a:fillRef>
+          <a:effectRef idx="0">
+            <a:schemeClr val="accent1"/>
+          </a:effectRef>
+          <a:fontRef idx="minor">
+            <a:schemeClr val="lt1"/>
+          </a:fontRef>
+        </p:style>
+        <p:txBody>
+          <a:bodyPr rtlCol="0" anchor="ctr"/>
+          <a:lstStyle/>
+          <a:p>
+            <a:pPr algn="ctr"/>
+            <a:r>
+              <a:rPr lang="ko-KR" altLang="en-US" sz="4800" dirty="0">
+                <a:solidFill>
+                  <a:schemeClr val="bg1"/>
+                </a:solidFill>
+                <a:latin typeface="태나다체 " panose="02000000000000000000" pitchFamily="2" charset="-127"/>
+                <a:ea typeface="태나다체 " panose="02000000000000000000" pitchFamily="2" charset="-127"/>
+              </a:rPr>
+              <a:t>통신</a:t>
+            </a:r>
+          </a:p>
+        </p:txBody>
+      </p:sp>
+      <p:pic>
+        <p:nvPicPr>
+          <p:cNvPr id="7" name="그림 6">
+            <a:extLst>
+              <a:ext uri="{FF2B5EF4-FFF2-40B4-BE49-F238E27FC236}">
+                <a16:creationId xmlns:a16="http://schemas.microsoft.com/office/drawing/2014/main" id="{354BD841-88CC-42FB-95FF-C0CCE4FFF599}"/>
+              </a:ext>
+            </a:extLst>
+          </p:cNvPr>
+          <p:cNvPicPr>
+            <a:picLocks noChangeAspect="1"/>
+          </p:cNvPicPr>
+          <p:nvPr/>
+        </p:nvPicPr>
+        <p:blipFill>
+          <a:blip r:embed="rId3">
+            <a:extLst>
+              <a:ext uri="{28A0092B-C50C-407E-A947-70E740481C1C}">
+                <a14:useLocalDpi xmlns:a14="http://schemas.microsoft.com/office/drawing/2010/main" val="0"/>
+              </a:ext>
+            </a:extLst>
+          </a:blip>
+          <a:stretch>
+            <a:fillRect/>
+          </a:stretch>
+        </p:blipFill>
+        <p:spPr>
+          <a:xfrm>
+            <a:off x="4650784" y="169682"/>
+            <a:ext cx="6500028" cy="6518635"/>
+          </a:xfrm>
+          <a:prstGeom prst="rect">
+            <a:avLst/>
+          </a:prstGeom>
+        </p:spPr>
+      </p:pic>
+    </p:spTree>
+    <p:extLst>
+      <p:ext uri="{BB962C8B-B14F-4D97-AF65-F5344CB8AC3E}">
+        <p14:creationId xmlns:p14="http://schemas.microsoft.com/office/powerpoint/2010/main" val="187090705"/>
+      </p:ext>
+    </p:extLst>
+  </p:cSld>
+  <p:clrMapOvr>
+    <a:masterClrMapping/>
+  </p:clrMapOvr>
+</p:sld>
+</file>
+
+<file path=ppt/slides/slide23.xml><?xml version="1.0" encoding="utf-8"?>
+<p:sld xmlns:a="http://schemas.openxmlformats.org/drawingml/2006/main" xmlns:r="http://schemas.openxmlformats.org/officeDocument/2006/relationships" xmlns:p="http://schemas.openxmlformats.org/presentationml/2006/main">
+  <p:cSld>
+    <p:spTree>
+      <p:nvGrpSpPr>
+        <p:cNvPr id="1" name=""/>
+        <p:cNvGrpSpPr/>
+        <p:nvPr/>
+      </p:nvGrpSpPr>
+      <p:grpSpPr>
+        <a:xfrm>
+          <a:off x="0" y="0"/>
+          <a:ext cx="0" cy="0"/>
+          <a:chOff x="0" y="0"/>
+          <a:chExt cx="0" cy="0"/>
+        </a:xfrm>
+      </p:grpSpPr>
+      <p:sp>
+        <p:nvSpPr>
+          <p:cNvPr id="5" name="직사각형 4">
+            <a:extLst>
+              <a:ext uri="{FF2B5EF4-FFF2-40B4-BE49-F238E27FC236}">
+                <a16:creationId xmlns:a16="http://schemas.microsoft.com/office/drawing/2014/main" id="{54E2CD7B-74A6-44AA-A46D-C26DA263A8E7}"/>
+              </a:ext>
+            </a:extLst>
+          </p:cNvPr>
+          <p:cNvSpPr/>
+          <p:nvPr/>
+        </p:nvSpPr>
+        <p:spPr>
+          <a:xfrm>
+            <a:off x="0" y="2582771"/>
+            <a:ext cx="12192000" cy="1692458"/>
+          </a:xfrm>
+          <a:prstGeom prst="rect">
+            <a:avLst/>
+          </a:prstGeom>
+          <a:solidFill>
+            <a:schemeClr val="tx1"/>
+          </a:solidFill>
+          <a:ln>
+            <a:solidFill>
+              <a:schemeClr val="tx1"/>
+            </a:solidFill>
+          </a:ln>
+        </p:spPr>
+        <p:style>
+          <a:lnRef idx="2">
+            <a:schemeClr val="accent1">
+              <a:shade val="50000"/>
+            </a:schemeClr>
+          </a:lnRef>
+          <a:fillRef idx="1">
+            <a:schemeClr val="accent1"/>
+          </a:fillRef>
+          <a:effectRef idx="0">
+            <a:schemeClr val="accent1"/>
+          </a:effectRef>
+          <a:fontRef idx="minor">
+            <a:schemeClr val="lt1"/>
+          </a:fontRef>
+        </p:style>
+        <p:txBody>
+          <a:bodyPr rtlCol="0" anchor="ctr"/>
+          <a:lstStyle>
+            <a:defPPr>
+              <a:defRPr lang="ko-KR"/>
+            </a:defPPr>
+            <a:lvl1pPr marL="0" algn="l" defTabSz="914400" rtl="0" eaLnBrk="1" latinLnBrk="1" hangingPunct="1">
+              <a:defRPr sz="1800" kern="1200">
+                <a:solidFill>
+                  <a:schemeClr val="lt1"/>
+                </a:solidFill>
+                <a:latin typeface="+mn-lt"/>
+                <a:ea typeface="+mn-ea"/>
+                <a:cs typeface="+mn-cs"/>
+              </a:defRPr>
+            </a:lvl1pPr>
+            <a:lvl2pPr marL="457200" algn="l" defTabSz="914400" rtl="0" eaLnBrk="1" latinLnBrk="1" hangingPunct="1">
+              <a:defRPr sz="1800" kern="1200">
+                <a:solidFill>
+                  <a:schemeClr val="lt1"/>
+                </a:solidFill>
+                <a:latin typeface="+mn-lt"/>
+                <a:ea typeface="+mn-ea"/>
+                <a:cs typeface="+mn-cs"/>
+              </a:defRPr>
+            </a:lvl2pPr>
+            <a:lvl3pPr marL="914400" algn="l" defTabSz="914400" rtl="0" eaLnBrk="1" latinLnBrk="1" hangingPunct="1">
+              <a:defRPr sz="1800" kern="1200">
+                <a:solidFill>
+                  <a:schemeClr val="lt1"/>
+                </a:solidFill>
+                <a:latin typeface="+mn-lt"/>
+                <a:ea typeface="+mn-ea"/>
+                <a:cs typeface="+mn-cs"/>
+              </a:defRPr>
+            </a:lvl3pPr>
+            <a:lvl4pPr marL="1371600" algn="l" defTabSz="914400" rtl="0" eaLnBrk="1" latinLnBrk="1" hangingPunct="1">
+              <a:defRPr sz="1800" kern="1200">
+                <a:solidFill>
+                  <a:schemeClr val="lt1"/>
+                </a:solidFill>
+                <a:latin typeface="+mn-lt"/>
+                <a:ea typeface="+mn-ea"/>
+                <a:cs typeface="+mn-cs"/>
+              </a:defRPr>
+            </a:lvl4pPr>
+            <a:lvl5pPr marL="1828800" algn="l" defTabSz="914400" rtl="0" eaLnBrk="1" latinLnBrk="1" hangingPunct="1">
+              <a:defRPr sz="1800" kern="1200">
+                <a:solidFill>
+                  <a:schemeClr val="lt1"/>
+                </a:solidFill>
+                <a:latin typeface="+mn-lt"/>
+                <a:ea typeface="+mn-ea"/>
+                <a:cs typeface="+mn-cs"/>
+              </a:defRPr>
+            </a:lvl5pPr>
+            <a:lvl6pPr marL="2286000" algn="l" defTabSz="914400" rtl="0" eaLnBrk="1" latinLnBrk="1" hangingPunct="1">
+              <a:defRPr sz="1800" kern="1200">
+                <a:solidFill>
+                  <a:schemeClr val="lt1"/>
+                </a:solidFill>
+                <a:latin typeface="+mn-lt"/>
+                <a:ea typeface="+mn-ea"/>
+                <a:cs typeface="+mn-cs"/>
+              </a:defRPr>
+            </a:lvl6pPr>
+            <a:lvl7pPr marL="2743200" algn="l" defTabSz="914400" rtl="0" eaLnBrk="1" latinLnBrk="1" hangingPunct="1">
+              <a:defRPr sz="1800" kern="1200">
+                <a:solidFill>
+                  <a:schemeClr val="lt1"/>
+                </a:solidFill>
+                <a:latin typeface="+mn-lt"/>
+                <a:ea typeface="+mn-ea"/>
+                <a:cs typeface="+mn-cs"/>
+              </a:defRPr>
+            </a:lvl7pPr>
+            <a:lvl8pPr marL="3200400" algn="l" defTabSz="914400" rtl="0" eaLnBrk="1" latinLnBrk="1" hangingPunct="1">
+              <a:defRPr sz="1800" kern="1200">
+                <a:solidFill>
+                  <a:schemeClr val="lt1"/>
+                </a:solidFill>
+                <a:latin typeface="+mn-lt"/>
+                <a:ea typeface="+mn-ea"/>
+                <a:cs typeface="+mn-cs"/>
+              </a:defRPr>
+            </a:lvl8pPr>
+            <a:lvl9pPr marL="3657600" algn="l" defTabSz="914400" rtl="0" eaLnBrk="1" latinLnBrk="1" hangingPunct="1">
+              <a:defRPr sz="1800" kern="1200">
+                <a:solidFill>
+                  <a:schemeClr val="lt1"/>
+                </a:solidFill>
+                <a:latin typeface="+mn-lt"/>
+                <a:ea typeface="+mn-ea"/>
+                <a:cs typeface="+mn-cs"/>
+              </a:defRPr>
+            </a:lvl9pPr>
+          </a:lstStyle>
+          <a:p>
+            <a:pPr algn="ctr"/>
+            <a:r>
+              <a:rPr lang="ko-KR" altLang="en-US" sz="4800" dirty="0">
+                <a:solidFill>
+                  <a:schemeClr val="bg1"/>
+                </a:solidFill>
+                <a:latin typeface="태나다체 " panose="02000000000000000000" pitchFamily="2" charset="-127"/>
+                <a:ea typeface="태나다체 " panose="02000000000000000000" pitchFamily="2" charset="-127"/>
+              </a:rPr>
+              <a:t>소켓 클라이언트</a:t>
+            </a:r>
+          </a:p>
+        </p:txBody>
+      </p:sp>
+    </p:spTree>
+    <p:extLst>
+      <p:ext uri="{BB962C8B-B14F-4D97-AF65-F5344CB8AC3E}">
+        <p14:creationId xmlns:p14="http://schemas.microsoft.com/office/powerpoint/2010/main" val="1032741290"/>
+      </p:ext>
+    </p:extLst>
+  </p:cSld>
+  <p:clrMapOvr>
+    <a:masterClrMapping/>
+  </p:clrMapOvr>
+</p:sld>
+</file>
+
+<file path=ppt/slides/slide24.xml><?xml version="1.0" encoding="utf-8"?>
+<p:sld xmlns:a="http://schemas.openxmlformats.org/drawingml/2006/main" xmlns:r="http://schemas.openxmlformats.org/officeDocument/2006/relationships" xmlns:p="http://schemas.openxmlformats.org/presentationml/2006/main">
+  <p:cSld>
+    <p:spTree>
+      <p:nvGrpSpPr>
+        <p:cNvPr id="1" name=""/>
+        <p:cNvGrpSpPr/>
+        <p:nvPr/>
+      </p:nvGrpSpPr>
+      <p:grpSpPr>
+        <a:xfrm>
+          <a:off x="0" y="0"/>
+          <a:ext cx="0" cy="0"/>
+          <a:chOff x="0" y="0"/>
+          <a:chExt cx="0" cy="0"/>
+        </a:xfrm>
+      </p:grpSpPr>
+      <p:sp>
+        <p:nvSpPr>
+          <p:cNvPr id="2" name="직사각형 1">
+            <a:extLst>
+              <a:ext uri="{FF2B5EF4-FFF2-40B4-BE49-F238E27FC236}">
+                <a16:creationId xmlns:a16="http://schemas.microsoft.com/office/drawing/2014/main" id="{2A1392BF-1099-4E76-90C5-342D95EC1B77}"/>
+              </a:ext>
+            </a:extLst>
+          </p:cNvPr>
+          <p:cNvSpPr/>
+          <p:nvPr/>
+        </p:nvSpPr>
+        <p:spPr>
+          <a:xfrm>
+            <a:off x="0" y="339365"/>
+            <a:ext cx="3619893" cy="1221117"/>
+          </a:xfrm>
+          <a:prstGeom prst="rect">
+            <a:avLst/>
+          </a:prstGeom>
+          <a:solidFill>
+            <a:schemeClr val="tx1"/>
+          </a:solidFill>
+          <a:ln>
+            <a:solidFill>
+              <a:schemeClr val="tx1"/>
+            </a:solidFill>
+          </a:ln>
+        </p:spPr>
+        <p:style>
+          <a:lnRef idx="2">
+            <a:schemeClr val="accent1">
+              <a:shade val="50000"/>
+            </a:schemeClr>
+          </a:lnRef>
+          <a:fillRef idx="1">
+            <a:schemeClr val="accent1"/>
+          </a:fillRef>
+          <a:effectRef idx="0">
+            <a:schemeClr val="accent1"/>
+          </a:effectRef>
+          <a:fontRef idx="minor">
+            <a:schemeClr val="lt1"/>
+          </a:fontRef>
+        </p:style>
+        <p:txBody>
+          <a:bodyPr rtlCol="0" anchor="ctr"/>
+          <a:lstStyle/>
+          <a:p>
+            <a:pPr algn="ctr"/>
+            <a:r>
+              <a:rPr lang="ko-KR" altLang="en-US" sz="4800" dirty="0">
+                <a:solidFill>
+                  <a:schemeClr val="bg1"/>
+                </a:solidFill>
+                <a:latin typeface="태나다체 " panose="02000000000000000000" pitchFamily="2" charset="-127"/>
+                <a:ea typeface="태나다체 " panose="02000000000000000000" pitchFamily="2" charset="-127"/>
+              </a:rPr>
+              <a:t>라이브러리</a:t>
+            </a:r>
+          </a:p>
+        </p:txBody>
+      </p:sp>
+      <p:pic>
+        <p:nvPicPr>
+          <p:cNvPr id="8" name="그림 7">
+            <a:extLst>
+              <a:ext uri="{FF2B5EF4-FFF2-40B4-BE49-F238E27FC236}">
+                <a16:creationId xmlns:a16="http://schemas.microsoft.com/office/drawing/2014/main" id="{39D52E65-ED22-4B07-9E24-4D64CD9A0873}"/>
+              </a:ext>
+            </a:extLst>
+          </p:cNvPr>
+          <p:cNvPicPr>
+            <a:picLocks noChangeAspect="1"/>
+          </p:cNvPicPr>
+          <p:nvPr/>
+        </p:nvPicPr>
+        <p:blipFill>
+          <a:blip r:embed="rId3">
+            <a:extLst>
+              <a:ext uri="{28A0092B-C50C-407E-A947-70E740481C1C}">
+                <a14:useLocalDpi xmlns:a14="http://schemas.microsoft.com/office/drawing/2010/main" val="0"/>
+              </a:ext>
+            </a:extLst>
+          </a:blip>
+          <a:stretch>
+            <a:fillRect/>
+          </a:stretch>
+        </p:blipFill>
+        <p:spPr>
+          <a:xfrm>
+            <a:off x="2756317" y="2401513"/>
+            <a:ext cx="6679365" cy="3695238"/>
+          </a:xfrm>
+          <a:prstGeom prst="rect">
+            <a:avLst/>
+          </a:prstGeom>
+        </p:spPr>
+      </p:pic>
+    </p:spTree>
+    <p:extLst>
+      <p:ext uri="{BB962C8B-B14F-4D97-AF65-F5344CB8AC3E}">
+        <p14:creationId xmlns:p14="http://schemas.microsoft.com/office/powerpoint/2010/main" val="1443386416"/>
+      </p:ext>
+    </p:extLst>
+  </p:cSld>
+  <p:clrMapOvr>
+    <a:masterClrMapping/>
+  </p:clrMapOvr>
+</p:sld>
+</file>
+
+<file path=ppt/slides/slide25.xml><?xml version="1.0" encoding="utf-8"?>
+<p:sld xmlns:a="http://schemas.openxmlformats.org/drawingml/2006/main" xmlns:r="http://schemas.openxmlformats.org/officeDocument/2006/relationships" xmlns:p="http://schemas.openxmlformats.org/presentationml/2006/main">
+  <p:cSld>
+    <p:spTree>
+      <p:nvGrpSpPr>
+        <p:cNvPr id="1" name=""/>
+        <p:cNvGrpSpPr/>
+        <p:nvPr/>
+      </p:nvGrpSpPr>
+      <p:grpSpPr>
+        <a:xfrm>
+          <a:off x="0" y="0"/>
+          <a:ext cx="0" cy="0"/>
+          <a:chOff x="0" y="0"/>
+          <a:chExt cx="0" cy="0"/>
+        </a:xfrm>
+      </p:grpSpPr>
+      <p:sp>
+        <p:nvSpPr>
+          <p:cNvPr id="2" name="직사각형 1">
+            <a:extLst>
+              <a:ext uri="{FF2B5EF4-FFF2-40B4-BE49-F238E27FC236}">
+                <a16:creationId xmlns:a16="http://schemas.microsoft.com/office/drawing/2014/main" id="{2A1392BF-1099-4E76-90C5-342D95EC1B77}"/>
+              </a:ext>
+            </a:extLst>
+          </p:cNvPr>
+          <p:cNvSpPr/>
+          <p:nvPr/>
+        </p:nvSpPr>
+        <p:spPr>
+          <a:xfrm>
+            <a:off x="0" y="339365"/>
+            <a:ext cx="3619893" cy="1221117"/>
+          </a:xfrm>
+          <a:prstGeom prst="rect">
+            <a:avLst/>
+          </a:prstGeom>
+          <a:solidFill>
+            <a:schemeClr val="tx1"/>
+          </a:solidFill>
+          <a:ln>
+            <a:solidFill>
+              <a:schemeClr val="tx1"/>
+            </a:solidFill>
+          </a:ln>
+        </p:spPr>
+        <p:style>
+          <a:lnRef idx="2">
+            <a:schemeClr val="accent1">
+              <a:shade val="50000"/>
+            </a:schemeClr>
+          </a:lnRef>
+          <a:fillRef idx="1">
+            <a:schemeClr val="accent1"/>
+          </a:fillRef>
+          <a:effectRef idx="0">
+            <a:schemeClr val="accent1"/>
+          </a:effectRef>
+          <a:fontRef idx="minor">
+            <a:schemeClr val="lt1"/>
+          </a:fontRef>
+        </p:style>
+        <p:txBody>
+          <a:bodyPr rtlCol="0" anchor="ctr"/>
+          <a:lstStyle/>
+          <a:p>
+            <a:pPr algn="ctr"/>
+            <a:r>
+              <a:rPr lang="ko-KR" altLang="en-US" sz="4800" dirty="0">
+                <a:solidFill>
+                  <a:schemeClr val="bg1"/>
+                </a:solidFill>
+                <a:latin typeface="태나다체 " panose="02000000000000000000" pitchFamily="2" charset="-127"/>
+                <a:ea typeface="태나다체 " panose="02000000000000000000" pitchFamily="2" charset="-127"/>
+              </a:rPr>
+              <a:t>서버 소켓</a:t>
+            </a:r>
+          </a:p>
+        </p:txBody>
+      </p:sp>
+      <p:pic>
+        <p:nvPicPr>
+          <p:cNvPr id="4" name="그림 3">
+            <a:extLst>
+              <a:ext uri="{FF2B5EF4-FFF2-40B4-BE49-F238E27FC236}">
+                <a16:creationId xmlns:a16="http://schemas.microsoft.com/office/drawing/2014/main" id="{6F2746C4-C68B-4092-BCCE-F55E6B53F9B5}"/>
+              </a:ext>
+            </a:extLst>
+          </p:cNvPr>
+          <p:cNvPicPr>
+            <a:picLocks noChangeAspect="1"/>
+          </p:cNvPicPr>
+          <p:nvPr/>
+        </p:nvPicPr>
+        <p:blipFill>
+          <a:blip r:embed="rId3">
+            <a:extLst>
+              <a:ext uri="{28A0092B-C50C-407E-A947-70E740481C1C}">
+                <a14:useLocalDpi xmlns:a14="http://schemas.microsoft.com/office/drawing/2010/main" val="0"/>
+              </a:ext>
+            </a:extLst>
+          </a:blip>
+          <a:stretch>
+            <a:fillRect/>
+          </a:stretch>
+        </p:blipFill>
+        <p:spPr>
+          <a:xfrm>
+            <a:off x="656734" y="2273907"/>
+            <a:ext cx="10878532" cy="3849646"/>
+          </a:xfrm>
+          <a:prstGeom prst="rect">
+            <a:avLst/>
+          </a:prstGeom>
+        </p:spPr>
+      </p:pic>
+    </p:spTree>
+    <p:extLst>
+      <p:ext uri="{BB962C8B-B14F-4D97-AF65-F5344CB8AC3E}">
+        <p14:creationId xmlns:p14="http://schemas.microsoft.com/office/powerpoint/2010/main" val="2898856799"/>
+      </p:ext>
+    </p:extLst>
+  </p:cSld>
+  <p:clrMapOvr>
+    <a:masterClrMapping/>
+  </p:clrMapOvr>
+</p:sld>
+</file>
+
+<file path=ppt/slides/slide26.xml><?xml version="1.0" encoding="utf-8"?>
+<p:sld xmlns:a="http://schemas.openxmlformats.org/drawingml/2006/main" xmlns:r="http://schemas.openxmlformats.org/officeDocument/2006/relationships" xmlns:p="http://schemas.openxmlformats.org/presentationml/2006/main">
+  <p:cSld>
+    <p:spTree>
+      <p:nvGrpSpPr>
+        <p:cNvPr id="1" name=""/>
+        <p:cNvGrpSpPr/>
+        <p:nvPr/>
+      </p:nvGrpSpPr>
+      <p:grpSpPr>
+        <a:xfrm>
+          <a:off x="0" y="0"/>
+          <a:ext cx="0" cy="0"/>
+          <a:chOff x="0" y="0"/>
+          <a:chExt cx="0" cy="0"/>
+        </a:xfrm>
+      </p:grpSpPr>
+      <p:sp>
+        <p:nvSpPr>
+          <p:cNvPr id="2" name="직사각형 1">
+            <a:extLst>
+              <a:ext uri="{FF2B5EF4-FFF2-40B4-BE49-F238E27FC236}">
+                <a16:creationId xmlns:a16="http://schemas.microsoft.com/office/drawing/2014/main" id="{2A1392BF-1099-4E76-90C5-342D95EC1B77}"/>
+              </a:ext>
+            </a:extLst>
+          </p:cNvPr>
+          <p:cNvSpPr/>
+          <p:nvPr/>
+        </p:nvSpPr>
+        <p:spPr>
+          <a:xfrm>
+            <a:off x="0" y="339365"/>
+            <a:ext cx="3619893" cy="1221117"/>
+          </a:xfrm>
+          <a:prstGeom prst="rect">
+            <a:avLst/>
+          </a:prstGeom>
+          <a:solidFill>
+            <a:schemeClr val="tx1"/>
+          </a:solidFill>
+          <a:ln>
+            <a:solidFill>
+              <a:schemeClr val="tx1"/>
+            </a:solidFill>
+          </a:ln>
+        </p:spPr>
+        <p:style>
+          <a:lnRef idx="2">
+            <a:schemeClr val="accent1">
+              <a:shade val="50000"/>
+            </a:schemeClr>
+          </a:lnRef>
+          <a:fillRef idx="1">
+            <a:schemeClr val="accent1"/>
+          </a:fillRef>
+          <a:effectRef idx="0">
+            <a:schemeClr val="accent1"/>
+          </a:effectRef>
+          <a:fontRef idx="minor">
+            <a:schemeClr val="lt1"/>
+          </a:fontRef>
+        </p:style>
+        <p:txBody>
+          <a:bodyPr rtlCol="0" anchor="ctr"/>
+          <a:lstStyle/>
+          <a:p>
+            <a:pPr algn="ctr"/>
+            <a:r>
+              <a:rPr lang="ko-KR" altLang="en-US" sz="4800" dirty="0">
+                <a:solidFill>
+                  <a:schemeClr val="bg1"/>
+                </a:solidFill>
+                <a:latin typeface="태나다체 " panose="02000000000000000000" pitchFamily="2" charset="-127"/>
+                <a:ea typeface="태나다체 " panose="02000000000000000000" pitchFamily="2" charset="-127"/>
+              </a:rPr>
+              <a:t>서버 연결</a:t>
+            </a:r>
+          </a:p>
+        </p:txBody>
+      </p:sp>
+      <p:pic>
+        <p:nvPicPr>
+          <p:cNvPr id="4" name="그림 3">
+            <a:extLst>
+              <a:ext uri="{FF2B5EF4-FFF2-40B4-BE49-F238E27FC236}">
+                <a16:creationId xmlns:a16="http://schemas.microsoft.com/office/drawing/2014/main" id="{BD783261-B20F-485C-B2DE-97A8C5403B59}"/>
+              </a:ext>
+            </a:extLst>
+          </p:cNvPr>
+          <p:cNvPicPr>
+            <a:picLocks noChangeAspect="1"/>
+          </p:cNvPicPr>
+          <p:nvPr/>
+        </p:nvPicPr>
+        <p:blipFill>
+          <a:blip r:embed="rId3">
+            <a:extLst>
+              <a:ext uri="{28A0092B-C50C-407E-A947-70E740481C1C}">
+                <a14:useLocalDpi xmlns:a14="http://schemas.microsoft.com/office/drawing/2010/main" val="0"/>
+              </a:ext>
+            </a:extLst>
+          </a:blip>
+          <a:stretch>
+            <a:fillRect/>
+          </a:stretch>
+        </p:blipFill>
+        <p:spPr>
+          <a:xfrm>
+            <a:off x="246931" y="2102177"/>
+            <a:ext cx="11698138" cy="4207590"/>
+          </a:xfrm>
+          <a:prstGeom prst="rect">
+            <a:avLst/>
+          </a:prstGeom>
+        </p:spPr>
+      </p:pic>
+    </p:spTree>
+    <p:extLst>
+      <p:ext uri="{BB962C8B-B14F-4D97-AF65-F5344CB8AC3E}">
+        <p14:creationId xmlns:p14="http://schemas.microsoft.com/office/powerpoint/2010/main" val="911633356"/>
+      </p:ext>
+    </p:extLst>
+  </p:cSld>
+  <p:clrMapOvr>
+    <a:masterClrMapping/>
+  </p:clrMapOvr>
+</p:sld>
+</file>
+
+<file path=ppt/slides/slide27.xml><?xml version="1.0" encoding="utf-8"?>
+<p:sld xmlns:a="http://schemas.openxmlformats.org/drawingml/2006/main" xmlns:r="http://schemas.openxmlformats.org/officeDocument/2006/relationships" xmlns:p="http://schemas.openxmlformats.org/presentationml/2006/main">
+  <p:cSld>
+    <p:spTree>
+      <p:nvGrpSpPr>
+        <p:cNvPr id="1" name=""/>
+        <p:cNvGrpSpPr/>
+        <p:nvPr/>
+      </p:nvGrpSpPr>
+      <p:grpSpPr>
+        <a:xfrm>
+          <a:off x="0" y="0"/>
+          <a:ext cx="0" cy="0"/>
+          <a:chOff x="0" y="0"/>
+          <a:chExt cx="0" cy="0"/>
+        </a:xfrm>
+      </p:grpSpPr>
+      <p:pic>
+        <p:nvPicPr>
+          <p:cNvPr id="9" name="그림 8">
+            <a:extLst>
+              <a:ext uri="{FF2B5EF4-FFF2-40B4-BE49-F238E27FC236}">
+                <a16:creationId xmlns:a16="http://schemas.microsoft.com/office/drawing/2014/main" id="{F673C51C-0E23-4BC1-A24F-0CC933411454}"/>
+              </a:ext>
+            </a:extLst>
+          </p:cNvPr>
+          <p:cNvPicPr>
+            <a:picLocks noChangeAspect="1"/>
+          </p:cNvPicPr>
+          <p:nvPr/>
+        </p:nvPicPr>
+        <p:blipFill>
+          <a:blip r:embed="rId3">
+            <a:extLst>
+              <a:ext uri="{28A0092B-C50C-407E-A947-70E740481C1C}">
+                <a14:useLocalDpi xmlns:a14="http://schemas.microsoft.com/office/drawing/2010/main" val="0"/>
+              </a:ext>
+            </a:extLst>
+          </a:blip>
+          <a:stretch>
+            <a:fillRect/>
+          </a:stretch>
+        </p:blipFill>
+        <p:spPr>
+          <a:xfrm>
+            <a:off x="4016894" y="237946"/>
+            <a:ext cx="7764843" cy="6384913"/>
+          </a:xfrm>
+          <a:prstGeom prst="rect">
+            <a:avLst/>
+          </a:prstGeom>
+        </p:spPr>
+      </p:pic>
+      <p:sp>
+        <p:nvSpPr>
+          <p:cNvPr id="2" name="직사각형 1">
+            <a:extLst>
+              <a:ext uri="{FF2B5EF4-FFF2-40B4-BE49-F238E27FC236}">
+                <a16:creationId xmlns:a16="http://schemas.microsoft.com/office/drawing/2014/main" id="{2A1392BF-1099-4E76-90C5-342D95EC1B77}"/>
+              </a:ext>
+            </a:extLst>
+          </p:cNvPr>
+          <p:cNvSpPr/>
+          <p:nvPr/>
+        </p:nvSpPr>
+        <p:spPr>
+          <a:xfrm>
+            <a:off x="0" y="339365"/>
+            <a:ext cx="3619893" cy="1221117"/>
+          </a:xfrm>
+          <a:prstGeom prst="rect">
+            <a:avLst/>
+          </a:prstGeom>
+          <a:solidFill>
+            <a:schemeClr val="tx1"/>
+          </a:solidFill>
+          <a:ln>
+            <a:solidFill>
+              <a:schemeClr val="tx1"/>
+            </a:solidFill>
+          </a:ln>
+        </p:spPr>
+        <p:style>
+          <a:lnRef idx="2">
+            <a:schemeClr val="accent1">
+              <a:shade val="50000"/>
+            </a:schemeClr>
+          </a:lnRef>
+          <a:fillRef idx="1">
+            <a:schemeClr val="accent1"/>
+          </a:fillRef>
+          <a:effectRef idx="0">
+            <a:schemeClr val="accent1"/>
+          </a:effectRef>
+          <a:fontRef idx="minor">
+            <a:schemeClr val="lt1"/>
+          </a:fontRef>
+        </p:style>
+        <p:txBody>
+          <a:bodyPr rtlCol="0" anchor="ctr"/>
+          <a:lstStyle/>
+          <a:p>
+            <a:pPr algn="ctr"/>
+            <a:r>
+              <a:rPr lang="ko-KR" altLang="en-US" sz="4800" dirty="0">
+                <a:solidFill>
+                  <a:schemeClr val="bg1"/>
+                </a:solidFill>
+                <a:latin typeface="태나다체 " panose="02000000000000000000" pitchFamily="2" charset="-127"/>
+                <a:ea typeface="태나다체 " panose="02000000000000000000" pitchFamily="2" charset="-127"/>
+              </a:rPr>
+              <a:t>통신</a:t>
+            </a:r>
+          </a:p>
+        </p:txBody>
+      </p:sp>
+    </p:spTree>
+    <p:extLst>
+      <p:ext uri="{BB962C8B-B14F-4D97-AF65-F5344CB8AC3E}">
+        <p14:creationId xmlns:p14="http://schemas.microsoft.com/office/powerpoint/2010/main" val="405590000"/>
+      </p:ext>
+    </p:extLst>
+  </p:cSld>
+  <p:clrMapOvr>
+    <a:masterClrMapping/>
+  </p:clrMapOvr>
+</p:sld>
+</file>
+
+<file path=ppt/slides/slide28.xml><?xml version="1.0" encoding="utf-8"?>
+<p:sld xmlns:a="http://schemas.openxmlformats.org/drawingml/2006/main" xmlns:r="http://schemas.openxmlformats.org/officeDocument/2006/relationships" xmlns:p="http://schemas.openxmlformats.org/presentationml/2006/main">
+  <p:cSld>
+    <p:spTree>
+      <p:nvGrpSpPr>
+        <p:cNvPr id="1" name=""/>
+        <p:cNvGrpSpPr/>
+        <p:nvPr/>
+      </p:nvGrpSpPr>
+      <p:grpSpPr>
+        <a:xfrm>
+          <a:off x="0" y="0"/>
+          <a:ext cx="0" cy="0"/>
+          <a:chOff x="0" y="0"/>
+          <a:chExt cx="0" cy="0"/>
+        </a:xfrm>
+      </p:grpSpPr>
+      <p:sp>
+        <p:nvSpPr>
+          <p:cNvPr id="2" name="직사각형 1">
+            <a:extLst>
+              <a:ext uri="{FF2B5EF4-FFF2-40B4-BE49-F238E27FC236}">
+                <a16:creationId xmlns:a16="http://schemas.microsoft.com/office/drawing/2014/main" id="{2A1392BF-1099-4E76-90C5-342D95EC1B77}"/>
+              </a:ext>
+            </a:extLst>
+          </p:cNvPr>
+          <p:cNvSpPr/>
+          <p:nvPr/>
+        </p:nvSpPr>
+        <p:spPr>
+          <a:xfrm>
+            <a:off x="0" y="339365"/>
+            <a:ext cx="3619893" cy="1221117"/>
+          </a:xfrm>
+          <a:prstGeom prst="rect">
+            <a:avLst/>
+          </a:prstGeom>
+          <a:solidFill>
+            <a:schemeClr val="tx1"/>
+          </a:solidFill>
+          <a:ln>
+            <a:solidFill>
+              <a:schemeClr val="tx1"/>
+            </a:solidFill>
+          </a:ln>
+        </p:spPr>
+        <p:style>
+          <a:lnRef idx="2">
+            <a:schemeClr val="accent1">
+              <a:shade val="50000"/>
+            </a:schemeClr>
+          </a:lnRef>
+          <a:fillRef idx="1">
+            <a:schemeClr val="accent1"/>
+          </a:fillRef>
+          <a:effectRef idx="0">
+            <a:schemeClr val="accent1"/>
+          </a:effectRef>
+          <a:fontRef idx="minor">
+            <a:schemeClr val="lt1"/>
+          </a:fontRef>
+        </p:style>
+        <p:txBody>
+          <a:bodyPr rtlCol="0" anchor="ctr"/>
+          <a:lstStyle/>
+          <a:p>
+            <a:pPr algn="ctr"/>
+            <a:r>
+              <a:rPr lang="ko-KR" altLang="en-US" sz="4800" dirty="0">
+                <a:solidFill>
+                  <a:schemeClr val="bg1"/>
+                </a:solidFill>
+                <a:latin typeface="태나다체 " panose="02000000000000000000" pitchFamily="2" charset="-127"/>
+                <a:ea typeface="태나다체 " panose="02000000000000000000" pitchFamily="2" charset="-127"/>
+              </a:rPr>
+              <a:t>통신</a:t>
+            </a:r>
+          </a:p>
+        </p:txBody>
+      </p:sp>
+      <p:pic>
+        <p:nvPicPr>
+          <p:cNvPr id="4" name="그림 3">
+            <a:extLst>
+              <a:ext uri="{FF2B5EF4-FFF2-40B4-BE49-F238E27FC236}">
+                <a16:creationId xmlns:a16="http://schemas.microsoft.com/office/drawing/2014/main" id="{4DC04F2E-5902-4D48-878C-B92586368733}"/>
+              </a:ext>
+            </a:extLst>
+          </p:cNvPr>
+          <p:cNvPicPr>
+            <a:picLocks noChangeAspect="1"/>
+          </p:cNvPicPr>
+          <p:nvPr/>
+        </p:nvPicPr>
+        <p:blipFill>
+          <a:blip r:embed="rId3">
+            <a:extLst>
+              <a:ext uri="{28A0092B-C50C-407E-A947-70E740481C1C}">
+                <a14:useLocalDpi xmlns:a14="http://schemas.microsoft.com/office/drawing/2010/main" val="0"/>
+              </a:ext>
+            </a:extLst>
+          </a:blip>
+          <a:stretch>
+            <a:fillRect/>
+          </a:stretch>
+        </p:blipFill>
+        <p:spPr>
+          <a:xfrm>
+            <a:off x="3959258" y="428919"/>
+            <a:ext cx="7902027" cy="6000161"/>
+          </a:xfrm>
+          <a:prstGeom prst="rect">
+            <a:avLst/>
+          </a:prstGeom>
+        </p:spPr>
+      </p:pic>
+    </p:spTree>
+    <p:extLst>
+      <p:ext uri="{BB962C8B-B14F-4D97-AF65-F5344CB8AC3E}">
+        <p14:creationId xmlns:p14="http://schemas.microsoft.com/office/powerpoint/2010/main" val="834908657"/>
+      </p:ext>
+    </p:extLst>
+  </p:cSld>
+  <p:clrMapOvr>
+    <a:masterClrMapping/>
+  </p:clrMapOvr>
+</p:sld>
+</file>
+
+<file path=ppt/slides/slide29.xml><?xml version="1.0" encoding="utf-8"?>
+<p:sld xmlns:a="http://schemas.openxmlformats.org/drawingml/2006/main" xmlns:r="http://schemas.openxmlformats.org/officeDocument/2006/relationships" xmlns:p="http://schemas.openxmlformats.org/presentationml/2006/main">
+  <p:cSld>
+    <p:spTree>
+      <p:nvGrpSpPr>
+        <p:cNvPr id="1" name=""/>
+        <p:cNvGrpSpPr/>
+        <p:nvPr/>
+      </p:nvGrpSpPr>
+      <p:grpSpPr>
+        <a:xfrm>
+          <a:off x="0" y="0"/>
+          <a:ext cx="0" cy="0"/>
+          <a:chOff x="0" y="0"/>
+          <a:chExt cx="0" cy="0"/>
+        </a:xfrm>
+      </p:grpSpPr>
+      <p:sp>
+        <p:nvSpPr>
+          <p:cNvPr id="5" name="직사각형 4">
+            <a:extLst>
+              <a:ext uri="{FF2B5EF4-FFF2-40B4-BE49-F238E27FC236}">
+                <a16:creationId xmlns:a16="http://schemas.microsoft.com/office/drawing/2014/main" id="{54E2CD7B-74A6-44AA-A46D-C26DA263A8E7}"/>
+              </a:ext>
+            </a:extLst>
+          </p:cNvPr>
+          <p:cNvSpPr/>
+          <p:nvPr/>
+        </p:nvSpPr>
+        <p:spPr>
+          <a:xfrm>
+            <a:off x="0" y="2582771"/>
+            <a:ext cx="12192000" cy="1692458"/>
+          </a:xfrm>
+          <a:prstGeom prst="rect">
+            <a:avLst/>
+          </a:prstGeom>
+          <a:solidFill>
+            <a:schemeClr val="tx1"/>
+          </a:solidFill>
+          <a:ln>
+            <a:solidFill>
+              <a:schemeClr val="tx1"/>
+            </a:solidFill>
+          </a:ln>
+        </p:spPr>
+        <p:style>
+          <a:lnRef idx="2">
+            <a:schemeClr val="accent1">
+              <a:shade val="50000"/>
+            </a:schemeClr>
+          </a:lnRef>
+          <a:fillRef idx="1">
+            <a:schemeClr val="accent1"/>
+          </a:fillRef>
+          <a:effectRef idx="0">
+            <a:schemeClr val="accent1"/>
+          </a:effectRef>
+          <a:fontRef idx="minor">
+            <a:schemeClr val="lt1"/>
+          </a:fontRef>
+        </p:style>
+        <p:txBody>
+          <a:bodyPr rtlCol="0" anchor="ctr"/>
+          <a:lstStyle>
+            <a:defPPr>
+              <a:defRPr lang="ko-KR"/>
+            </a:defPPr>
+            <a:lvl1pPr marL="0" algn="l" defTabSz="914400" rtl="0" eaLnBrk="1" latinLnBrk="1" hangingPunct="1">
+              <a:defRPr sz="1800" kern="1200">
+                <a:solidFill>
+                  <a:schemeClr val="lt1"/>
+                </a:solidFill>
+                <a:latin typeface="+mn-lt"/>
+                <a:ea typeface="+mn-ea"/>
+                <a:cs typeface="+mn-cs"/>
+              </a:defRPr>
+            </a:lvl1pPr>
+            <a:lvl2pPr marL="457200" algn="l" defTabSz="914400" rtl="0" eaLnBrk="1" latinLnBrk="1" hangingPunct="1">
+              <a:defRPr sz="1800" kern="1200">
+                <a:solidFill>
+                  <a:schemeClr val="lt1"/>
+                </a:solidFill>
+                <a:latin typeface="+mn-lt"/>
+                <a:ea typeface="+mn-ea"/>
+                <a:cs typeface="+mn-cs"/>
+              </a:defRPr>
+            </a:lvl2pPr>
+            <a:lvl3pPr marL="914400" algn="l" defTabSz="914400" rtl="0" eaLnBrk="1" latinLnBrk="1" hangingPunct="1">
+              <a:defRPr sz="1800" kern="1200">
+                <a:solidFill>
+                  <a:schemeClr val="lt1"/>
+                </a:solidFill>
+                <a:latin typeface="+mn-lt"/>
+                <a:ea typeface="+mn-ea"/>
+                <a:cs typeface="+mn-cs"/>
+              </a:defRPr>
+            </a:lvl3pPr>
+            <a:lvl4pPr marL="1371600" algn="l" defTabSz="914400" rtl="0" eaLnBrk="1" latinLnBrk="1" hangingPunct="1">
+              <a:defRPr sz="1800" kern="1200">
+                <a:solidFill>
+                  <a:schemeClr val="lt1"/>
+                </a:solidFill>
+                <a:latin typeface="+mn-lt"/>
+                <a:ea typeface="+mn-ea"/>
+                <a:cs typeface="+mn-cs"/>
+              </a:defRPr>
+            </a:lvl4pPr>
+            <a:lvl5pPr marL="1828800" algn="l" defTabSz="914400" rtl="0" eaLnBrk="1" latinLnBrk="1" hangingPunct="1">
+              <a:defRPr sz="1800" kern="1200">
+                <a:solidFill>
+                  <a:schemeClr val="lt1"/>
+                </a:solidFill>
+                <a:latin typeface="+mn-lt"/>
+                <a:ea typeface="+mn-ea"/>
+                <a:cs typeface="+mn-cs"/>
+              </a:defRPr>
+            </a:lvl5pPr>
+            <a:lvl6pPr marL="2286000" algn="l" defTabSz="914400" rtl="0" eaLnBrk="1" latinLnBrk="1" hangingPunct="1">
+              <a:defRPr sz="1800" kern="1200">
+                <a:solidFill>
+                  <a:schemeClr val="lt1"/>
+                </a:solidFill>
+                <a:latin typeface="+mn-lt"/>
+                <a:ea typeface="+mn-ea"/>
+                <a:cs typeface="+mn-cs"/>
+              </a:defRPr>
+            </a:lvl6pPr>
+            <a:lvl7pPr marL="2743200" algn="l" defTabSz="914400" rtl="0" eaLnBrk="1" latinLnBrk="1" hangingPunct="1">
+              <a:defRPr sz="1800" kern="1200">
+                <a:solidFill>
+                  <a:schemeClr val="lt1"/>
+                </a:solidFill>
+                <a:latin typeface="+mn-lt"/>
+                <a:ea typeface="+mn-ea"/>
+                <a:cs typeface="+mn-cs"/>
+              </a:defRPr>
+            </a:lvl7pPr>
+            <a:lvl8pPr marL="3200400" algn="l" defTabSz="914400" rtl="0" eaLnBrk="1" latinLnBrk="1" hangingPunct="1">
+              <a:defRPr sz="1800" kern="1200">
+                <a:solidFill>
+                  <a:schemeClr val="lt1"/>
+                </a:solidFill>
+                <a:latin typeface="+mn-lt"/>
+                <a:ea typeface="+mn-ea"/>
+                <a:cs typeface="+mn-cs"/>
+              </a:defRPr>
+            </a:lvl8pPr>
+            <a:lvl9pPr marL="3657600" algn="l" defTabSz="914400" rtl="0" eaLnBrk="1" latinLnBrk="1" hangingPunct="1">
+              <a:defRPr sz="1800" kern="1200">
+                <a:solidFill>
+                  <a:schemeClr val="lt1"/>
+                </a:solidFill>
+                <a:latin typeface="+mn-lt"/>
+                <a:ea typeface="+mn-ea"/>
+                <a:cs typeface="+mn-cs"/>
+              </a:defRPr>
+            </a:lvl9pPr>
+          </a:lstStyle>
+          <a:p>
+            <a:pPr algn="ctr"/>
+            <a:r>
+              <a:rPr lang="ko-KR" altLang="en-US" sz="4800" dirty="0">
+                <a:solidFill>
+                  <a:schemeClr val="bg1"/>
+                </a:solidFill>
+                <a:latin typeface="태나다체 " panose="02000000000000000000" pitchFamily="2" charset="-127"/>
+                <a:ea typeface="태나다체 " panose="02000000000000000000" pitchFamily="2" charset="-127"/>
+              </a:rPr>
+              <a:t>디버깅</a:t>
+            </a:r>
+          </a:p>
+        </p:txBody>
+      </p:sp>
+    </p:spTree>
+    <p:extLst>
+      <p:ext uri="{BB962C8B-B14F-4D97-AF65-F5344CB8AC3E}">
+        <p14:creationId xmlns:p14="http://schemas.microsoft.com/office/powerpoint/2010/main" val="210524967"/>
+      </p:ext>
+    </p:extLst>
+  </p:cSld>
+  <p:clrMapOvr>
+    <a:masterClrMapping/>
+  </p:clrMapOvr>
+</p:sld>
+</file>
+
+<file path=ppt/slides/slide3.xml><?xml version="1.0" encoding="utf-8"?>
+<p:sld xmlns:a="http://schemas.openxmlformats.org/drawingml/2006/main" xmlns:r="http://schemas.openxmlformats.org/officeDocument/2006/relationships" xmlns:p="http://schemas.openxmlformats.org/presentationml/2006/main">
+  <p:cSld>
+    <p:spTree>
+      <p:nvGrpSpPr>
+        <p:cNvPr id="1" name=""/>
+        <p:cNvGrpSpPr/>
+        <p:nvPr/>
+      </p:nvGrpSpPr>
+      <p:grpSpPr>
+        <a:xfrm>
+          <a:off x="0" y="0"/>
+          <a:ext cx="0" cy="0"/>
+          <a:chOff x="0" y="0"/>
+          <a:chExt cx="0" cy="0"/>
+        </a:xfrm>
+      </p:grpSpPr>
+      <p:sp>
+        <p:nvSpPr>
+          <p:cNvPr id="2" name="직사각형 1">
+            <a:extLst>
+              <a:ext uri="{FF2B5EF4-FFF2-40B4-BE49-F238E27FC236}">
+                <a16:creationId xmlns:a16="http://schemas.microsoft.com/office/drawing/2014/main" id="{54E2CD7B-74A6-44AA-A46D-C26DA263A8E7}"/>
+              </a:ext>
+            </a:extLst>
+          </p:cNvPr>
+          <p:cNvSpPr/>
+          <p:nvPr/>
+        </p:nvSpPr>
+        <p:spPr>
+          <a:xfrm>
+            <a:off x="0" y="339365"/>
+            <a:ext cx="3619893" cy="1221117"/>
+          </a:xfrm>
+          <a:prstGeom prst="rect">
+            <a:avLst/>
+          </a:prstGeom>
+          <a:solidFill>
+            <a:schemeClr val="tx1"/>
+          </a:solidFill>
+          <a:ln>
+            <a:solidFill>
+              <a:schemeClr val="tx1"/>
+            </a:solidFill>
+          </a:ln>
+        </p:spPr>
+        <p:style>
+          <a:lnRef idx="2">
+            <a:schemeClr val="accent1">
+              <a:shade val="50000"/>
+            </a:schemeClr>
+          </a:lnRef>
+          <a:fillRef idx="1">
+            <a:schemeClr val="accent1"/>
+          </a:fillRef>
+          <a:effectRef idx="0">
+            <a:schemeClr val="accent1"/>
+          </a:effectRef>
+          <a:fontRef idx="minor">
+            <a:schemeClr val="lt1"/>
+          </a:fontRef>
+        </p:style>
+        <p:txBody>
+          <a:bodyPr rtlCol="0" anchor="ctr"/>
+          <a:lstStyle/>
+          <a:p>
+            <a:pPr algn="ctr"/>
+            <a:r>
               <a:rPr lang="ko-KR" altLang="en-US" sz="4800" dirty="0">
                 <a:solidFill>
                   <a:schemeClr val="bg1"/>
@@ -5902,6 +9797,480 @@
     <p:extLst>
       <p:ext uri="{BB962C8B-B14F-4D97-AF65-F5344CB8AC3E}">
         <p14:creationId xmlns:p14="http://schemas.microsoft.com/office/powerpoint/2010/main" val="1026412990"/>
+      </p:ext>
+    </p:extLst>
+  </p:cSld>
+  <p:clrMapOvr>
+    <a:masterClrMapping/>
+  </p:clrMapOvr>
+</p:sld>
+</file>
+
+<file path=ppt/slides/slide30.xml><?xml version="1.0" encoding="utf-8"?>
+<p:sld xmlns:a="http://schemas.openxmlformats.org/drawingml/2006/main" xmlns:r="http://schemas.openxmlformats.org/officeDocument/2006/relationships" xmlns:p="http://schemas.openxmlformats.org/presentationml/2006/main">
+  <p:cSld>
+    <p:spTree>
+      <p:nvGrpSpPr>
+        <p:cNvPr id="1" name=""/>
+        <p:cNvGrpSpPr/>
+        <p:nvPr/>
+      </p:nvGrpSpPr>
+      <p:grpSpPr>
+        <a:xfrm>
+          <a:off x="0" y="0"/>
+          <a:ext cx="0" cy="0"/>
+          <a:chOff x="0" y="0"/>
+          <a:chExt cx="0" cy="0"/>
+        </a:xfrm>
+      </p:grpSpPr>
+      <p:sp>
+        <p:nvSpPr>
+          <p:cNvPr id="2" name="직사각형 1">
+            <a:extLst>
+              <a:ext uri="{FF2B5EF4-FFF2-40B4-BE49-F238E27FC236}">
+                <a16:creationId xmlns:a16="http://schemas.microsoft.com/office/drawing/2014/main" id="{2A1392BF-1099-4E76-90C5-342D95EC1B77}"/>
+              </a:ext>
+            </a:extLst>
+          </p:cNvPr>
+          <p:cNvSpPr/>
+          <p:nvPr/>
+        </p:nvSpPr>
+        <p:spPr>
+          <a:xfrm>
+            <a:off x="0" y="339365"/>
+            <a:ext cx="3619893" cy="1221117"/>
+          </a:xfrm>
+          <a:prstGeom prst="rect">
+            <a:avLst/>
+          </a:prstGeom>
+          <a:solidFill>
+            <a:schemeClr val="tx1"/>
+          </a:solidFill>
+          <a:ln>
+            <a:solidFill>
+              <a:schemeClr val="tx1"/>
+            </a:solidFill>
+          </a:ln>
+        </p:spPr>
+        <p:style>
+          <a:lnRef idx="2">
+            <a:schemeClr val="accent1">
+              <a:shade val="50000"/>
+            </a:schemeClr>
+          </a:lnRef>
+          <a:fillRef idx="1">
+            <a:schemeClr val="accent1"/>
+          </a:fillRef>
+          <a:effectRef idx="0">
+            <a:schemeClr val="accent1"/>
+          </a:effectRef>
+          <a:fontRef idx="minor">
+            <a:schemeClr val="lt1"/>
+          </a:fontRef>
+        </p:style>
+        <p:txBody>
+          <a:bodyPr rtlCol="0" anchor="ctr"/>
+          <a:lstStyle/>
+          <a:p>
+            <a:pPr algn="ctr"/>
+            <a:r>
+              <a:rPr lang="ko-KR" altLang="en-US" sz="4400" dirty="0">
+                <a:solidFill>
+                  <a:schemeClr val="bg1"/>
+                </a:solidFill>
+                <a:latin typeface="태나다체 " panose="02000000000000000000" pitchFamily="2" charset="-127"/>
+                <a:ea typeface="태나다체 " panose="02000000000000000000" pitchFamily="2" charset="-127"/>
+              </a:rPr>
+              <a:t>프로젝트 실행</a:t>
+            </a:r>
+          </a:p>
+        </p:txBody>
+      </p:sp>
+      <p:pic>
+        <p:nvPicPr>
+          <p:cNvPr id="5" name="그림 4">
+            <a:extLst>
+              <a:ext uri="{FF2B5EF4-FFF2-40B4-BE49-F238E27FC236}">
+                <a16:creationId xmlns:a16="http://schemas.microsoft.com/office/drawing/2014/main" id="{B2334E32-414E-4E9E-81CD-58A5500D4036}"/>
+              </a:ext>
+            </a:extLst>
+          </p:cNvPr>
+          <p:cNvPicPr>
+            <a:picLocks noChangeAspect="1"/>
+          </p:cNvPicPr>
+          <p:nvPr/>
+        </p:nvPicPr>
+        <p:blipFill>
+          <a:blip r:embed="rId3">
+            <a:extLst>
+              <a:ext uri="{28A0092B-C50C-407E-A947-70E740481C1C}">
+                <a14:useLocalDpi xmlns:a14="http://schemas.microsoft.com/office/drawing/2010/main" val="0"/>
+              </a:ext>
+            </a:extLst>
+          </a:blip>
+          <a:stretch>
+            <a:fillRect/>
+          </a:stretch>
+        </p:blipFill>
+        <p:spPr>
+          <a:xfrm>
+            <a:off x="5943693" y="222114"/>
+            <a:ext cx="3524399" cy="6413772"/>
+          </a:xfrm>
+          <a:prstGeom prst="rect">
+            <a:avLst/>
+          </a:prstGeom>
+        </p:spPr>
+      </p:pic>
+    </p:spTree>
+    <p:extLst>
+      <p:ext uri="{BB962C8B-B14F-4D97-AF65-F5344CB8AC3E}">
+        <p14:creationId xmlns:p14="http://schemas.microsoft.com/office/powerpoint/2010/main" val="2744038700"/>
+      </p:ext>
+    </p:extLst>
+  </p:cSld>
+  <p:clrMapOvr>
+    <a:masterClrMapping/>
+  </p:clrMapOvr>
+</p:sld>
+</file>
+
+<file path=ppt/slides/slide31.xml><?xml version="1.0" encoding="utf-8"?>
+<p:sld xmlns:a="http://schemas.openxmlformats.org/drawingml/2006/main" xmlns:r="http://schemas.openxmlformats.org/officeDocument/2006/relationships" xmlns:p="http://schemas.openxmlformats.org/presentationml/2006/main">
+  <p:cSld>
+    <p:spTree>
+      <p:nvGrpSpPr>
+        <p:cNvPr id="1" name=""/>
+        <p:cNvGrpSpPr/>
+        <p:nvPr/>
+      </p:nvGrpSpPr>
+      <p:grpSpPr>
+        <a:xfrm>
+          <a:off x="0" y="0"/>
+          <a:ext cx="0" cy="0"/>
+          <a:chOff x="0" y="0"/>
+          <a:chExt cx="0" cy="0"/>
+        </a:xfrm>
+      </p:grpSpPr>
+      <p:sp>
+        <p:nvSpPr>
+          <p:cNvPr id="2" name="직사각형 1">
+            <a:extLst>
+              <a:ext uri="{FF2B5EF4-FFF2-40B4-BE49-F238E27FC236}">
+                <a16:creationId xmlns:a16="http://schemas.microsoft.com/office/drawing/2014/main" id="{2A1392BF-1099-4E76-90C5-342D95EC1B77}"/>
+              </a:ext>
+            </a:extLst>
+          </p:cNvPr>
+          <p:cNvSpPr/>
+          <p:nvPr/>
+        </p:nvSpPr>
+        <p:spPr>
+          <a:xfrm>
+            <a:off x="0" y="339365"/>
+            <a:ext cx="3619893" cy="1221117"/>
+          </a:xfrm>
+          <a:prstGeom prst="rect">
+            <a:avLst/>
+          </a:prstGeom>
+          <a:solidFill>
+            <a:schemeClr val="tx1"/>
+          </a:solidFill>
+          <a:ln>
+            <a:solidFill>
+              <a:schemeClr val="tx1"/>
+            </a:solidFill>
+          </a:ln>
+        </p:spPr>
+        <p:style>
+          <a:lnRef idx="2">
+            <a:schemeClr val="accent1">
+              <a:shade val="50000"/>
+            </a:schemeClr>
+          </a:lnRef>
+          <a:fillRef idx="1">
+            <a:schemeClr val="accent1"/>
+          </a:fillRef>
+          <a:effectRef idx="0">
+            <a:schemeClr val="accent1"/>
+          </a:effectRef>
+          <a:fontRef idx="minor">
+            <a:schemeClr val="lt1"/>
+          </a:fontRef>
+        </p:style>
+        <p:txBody>
+          <a:bodyPr rtlCol="0" anchor="ctr"/>
+          <a:lstStyle/>
+          <a:p>
+            <a:pPr algn="ctr"/>
+            <a:r>
+              <a:rPr lang="ko-KR" altLang="en-US" sz="4400" dirty="0">
+                <a:solidFill>
+                  <a:schemeClr val="bg1"/>
+                </a:solidFill>
+                <a:latin typeface="태나다체 " panose="02000000000000000000" pitchFamily="2" charset="-127"/>
+                <a:ea typeface="태나다체 " panose="02000000000000000000" pitchFamily="2" charset="-127"/>
+              </a:rPr>
+              <a:t>프로젝트 실행</a:t>
+            </a:r>
+          </a:p>
+        </p:txBody>
+      </p:sp>
+      <p:pic>
+        <p:nvPicPr>
+          <p:cNvPr id="4" name="그림 3">
+            <a:extLst>
+              <a:ext uri="{FF2B5EF4-FFF2-40B4-BE49-F238E27FC236}">
+                <a16:creationId xmlns:a16="http://schemas.microsoft.com/office/drawing/2014/main" id="{A78ECF4F-0307-45FD-A655-5C84E40EA482}"/>
+              </a:ext>
+            </a:extLst>
+          </p:cNvPr>
+          <p:cNvPicPr>
+            <a:picLocks noChangeAspect="1"/>
+          </p:cNvPicPr>
+          <p:nvPr/>
+        </p:nvPicPr>
+        <p:blipFill>
+          <a:blip r:embed="rId3">
+            <a:extLst>
+              <a:ext uri="{28A0092B-C50C-407E-A947-70E740481C1C}">
+                <a14:useLocalDpi xmlns:a14="http://schemas.microsoft.com/office/drawing/2010/main" val="0"/>
+              </a:ext>
+            </a:extLst>
+          </a:blip>
+          <a:stretch>
+            <a:fillRect/>
+          </a:stretch>
+        </p:blipFill>
+        <p:spPr>
+          <a:xfrm>
+            <a:off x="3963155" y="960532"/>
+            <a:ext cx="7510764" cy="5179837"/>
+          </a:xfrm>
+          <a:prstGeom prst="rect">
+            <a:avLst/>
+          </a:prstGeom>
+        </p:spPr>
+      </p:pic>
+    </p:spTree>
+    <p:extLst>
+      <p:ext uri="{BB962C8B-B14F-4D97-AF65-F5344CB8AC3E}">
+        <p14:creationId xmlns:p14="http://schemas.microsoft.com/office/powerpoint/2010/main" val="2824254913"/>
+      </p:ext>
+    </p:extLst>
+  </p:cSld>
+  <p:clrMapOvr>
+    <a:masterClrMapping/>
+  </p:clrMapOvr>
+</p:sld>
+</file>
+
+<file path=ppt/slides/slide32.xml><?xml version="1.0" encoding="utf-8"?>
+<p:sld xmlns:a="http://schemas.openxmlformats.org/drawingml/2006/main" xmlns:r="http://schemas.openxmlformats.org/officeDocument/2006/relationships" xmlns:p="http://schemas.openxmlformats.org/presentationml/2006/main">
+  <p:cSld>
+    <p:spTree>
+      <p:nvGrpSpPr>
+        <p:cNvPr id="1" name=""/>
+        <p:cNvGrpSpPr/>
+        <p:nvPr/>
+      </p:nvGrpSpPr>
+      <p:grpSpPr>
+        <a:xfrm>
+          <a:off x="0" y="0"/>
+          <a:ext cx="0" cy="0"/>
+          <a:chOff x="0" y="0"/>
+          <a:chExt cx="0" cy="0"/>
+        </a:xfrm>
+      </p:grpSpPr>
+      <p:sp>
+        <p:nvSpPr>
+          <p:cNvPr id="2" name="직사각형 1">
+            <a:extLst>
+              <a:ext uri="{FF2B5EF4-FFF2-40B4-BE49-F238E27FC236}">
+                <a16:creationId xmlns:a16="http://schemas.microsoft.com/office/drawing/2014/main" id="{2A1392BF-1099-4E76-90C5-342D95EC1B77}"/>
+              </a:ext>
+            </a:extLst>
+          </p:cNvPr>
+          <p:cNvSpPr/>
+          <p:nvPr/>
+        </p:nvSpPr>
+        <p:spPr>
+          <a:xfrm>
+            <a:off x="0" y="339365"/>
+            <a:ext cx="3619893" cy="1221117"/>
+          </a:xfrm>
+          <a:prstGeom prst="rect">
+            <a:avLst/>
+          </a:prstGeom>
+          <a:solidFill>
+            <a:schemeClr val="tx1"/>
+          </a:solidFill>
+          <a:ln>
+            <a:solidFill>
+              <a:schemeClr val="tx1"/>
+            </a:solidFill>
+          </a:ln>
+        </p:spPr>
+        <p:style>
+          <a:lnRef idx="2">
+            <a:schemeClr val="accent1">
+              <a:shade val="50000"/>
+            </a:schemeClr>
+          </a:lnRef>
+          <a:fillRef idx="1">
+            <a:schemeClr val="accent1"/>
+          </a:fillRef>
+          <a:effectRef idx="0">
+            <a:schemeClr val="accent1"/>
+          </a:effectRef>
+          <a:fontRef idx="minor">
+            <a:schemeClr val="lt1"/>
+          </a:fontRef>
+        </p:style>
+        <p:txBody>
+          <a:bodyPr rtlCol="0" anchor="ctr"/>
+          <a:lstStyle/>
+          <a:p>
+            <a:pPr algn="ctr"/>
+            <a:r>
+              <a:rPr lang="ko-KR" altLang="en-US" sz="4400" dirty="0">
+                <a:solidFill>
+                  <a:schemeClr val="bg1"/>
+                </a:solidFill>
+                <a:latin typeface="태나다체 " panose="02000000000000000000" pitchFamily="2" charset="-127"/>
+                <a:ea typeface="태나다체 " panose="02000000000000000000" pitchFamily="2" charset="-127"/>
+              </a:rPr>
+              <a:t>프로젝트 실행</a:t>
+            </a:r>
+          </a:p>
+        </p:txBody>
+      </p:sp>
+      <p:pic>
+        <p:nvPicPr>
+          <p:cNvPr id="5" name="그림 4">
+            <a:extLst>
+              <a:ext uri="{FF2B5EF4-FFF2-40B4-BE49-F238E27FC236}">
+                <a16:creationId xmlns:a16="http://schemas.microsoft.com/office/drawing/2014/main" id="{CB690303-35C2-4A96-B7D9-7765E6627A95}"/>
+              </a:ext>
+            </a:extLst>
+          </p:cNvPr>
+          <p:cNvPicPr>
+            <a:picLocks noChangeAspect="1"/>
+          </p:cNvPicPr>
+          <p:nvPr/>
+        </p:nvPicPr>
+        <p:blipFill>
+          <a:blip r:embed="rId3">
+            <a:extLst>
+              <a:ext uri="{28A0092B-C50C-407E-A947-70E740481C1C}">
+                <a14:useLocalDpi xmlns:a14="http://schemas.microsoft.com/office/drawing/2010/main" val="0"/>
+              </a:ext>
+            </a:extLst>
+          </a:blip>
+          <a:stretch>
+            <a:fillRect/>
+          </a:stretch>
+        </p:blipFill>
+        <p:spPr>
+          <a:xfrm>
+            <a:off x="3743988" y="949923"/>
+            <a:ext cx="8315325" cy="5257800"/>
+          </a:xfrm>
+          <a:prstGeom prst="rect">
+            <a:avLst/>
+          </a:prstGeom>
+        </p:spPr>
+      </p:pic>
+    </p:spTree>
+    <p:extLst>
+      <p:ext uri="{BB962C8B-B14F-4D97-AF65-F5344CB8AC3E}">
+        <p14:creationId xmlns:p14="http://schemas.microsoft.com/office/powerpoint/2010/main" val="2735520076"/>
+      </p:ext>
+    </p:extLst>
+  </p:cSld>
+  <p:clrMapOvr>
+    <a:masterClrMapping/>
+  </p:clrMapOvr>
+</p:sld>
+</file>
+
+<file path=ppt/slides/slide33.xml><?xml version="1.0" encoding="utf-8"?>
+<p:sld xmlns:a="http://schemas.openxmlformats.org/drawingml/2006/main" xmlns:r="http://schemas.openxmlformats.org/officeDocument/2006/relationships" xmlns:p="http://schemas.openxmlformats.org/presentationml/2006/main">
+  <p:cSld>
+    <p:bg>
+      <p:bgPr>
+        <a:solidFill>
+          <a:schemeClr val="bg1"/>
+        </a:solidFill>
+        <a:effectLst/>
+      </p:bgPr>
+    </p:bg>
+    <p:spTree>
+      <p:nvGrpSpPr>
+        <p:cNvPr id="1" name=""/>
+        <p:cNvGrpSpPr/>
+        <p:nvPr/>
+      </p:nvGrpSpPr>
+      <p:grpSpPr>
+        <a:xfrm>
+          <a:off x="0" y="0"/>
+          <a:ext cx="0" cy="0"/>
+          <a:chOff x="0" y="0"/>
+          <a:chExt cx="0" cy="0"/>
+        </a:xfrm>
+      </p:grpSpPr>
+      <p:sp>
+        <p:nvSpPr>
+          <p:cNvPr id="3" name="TextBox 2">
+            <a:extLst>
+              <a:ext uri="{FF2B5EF4-FFF2-40B4-BE49-F238E27FC236}">
+                <a16:creationId xmlns:a16="http://schemas.microsoft.com/office/drawing/2014/main" id="{24432686-99EF-48E0-AE4B-6B0385430ECB}"/>
+              </a:ext>
+            </a:extLst>
+          </p:cNvPr>
+          <p:cNvSpPr txBox="1"/>
+          <p:nvPr/>
+        </p:nvSpPr>
+        <p:spPr>
+          <a:xfrm>
+            <a:off x="1538502" y="2767280"/>
+            <a:ext cx="9114996" cy="1323439"/>
+          </a:xfrm>
+          <a:prstGeom prst="rect">
+            <a:avLst/>
+          </a:prstGeom>
+          <a:noFill/>
+        </p:spPr>
+        <p:txBody>
+          <a:bodyPr wrap="none" rtlCol="0">
+            <a:spAutoFit/>
+          </a:bodyPr>
+          <a:lstStyle/>
+          <a:p>
+            <a:r>
+              <a:rPr lang="ko-KR" altLang="en-US" sz="8000" dirty="0">
+                <a:latin typeface="태나다체 " panose="02000000000000000000" pitchFamily="2" charset="-127"/>
+                <a:ea typeface="태나다체 " panose="02000000000000000000" pitchFamily="2" charset="-127"/>
+              </a:rPr>
+              <a:t>나도 이제 서버개발자</a:t>
+            </a:r>
+            <a:r>
+              <a:rPr lang="en-US" altLang="ko-KR" sz="8000" dirty="0">
+                <a:latin typeface="태나다체 " panose="02000000000000000000" pitchFamily="2" charset="-127"/>
+                <a:ea typeface="태나다체 " panose="02000000000000000000" pitchFamily="2" charset="-127"/>
+              </a:rPr>
+              <a:t>!</a:t>
+            </a:r>
+            <a:endParaRPr lang="ko-KR" altLang="en-US" sz="8000" dirty="0">
+              <a:latin typeface="태나다체 " panose="02000000000000000000" pitchFamily="2" charset="-127"/>
+              <a:ea typeface="태나다체 " panose="02000000000000000000" pitchFamily="2" charset="-127"/>
+            </a:endParaRPr>
+          </a:p>
+        </p:txBody>
+      </p:sp>
+    </p:spTree>
+    <p:extLst>
+      <p:ext uri="{BB962C8B-B14F-4D97-AF65-F5344CB8AC3E}">
+        <p14:creationId xmlns:p14="http://schemas.microsoft.com/office/powerpoint/2010/main" val="986584977"/>
       </p:ext>
     </p:extLst>
   </p:cSld>

--- a/ServerLecture/PT/2강 소켓 프로그래밍.pptx
+++ b/ServerLecture/PT/2강 소켓 프로그래밍.pptx
@@ -8,7 +8,7 @@
     <p:notesMasterId r:id="rId49"/>
   </p:notesMasterIdLst>
   <p:sldIdLst>
-    <p:sldId id="256" r:id="rId2"/>
+    <p:sldId id="306" r:id="rId2"/>
     <p:sldId id="257" r:id="rId3"/>
     <p:sldId id="258" r:id="rId4"/>
     <p:sldId id="259" r:id="rId5"/>
@@ -161,6 +161,18 @@
 </p:presentation>
 </file>
 
+<file path=ppt/commentAuthors.xml><?xml version="1.0" encoding="utf-8"?>
+<p:cmAuthorLst xmlns:a="http://schemas.openxmlformats.org/drawingml/2006/main" xmlns:r="http://schemas.openxmlformats.org/officeDocument/2006/relationships" xmlns:p="http://schemas.openxmlformats.org/presentationml/2006/main">
+  <p:cmAuthor id="1" name="user" initials="u" lastIdx="1" clrIdx="0">
+    <p:extLst>
+      <p:ext uri="{19B8F6BF-5375-455C-9EA6-DF929625EA0E}">
+        <p15:presenceInfo xmlns:p15="http://schemas.microsoft.com/office/powerpoint/2012/main" userId="d8d8cafd05b77ab5" providerId="Windows Live"/>
+      </p:ext>
+    </p:extLst>
+  </p:cmAuthor>
+</p:cmAuthorLst>
+</file>
+
 <file path=ppt/notesMasters/notesMaster1.xml><?xml version="1.0" encoding="utf-8"?>
 <p:notesMaster xmlns:a="http://schemas.openxmlformats.org/drawingml/2006/main" xmlns:r="http://schemas.openxmlformats.org/officeDocument/2006/relationships" xmlns:p="http://schemas.openxmlformats.org/presentationml/2006/main">
   <p:cSld>
@@ -243,7 +255,7 @@
           <a:p>
             <a:fld id="{9F38EF70-A3C6-4744-A0C7-7E69F2A4CDE1}" type="datetimeFigureOut">
               <a:rPr lang="ko-KR" altLang="en-US" smtClean="0"/>
-              <a:t>2023-08-20</a:t>
+              <a:t>2023-08-27</a:t>
             </a:fld>
             <a:endParaRPr lang="ko-KR" altLang="en-US"/>
           </a:p>
@@ -4521,7 +4533,7 @@
           <a:p>
             <a:fld id="{F1041C39-2947-4515-B6CA-3C2FD3810A02}" type="datetimeFigureOut">
               <a:rPr lang="ko-KR" altLang="en-US" smtClean="0"/>
-              <a:t>2023-08-20</a:t>
+              <a:t>2023-08-27</a:t>
             </a:fld>
             <a:endParaRPr lang="ko-KR" altLang="en-US"/>
           </a:p>
@@ -4719,7 +4731,7 @@
           <a:p>
             <a:fld id="{F1041C39-2947-4515-B6CA-3C2FD3810A02}" type="datetimeFigureOut">
               <a:rPr lang="ko-KR" altLang="en-US" smtClean="0"/>
-              <a:t>2023-08-20</a:t>
+              <a:t>2023-08-27</a:t>
             </a:fld>
             <a:endParaRPr lang="ko-KR" altLang="en-US"/>
           </a:p>
@@ -4927,7 +4939,7 @@
           <a:p>
             <a:fld id="{F1041C39-2947-4515-B6CA-3C2FD3810A02}" type="datetimeFigureOut">
               <a:rPr lang="ko-KR" altLang="en-US" smtClean="0"/>
-              <a:t>2023-08-20</a:t>
+              <a:t>2023-08-27</a:t>
             </a:fld>
             <a:endParaRPr lang="ko-KR" altLang="en-US"/>
           </a:p>
@@ -5125,7 +5137,7 @@
           <a:p>
             <a:fld id="{F1041C39-2947-4515-B6CA-3C2FD3810A02}" type="datetimeFigureOut">
               <a:rPr lang="ko-KR" altLang="en-US" smtClean="0"/>
-              <a:t>2023-08-20</a:t>
+              <a:t>2023-08-27</a:t>
             </a:fld>
             <a:endParaRPr lang="ko-KR" altLang="en-US"/>
           </a:p>
@@ -5400,7 +5412,7 @@
           <a:p>
             <a:fld id="{F1041C39-2947-4515-B6CA-3C2FD3810A02}" type="datetimeFigureOut">
               <a:rPr lang="ko-KR" altLang="en-US" smtClean="0"/>
-              <a:t>2023-08-20</a:t>
+              <a:t>2023-08-27</a:t>
             </a:fld>
             <a:endParaRPr lang="ko-KR" altLang="en-US"/>
           </a:p>
@@ -5665,7 +5677,7 @@
           <a:p>
             <a:fld id="{F1041C39-2947-4515-B6CA-3C2FD3810A02}" type="datetimeFigureOut">
               <a:rPr lang="ko-KR" altLang="en-US" smtClean="0"/>
-              <a:t>2023-08-20</a:t>
+              <a:t>2023-08-27</a:t>
             </a:fld>
             <a:endParaRPr lang="ko-KR" altLang="en-US"/>
           </a:p>
@@ -6077,7 +6089,7 @@
           <a:p>
             <a:fld id="{F1041C39-2947-4515-B6CA-3C2FD3810A02}" type="datetimeFigureOut">
               <a:rPr lang="ko-KR" altLang="en-US" smtClean="0"/>
-              <a:t>2023-08-20</a:t>
+              <a:t>2023-08-27</a:t>
             </a:fld>
             <a:endParaRPr lang="ko-KR" altLang="en-US"/>
           </a:p>
@@ -6218,7 +6230,7 @@
           <a:p>
             <a:fld id="{F1041C39-2947-4515-B6CA-3C2FD3810A02}" type="datetimeFigureOut">
               <a:rPr lang="ko-KR" altLang="en-US" smtClean="0"/>
-              <a:t>2023-08-20</a:t>
+              <a:t>2023-08-27</a:t>
             </a:fld>
             <a:endParaRPr lang="ko-KR" altLang="en-US"/>
           </a:p>
@@ -6331,7 +6343,7 @@
           <a:p>
             <a:fld id="{F1041C39-2947-4515-B6CA-3C2FD3810A02}" type="datetimeFigureOut">
               <a:rPr lang="ko-KR" altLang="en-US" smtClean="0"/>
-              <a:t>2023-08-20</a:t>
+              <a:t>2023-08-27</a:t>
             </a:fld>
             <a:endParaRPr lang="ko-KR" altLang="en-US"/>
           </a:p>
@@ -6642,7 +6654,7 @@
           <a:p>
             <a:fld id="{F1041C39-2947-4515-B6CA-3C2FD3810A02}" type="datetimeFigureOut">
               <a:rPr lang="ko-KR" altLang="en-US" smtClean="0"/>
-              <a:t>2023-08-20</a:t>
+              <a:t>2023-08-27</a:t>
             </a:fld>
             <a:endParaRPr lang="ko-KR" altLang="en-US"/>
           </a:p>
@@ -6930,7 +6942,7 @@
           <a:p>
             <a:fld id="{F1041C39-2947-4515-B6CA-3C2FD3810A02}" type="datetimeFigureOut">
               <a:rPr lang="ko-KR" altLang="en-US" smtClean="0"/>
-              <a:t>2023-08-20</a:t>
+              <a:t>2023-08-27</a:t>
             </a:fld>
             <a:endParaRPr lang="ko-KR" altLang="en-US"/>
           </a:p>
@@ -7171,7 +7183,7 @@
           <a:p>
             <a:fld id="{F1041C39-2947-4515-B6CA-3C2FD3810A02}" type="datetimeFigureOut">
               <a:rPr lang="ko-KR" altLang="en-US" smtClean="0"/>
-              <a:t>2023-08-20</a:t>
+              <a:t>2023-08-27</a:t>
             </a:fld>
             <a:endParaRPr lang="ko-KR" altLang="en-US"/>
           </a:p>
@@ -7590,10 +7602,10 @@
       </p:grpSpPr>
       <p:sp>
         <p:nvSpPr>
-          <p:cNvPr id="3" name="부제목 2">
-            <a:extLst>
-              <a:ext uri="{FF2B5EF4-FFF2-40B4-BE49-F238E27FC236}">
-                <a16:creationId xmlns:a16="http://schemas.microsoft.com/office/drawing/2014/main" id="{40621C9A-3617-4969-A536-1AADE85C8094}"/>
+          <p:cNvPr id="2" name="제목 1">
+            <a:extLst>
+              <a:ext uri="{FF2B5EF4-FFF2-40B4-BE49-F238E27FC236}">
+                <a16:creationId xmlns:a16="http://schemas.microsoft.com/office/drawing/2014/main" id="{F6AE7D1E-E1B2-4DEC-9D00-9E140626AA65}"/>
               </a:ext>
             </a:extLst>
           </p:cNvPr>
@@ -7601,57 +7613,22 @@
             <a:spLocks noGrp="1"/>
           </p:cNvSpPr>
           <p:nvPr>
-            <p:ph type="subTitle" idx="1"/>
+            <p:ph type="title"/>
           </p:nvPr>
         </p:nvSpPr>
         <p:spPr>
           <a:xfrm>
-            <a:off x="4242062" y="4158747"/>
-            <a:ext cx="3707876" cy="574036"/>
-          </a:xfrm>
-        </p:spPr>
-        <p:txBody>
-          <a:bodyPr anchor="ctr"/>
-          <a:lstStyle/>
-          <a:p>
-            <a:r>
-              <a:rPr lang="ko-KR" altLang="en-US" dirty="0">
-                <a:latin typeface="배달의민족 주아" panose="02020603020101020101" pitchFamily="18" charset="-127"/>
-                <a:ea typeface="배달의민족 주아" panose="02020603020101020101" pitchFamily="18" charset="-127"/>
-              </a:rPr>
-              <a:t>소켓 프로그래밍</a:t>
-            </a:r>
-          </a:p>
-        </p:txBody>
-      </p:sp>
-      <p:sp>
-        <p:nvSpPr>
-          <p:cNvPr id="4" name="TextBox 3">
-            <a:extLst>
-              <a:ext uri="{FF2B5EF4-FFF2-40B4-BE49-F238E27FC236}">
-                <a16:creationId xmlns:a16="http://schemas.microsoft.com/office/drawing/2014/main" id="{482B05B5-87F6-48FF-A1C5-2C55B629A5BB}"/>
-              </a:ext>
-            </a:extLst>
-          </p:cNvPr>
-          <p:cNvSpPr txBox="1"/>
-          <p:nvPr/>
-        </p:nvSpPr>
-        <p:spPr>
-          <a:xfrm>
-            <a:off x="1507244" y="1437317"/>
-            <a:ext cx="9177512" cy="2123658"/>
-          </a:xfrm>
-          <a:prstGeom prst="rect">
-            <a:avLst/>
-          </a:prstGeom>
-          <a:noFill/>
-        </p:spPr>
-        <p:txBody>
-          <a:bodyPr wrap="none" rtlCol="0">
-            <a:spAutoFit/>
+            <a:off x="791065" y="1371382"/>
+            <a:ext cx="10515600" cy="2217819"/>
+          </a:xfrm>
+        </p:spPr>
+        <p:txBody>
+          <a:bodyPr>
+            <a:normAutofit/>
           </a:bodyPr>
           <a:lstStyle/>
           <a:p>
+            <a:pPr algn="ctr"/>
             <a:r>
               <a:rPr lang="ko-KR" altLang="en-US" sz="6600" dirty="0" err="1">
                 <a:latin typeface="태나다체 " panose="02000000000000000000" pitchFamily="2" charset="-127"/>
@@ -7666,13 +7643,12 @@
               </a:rPr>
               <a:t> 서버 개발자 되는 법</a:t>
             </a:r>
-            <a:endParaRPr lang="en-US" altLang="ko-KR" sz="6600" dirty="0">
-              <a:latin typeface="태나다체 " panose="02000000000000000000" pitchFamily="2" charset="-127"/>
-              <a:ea typeface="태나다체 " panose="02000000000000000000" pitchFamily="2" charset="-127"/>
-            </a:endParaRPr>
-          </a:p>
-          <a:p>
-            <a:pPr algn="ctr"/>
+            <a:br>
+              <a:rPr lang="en-US" altLang="ko-KR" sz="6600" dirty="0">
+                <a:latin typeface="태나다체 " panose="02000000000000000000" pitchFamily="2" charset="-127"/>
+                <a:ea typeface="태나다체 " panose="02000000000000000000" pitchFamily="2" charset="-127"/>
+              </a:rPr>
+            </a:br>
             <a:r>
               <a:rPr lang="en-US" altLang="ko-KR" sz="6600" dirty="0">
                 <a:latin typeface="태나다체 " panose="02000000000000000000" pitchFamily="2" charset="-127"/>
@@ -7687,13 +7663,219 @@
               </a:rPr>
               <a:t>강</a:t>
             </a:r>
+            <a:endParaRPr lang="ko-KR" altLang="en-US" sz="6600" dirty="0"/>
+          </a:p>
+        </p:txBody>
+      </p:sp>
+      <p:sp>
+        <p:nvSpPr>
+          <p:cNvPr id="6" name="부제목 2">
+            <a:extLst>
+              <a:ext uri="{FF2B5EF4-FFF2-40B4-BE49-F238E27FC236}">
+                <a16:creationId xmlns:a16="http://schemas.microsoft.com/office/drawing/2014/main" id="{4D274082-7B4E-41E2-92F2-96516C25222C}"/>
+              </a:ext>
+            </a:extLst>
+          </p:cNvPr>
+          <p:cNvSpPr txBox="1">
+            <a:spLocks/>
+          </p:cNvSpPr>
+          <p:nvPr/>
+        </p:nvSpPr>
+        <p:spPr>
+          <a:xfrm>
+            <a:off x="4242062" y="4158747"/>
+            <a:ext cx="3707876" cy="574036"/>
+          </a:xfrm>
+          <a:prstGeom prst="rect">
+            <a:avLst/>
+          </a:prstGeom>
+        </p:spPr>
+        <p:txBody>
+          <a:bodyPr vert="horz" lIns="91440" tIns="45720" rIns="91440" bIns="45720" rtlCol="0" anchor="ctr">
+            <a:normAutofit/>
+          </a:bodyPr>
+          <a:lstStyle>
+            <a:lvl1pPr marL="228600" indent="-228600" algn="l" defTabSz="914400" rtl="0" eaLnBrk="1" latinLnBrk="1" hangingPunct="1">
+              <a:lnSpc>
+                <a:spcPct val="90000"/>
+              </a:lnSpc>
+              <a:spcBef>
+                <a:spcPts val="1000"/>
+              </a:spcBef>
+              <a:buFont typeface="Arial" panose="020B0604020202020204" pitchFamily="34" charset="0"/>
+              <a:buChar char="•"/>
+              <a:defRPr sz="2800" kern="1200">
+                <a:solidFill>
+                  <a:schemeClr val="tx1"/>
+                </a:solidFill>
+                <a:latin typeface="+mn-lt"/>
+                <a:ea typeface="+mn-ea"/>
+                <a:cs typeface="+mn-cs"/>
+              </a:defRPr>
+            </a:lvl1pPr>
+            <a:lvl2pPr marL="685800" indent="-228600" algn="l" defTabSz="914400" rtl="0" eaLnBrk="1" latinLnBrk="1" hangingPunct="1">
+              <a:lnSpc>
+                <a:spcPct val="90000"/>
+              </a:lnSpc>
+              <a:spcBef>
+                <a:spcPts val="500"/>
+              </a:spcBef>
+              <a:buFont typeface="Arial" panose="020B0604020202020204" pitchFamily="34" charset="0"/>
+              <a:buChar char="•"/>
+              <a:defRPr sz="2400" kern="1200">
+                <a:solidFill>
+                  <a:schemeClr val="tx1"/>
+                </a:solidFill>
+                <a:latin typeface="+mn-lt"/>
+                <a:ea typeface="+mn-ea"/>
+                <a:cs typeface="+mn-cs"/>
+              </a:defRPr>
+            </a:lvl2pPr>
+            <a:lvl3pPr marL="1143000" indent="-228600" algn="l" defTabSz="914400" rtl="0" eaLnBrk="1" latinLnBrk="1" hangingPunct="1">
+              <a:lnSpc>
+                <a:spcPct val="90000"/>
+              </a:lnSpc>
+              <a:spcBef>
+                <a:spcPts val="500"/>
+              </a:spcBef>
+              <a:buFont typeface="Arial" panose="020B0604020202020204" pitchFamily="34" charset="0"/>
+              <a:buChar char="•"/>
+              <a:defRPr sz="2000" kern="1200">
+                <a:solidFill>
+                  <a:schemeClr val="tx1"/>
+                </a:solidFill>
+                <a:latin typeface="+mn-lt"/>
+                <a:ea typeface="+mn-ea"/>
+                <a:cs typeface="+mn-cs"/>
+              </a:defRPr>
+            </a:lvl3pPr>
+            <a:lvl4pPr marL="1600200" indent="-228600" algn="l" defTabSz="914400" rtl="0" eaLnBrk="1" latinLnBrk="1" hangingPunct="1">
+              <a:lnSpc>
+                <a:spcPct val="90000"/>
+              </a:lnSpc>
+              <a:spcBef>
+                <a:spcPts val="500"/>
+              </a:spcBef>
+              <a:buFont typeface="Arial" panose="020B0604020202020204" pitchFamily="34" charset="0"/>
+              <a:buChar char="•"/>
+              <a:defRPr sz="1800" kern="1200">
+                <a:solidFill>
+                  <a:schemeClr val="tx1"/>
+                </a:solidFill>
+                <a:latin typeface="+mn-lt"/>
+                <a:ea typeface="+mn-ea"/>
+                <a:cs typeface="+mn-cs"/>
+              </a:defRPr>
+            </a:lvl4pPr>
+            <a:lvl5pPr marL="2057400" indent="-228600" algn="l" defTabSz="914400" rtl="0" eaLnBrk="1" latinLnBrk="1" hangingPunct="1">
+              <a:lnSpc>
+                <a:spcPct val="90000"/>
+              </a:lnSpc>
+              <a:spcBef>
+                <a:spcPts val="500"/>
+              </a:spcBef>
+              <a:buFont typeface="Arial" panose="020B0604020202020204" pitchFamily="34" charset="0"/>
+              <a:buChar char="•"/>
+              <a:defRPr sz="1800" kern="1200">
+                <a:solidFill>
+                  <a:schemeClr val="tx1"/>
+                </a:solidFill>
+                <a:latin typeface="+mn-lt"/>
+                <a:ea typeface="+mn-ea"/>
+                <a:cs typeface="+mn-cs"/>
+              </a:defRPr>
+            </a:lvl5pPr>
+            <a:lvl6pPr marL="2514600" indent="-228600" algn="l" defTabSz="914400" rtl="0" eaLnBrk="1" latinLnBrk="1" hangingPunct="1">
+              <a:lnSpc>
+                <a:spcPct val="90000"/>
+              </a:lnSpc>
+              <a:spcBef>
+                <a:spcPts val="500"/>
+              </a:spcBef>
+              <a:buFont typeface="Arial" panose="020B0604020202020204" pitchFamily="34" charset="0"/>
+              <a:buChar char="•"/>
+              <a:defRPr sz="1800" kern="1200">
+                <a:solidFill>
+                  <a:schemeClr val="tx1"/>
+                </a:solidFill>
+                <a:latin typeface="+mn-lt"/>
+                <a:ea typeface="+mn-ea"/>
+                <a:cs typeface="+mn-cs"/>
+              </a:defRPr>
+            </a:lvl6pPr>
+            <a:lvl7pPr marL="2971800" indent="-228600" algn="l" defTabSz="914400" rtl="0" eaLnBrk="1" latinLnBrk="1" hangingPunct="1">
+              <a:lnSpc>
+                <a:spcPct val="90000"/>
+              </a:lnSpc>
+              <a:spcBef>
+                <a:spcPts val="500"/>
+              </a:spcBef>
+              <a:buFont typeface="Arial" panose="020B0604020202020204" pitchFamily="34" charset="0"/>
+              <a:buChar char="•"/>
+              <a:defRPr sz="1800" kern="1200">
+                <a:solidFill>
+                  <a:schemeClr val="tx1"/>
+                </a:solidFill>
+                <a:latin typeface="+mn-lt"/>
+                <a:ea typeface="+mn-ea"/>
+                <a:cs typeface="+mn-cs"/>
+              </a:defRPr>
+            </a:lvl7pPr>
+            <a:lvl8pPr marL="3429000" indent="-228600" algn="l" defTabSz="914400" rtl="0" eaLnBrk="1" latinLnBrk="1" hangingPunct="1">
+              <a:lnSpc>
+                <a:spcPct val="90000"/>
+              </a:lnSpc>
+              <a:spcBef>
+                <a:spcPts val="500"/>
+              </a:spcBef>
+              <a:buFont typeface="Arial" panose="020B0604020202020204" pitchFamily="34" charset="0"/>
+              <a:buChar char="•"/>
+              <a:defRPr sz="1800" kern="1200">
+                <a:solidFill>
+                  <a:schemeClr val="tx1"/>
+                </a:solidFill>
+                <a:latin typeface="+mn-lt"/>
+                <a:ea typeface="+mn-ea"/>
+                <a:cs typeface="+mn-cs"/>
+              </a:defRPr>
+            </a:lvl8pPr>
+            <a:lvl9pPr marL="3886200" indent="-228600" algn="l" defTabSz="914400" rtl="0" eaLnBrk="1" latinLnBrk="1" hangingPunct="1">
+              <a:lnSpc>
+                <a:spcPct val="90000"/>
+              </a:lnSpc>
+              <a:spcBef>
+                <a:spcPts val="500"/>
+              </a:spcBef>
+              <a:buFont typeface="Arial" panose="020B0604020202020204" pitchFamily="34" charset="0"/>
+              <a:buChar char="•"/>
+              <a:defRPr sz="1800" kern="1200">
+                <a:solidFill>
+                  <a:schemeClr val="tx1"/>
+                </a:solidFill>
+                <a:latin typeface="+mn-lt"/>
+                <a:ea typeface="+mn-ea"/>
+                <a:cs typeface="+mn-cs"/>
+              </a:defRPr>
+            </a:lvl9pPr>
+          </a:lstStyle>
+          <a:p>
+            <a:pPr marL="0" indent="0" algn="ctr">
+              <a:buNone/>
+            </a:pPr>
+            <a:r>
+              <a:rPr lang="ko-KR" altLang="en-US" sz="2400" dirty="0">
+                <a:latin typeface="배달의민족 주아" panose="02020603020101020101" pitchFamily="18" charset="-127"/>
+                <a:ea typeface="배달의민족 주아" panose="02020603020101020101" pitchFamily="18" charset="-127"/>
+              </a:rPr>
+              <a:t>소켓 프로그래밍</a:t>
+            </a:r>
           </a:p>
         </p:txBody>
       </p:sp>
     </p:spTree>
     <p:extLst>
       <p:ext uri="{BB962C8B-B14F-4D97-AF65-F5344CB8AC3E}">
-        <p14:creationId xmlns:p14="http://schemas.microsoft.com/office/powerpoint/2010/main" val="4280400749"/>
+        <p14:creationId xmlns:p14="http://schemas.microsoft.com/office/powerpoint/2010/main" val="2587684818"/>
       </p:ext>
     </p:extLst>
   </p:cSld>
